--- a/docs/答辩.pptx
+++ b/docs/答辩.pptx
@@ -2,47 +2,49 @@
 <file path=ppt/presentation.xml><?xml version="1.0" encoding="utf-8"?>
 <p:presentation xmlns:a="http://schemas.openxmlformats.org/drawingml/2006/main" xmlns:r="http://schemas.openxmlformats.org/officeDocument/2006/relationships" xmlns:p="http://schemas.openxmlformats.org/presentationml/2006/main" strictFirstAndLastChars="0" embedTrueTypeFonts="1" saveSubsetFonts="1" autoCompressPictures="0">
   <p:sldMasterIdLst>
-    <p:sldMasterId id="2147483678" r:id="rId1"/>
-    <p:sldMasterId id="2147483679" r:id="rId2"/>
+    <p:sldMasterId id="2147483648" r:id="rId1"/>
+    <p:sldMasterId id="2147483657" r:id="rId3"/>
   </p:sldMasterIdLst>
   <p:notesMasterIdLst>
-    <p:notesMasterId r:id="rId15"/>
+    <p:notesMasterId r:id="rId6"/>
   </p:notesMasterIdLst>
   <p:sldIdLst>
-    <p:sldId id="256" r:id="rId3"/>
     <p:sldId id="308" r:id="rId4"/>
-    <p:sldId id="307" r:id="rId5"/>
-    <p:sldId id="310" r:id="rId6"/>
-    <p:sldId id="311" r:id="rId7"/>
-    <p:sldId id="312" r:id="rId8"/>
-    <p:sldId id="313" r:id="rId9"/>
-    <p:sldId id="314" r:id="rId10"/>
-    <p:sldId id="315" r:id="rId11"/>
-    <p:sldId id="316" r:id="rId12"/>
-    <p:sldId id="317" r:id="rId13"/>
-    <p:sldId id="304" r:id="rId14"/>
+    <p:sldId id="256" r:id="rId5"/>
+    <p:sldId id="307" r:id="rId7"/>
+    <p:sldId id="310" r:id="rId8"/>
+    <p:sldId id="311" r:id="rId9"/>
+    <p:sldId id="312" r:id="rId10"/>
+    <p:sldId id="313" r:id="rId11"/>
+    <p:sldId id="320" r:id="rId12"/>
+    <p:sldId id="327" r:id="rId13"/>
+    <p:sldId id="326" r:id="rId14"/>
+    <p:sldId id="314" r:id="rId15"/>
+    <p:sldId id="315" r:id="rId16"/>
+    <p:sldId id="324" r:id="rId17"/>
+    <p:sldId id="322" r:id="rId18"/>
+    <p:sldId id="321" r:id="rId19"/>
+    <p:sldId id="323" r:id="rId20"/>
+    <p:sldId id="316" r:id="rId21"/>
+    <p:sldId id="325" r:id="rId22"/>
+    <p:sldId id="317" r:id="rId23"/>
+    <p:sldId id="304" r:id="rId24"/>
   </p:sldIdLst>
   <p:sldSz cx="9144000" cy="5143500" type="screen16x9"/>
   <p:notesSz cx="6858000" cy="9144000"/>
   <p:embeddedFontLst>
     <p:embeddedFont>
-      <p:font typeface="Figtree Black" panose="02010600030101010101" charset="0"/>
-      <p:bold r:id="rId16"/>
-      <p:boldItalic r:id="rId17"/>
+      <p:font typeface="Figtree Black"/>
+      <p:bold r:id="rId28"/>
+      <p:italic r:id="rId29"/>
     </p:embeddedFont>
     <p:embeddedFont>
-      <p:font typeface="Hanken Grotesk" panose="02010600030101010101" charset="0"/>
-      <p:regular r:id="rId18"/>
-      <p:bold r:id="rId19"/>
-      <p:italic r:id="rId20"/>
-      <p:boldItalic r:id="rId21"/>
+      <p:font typeface="Hanken Grotesk"/>
+      <p:regular r:id="rId30"/>
     </p:embeddedFont>
     <p:embeddedFont>
-      <p:font typeface="Proxima Nova" panose="02010600030101010101" charset="0"/>
-      <p:regular r:id="rId22"/>
-      <p:bold r:id="rId23"/>
-      <p:italic r:id="rId24"/>
-      <p:boldItalic r:id="rId25"/>
+      <p:font typeface="Proxima Nova" panose="02000506030000020004"/>
+      <p:regular r:id="rId31"/>
     </p:embeddedFont>
   </p:embeddedFontLst>
   <p:defaultTextStyle>
@@ -70,15 +72,15 @@
       <a:buClr>
         <a:srgbClr val="000000"/>
       </a:buClr>
-      <a:buFont typeface="Arial"/>
+      <a:buFont typeface="Arial" panose="020B0604020202020204"/>
       <a:defRPr sz="1400" b="0" i="0" u="none" strike="noStrike" cap="none">
         <a:solidFill>
           <a:srgbClr val="000000"/>
         </a:solidFill>
-        <a:latin typeface="Arial"/>
-        <a:ea typeface="Arial"/>
-        <a:cs typeface="Arial"/>
-        <a:sym typeface="Arial"/>
+        <a:latin typeface="Arial" panose="020B0604020202020204"/>
+        <a:ea typeface="Arial" panose="020B0604020202020204"/>
+        <a:cs typeface="Arial" panose="020B0604020202020204"/>
+        <a:sym typeface="Arial" panose="020B0604020202020204"/>
       </a:defRPr>
     </a:lvl1pPr>
     <a:lvl2pPr marR="0" lvl="1" algn="l" rtl="0">
@@ -94,15 +96,15 @@
       <a:buClr>
         <a:srgbClr val="000000"/>
       </a:buClr>
-      <a:buFont typeface="Arial"/>
+      <a:buFont typeface="Arial" panose="020B0604020202020204"/>
       <a:defRPr sz="1400" b="0" i="0" u="none" strike="noStrike" cap="none">
         <a:solidFill>
           <a:srgbClr val="000000"/>
         </a:solidFill>
-        <a:latin typeface="Arial"/>
-        <a:ea typeface="Arial"/>
-        <a:cs typeface="Arial"/>
-        <a:sym typeface="Arial"/>
+        <a:latin typeface="Arial" panose="020B0604020202020204"/>
+        <a:ea typeface="Arial" panose="020B0604020202020204"/>
+        <a:cs typeface="Arial" panose="020B0604020202020204"/>
+        <a:sym typeface="Arial" panose="020B0604020202020204"/>
       </a:defRPr>
     </a:lvl2pPr>
     <a:lvl3pPr marR="0" lvl="2" algn="l" rtl="0">
@@ -118,15 +120,15 @@
       <a:buClr>
         <a:srgbClr val="000000"/>
       </a:buClr>
-      <a:buFont typeface="Arial"/>
+      <a:buFont typeface="Arial" panose="020B0604020202020204"/>
       <a:defRPr sz="1400" b="0" i="0" u="none" strike="noStrike" cap="none">
         <a:solidFill>
           <a:srgbClr val="000000"/>
         </a:solidFill>
-        <a:latin typeface="Arial"/>
-        <a:ea typeface="Arial"/>
-        <a:cs typeface="Arial"/>
-        <a:sym typeface="Arial"/>
+        <a:latin typeface="Arial" panose="020B0604020202020204"/>
+        <a:ea typeface="Arial" panose="020B0604020202020204"/>
+        <a:cs typeface="Arial" panose="020B0604020202020204"/>
+        <a:sym typeface="Arial" panose="020B0604020202020204"/>
       </a:defRPr>
     </a:lvl3pPr>
     <a:lvl4pPr marR="0" lvl="3" algn="l" rtl="0">
@@ -142,15 +144,15 @@
       <a:buClr>
         <a:srgbClr val="000000"/>
       </a:buClr>
-      <a:buFont typeface="Arial"/>
+      <a:buFont typeface="Arial" panose="020B0604020202020204"/>
       <a:defRPr sz="1400" b="0" i="0" u="none" strike="noStrike" cap="none">
         <a:solidFill>
           <a:srgbClr val="000000"/>
         </a:solidFill>
-        <a:latin typeface="Arial"/>
-        <a:ea typeface="Arial"/>
-        <a:cs typeface="Arial"/>
-        <a:sym typeface="Arial"/>
+        <a:latin typeface="Arial" panose="020B0604020202020204"/>
+        <a:ea typeface="Arial" panose="020B0604020202020204"/>
+        <a:cs typeface="Arial" panose="020B0604020202020204"/>
+        <a:sym typeface="Arial" panose="020B0604020202020204"/>
       </a:defRPr>
     </a:lvl4pPr>
     <a:lvl5pPr marR="0" lvl="4" algn="l" rtl="0">
@@ -166,15 +168,15 @@
       <a:buClr>
         <a:srgbClr val="000000"/>
       </a:buClr>
-      <a:buFont typeface="Arial"/>
+      <a:buFont typeface="Arial" panose="020B0604020202020204"/>
       <a:defRPr sz="1400" b="0" i="0" u="none" strike="noStrike" cap="none">
         <a:solidFill>
           <a:srgbClr val="000000"/>
         </a:solidFill>
-        <a:latin typeface="Arial"/>
-        <a:ea typeface="Arial"/>
-        <a:cs typeface="Arial"/>
-        <a:sym typeface="Arial"/>
+        <a:latin typeface="Arial" panose="020B0604020202020204"/>
+        <a:ea typeface="Arial" panose="020B0604020202020204"/>
+        <a:cs typeface="Arial" panose="020B0604020202020204"/>
+        <a:sym typeface="Arial" panose="020B0604020202020204"/>
       </a:defRPr>
     </a:lvl5pPr>
     <a:lvl6pPr marR="0" lvl="5" algn="l" rtl="0">
@@ -190,15 +192,15 @@
       <a:buClr>
         <a:srgbClr val="000000"/>
       </a:buClr>
-      <a:buFont typeface="Arial"/>
+      <a:buFont typeface="Arial" panose="020B0604020202020204"/>
       <a:defRPr sz="1400" b="0" i="0" u="none" strike="noStrike" cap="none">
         <a:solidFill>
           <a:srgbClr val="000000"/>
         </a:solidFill>
-        <a:latin typeface="Arial"/>
-        <a:ea typeface="Arial"/>
-        <a:cs typeface="Arial"/>
-        <a:sym typeface="Arial"/>
+        <a:latin typeface="Arial" panose="020B0604020202020204"/>
+        <a:ea typeface="Arial" panose="020B0604020202020204"/>
+        <a:cs typeface="Arial" panose="020B0604020202020204"/>
+        <a:sym typeface="Arial" panose="020B0604020202020204"/>
       </a:defRPr>
     </a:lvl6pPr>
     <a:lvl7pPr marR="0" lvl="6" algn="l" rtl="0">
@@ -214,15 +216,15 @@
       <a:buClr>
         <a:srgbClr val="000000"/>
       </a:buClr>
-      <a:buFont typeface="Arial"/>
+      <a:buFont typeface="Arial" panose="020B0604020202020204"/>
       <a:defRPr sz="1400" b="0" i="0" u="none" strike="noStrike" cap="none">
         <a:solidFill>
           <a:srgbClr val="000000"/>
         </a:solidFill>
-        <a:latin typeface="Arial"/>
-        <a:ea typeface="Arial"/>
-        <a:cs typeface="Arial"/>
-        <a:sym typeface="Arial"/>
+        <a:latin typeface="Arial" panose="020B0604020202020204"/>
+        <a:ea typeface="Arial" panose="020B0604020202020204"/>
+        <a:cs typeface="Arial" panose="020B0604020202020204"/>
+        <a:sym typeface="Arial" panose="020B0604020202020204"/>
       </a:defRPr>
     </a:lvl7pPr>
     <a:lvl8pPr marR="0" lvl="7" algn="l" rtl="0">
@@ -238,15 +240,15 @@
       <a:buClr>
         <a:srgbClr val="000000"/>
       </a:buClr>
-      <a:buFont typeface="Arial"/>
+      <a:buFont typeface="Arial" panose="020B0604020202020204"/>
       <a:defRPr sz="1400" b="0" i="0" u="none" strike="noStrike" cap="none">
         <a:solidFill>
           <a:srgbClr val="000000"/>
         </a:solidFill>
-        <a:latin typeface="Arial"/>
-        <a:ea typeface="Arial"/>
-        <a:cs typeface="Arial"/>
-        <a:sym typeface="Arial"/>
+        <a:latin typeface="Arial" panose="020B0604020202020204"/>
+        <a:ea typeface="Arial" panose="020B0604020202020204"/>
+        <a:cs typeface="Arial" panose="020B0604020202020204"/>
+        <a:sym typeface="Arial" panose="020B0604020202020204"/>
       </a:defRPr>
     </a:lvl8pPr>
     <a:lvl9pPr marR="0" lvl="8" algn="l" rtl="0">
@@ -262,27 +264,27 @@
       <a:buClr>
         <a:srgbClr val="000000"/>
       </a:buClr>
-      <a:buFont typeface="Arial"/>
+      <a:buFont typeface="Arial" panose="020B0604020202020204"/>
       <a:defRPr sz="1400" b="0" i="0" u="none" strike="noStrike" cap="none">
         <a:solidFill>
           <a:srgbClr val="000000"/>
         </a:solidFill>
-        <a:latin typeface="Arial"/>
-        <a:ea typeface="Arial"/>
-        <a:cs typeface="Arial"/>
-        <a:sym typeface="Arial"/>
+        <a:latin typeface="Arial" panose="020B0604020202020204"/>
+        <a:ea typeface="Arial" panose="020B0604020202020204"/>
+        <a:cs typeface="Arial" panose="020B0604020202020204"/>
+        <a:sym typeface="Arial" panose="020B0604020202020204"/>
       </a:defRPr>
     </a:lvl9pPr>
   </p:defaultTextStyle>
   <p:extLst>
     <p:ext uri="{EFAFB233-063F-42B5-8137-9DF3F51BA10A}">
       <p15:sldGuideLst xmlns:p15="http://schemas.microsoft.com/office/powerpoint/2012/main">
-        <p15:guide id="1" orient="horz" pos="1620">
+        <p15:guide id="1" orient="horz" pos="1620" userDrawn="1">
           <p15:clr>
             <a:srgbClr val="747775"/>
           </p15:clr>
         </p15:guide>
-        <p15:guide id="2" pos="2880">
+        <p15:guide id="2" pos="2880" userDrawn="1">
           <p15:clr>
             <a:srgbClr val="747775"/>
           </p15:clr>
@@ -494,9 +496,7 @@
               <a:defRPr sz="1100"/>
             </a:lvl9pPr>
           </a:lstStyle>
-          <a:p>
-            <a:endParaRPr/>
-          </a:p>
+          <a:p/>
         </p:txBody>
       </p:sp>
     </p:spTree>
@@ -527,15 +527,15 @@
       <a:buClr>
         <a:srgbClr val="000000"/>
       </a:buClr>
-      <a:buFont typeface="Arial"/>
+      <a:buFont typeface="Arial" panose="020B0604020202020204"/>
       <a:defRPr sz="1400" b="0" i="0" u="none" strike="noStrike" cap="none">
         <a:solidFill>
           <a:srgbClr val="000000"/>
         </a:solidFill>
-        <a:latin typeface="Arial"/>
-        <a:ea typeface="Arial"/>
-        <a:cs typeface="Arial"/>
-        <a:sym typeface="Arial"/>
+        <a:latin typeface="Arial" panose="020B0604020202020204"/>
+        <a:ea typeface="Arial" panose="020B0604020202020204"/>
+        <a:cs typeface="Arial" panose="020B0604020202020204"/>
+        <a:sym typeface="Arial" panose="020B0604020202020204"/>
       </a:defRPr>
     </a:lvl1pPr>
     <a:lvl2pPr marR="0" lvl="1" algn="l" rtl="0">
@@ -551,15 +551,15 @@
       <a:buClr>
         <a:srgbClr val="000000"/>
       </a:buClr>
-      <a:buFont typeface="Arial"/>
+      <a:buFont typeface="Arial" panose="020B0604020202020204"/>
       <a:defRPr sz="1400" b="0" i="0" u="none" strike="noStrike" cap="none">
         <a:solidFill>
           <a:srgbClr val="000000"/>
         </a:solidFill>
-        <a:latin typeface="Arial"/>
-        <a:ea typeface="Arial"/>
-        <a:cs typeface="Arial"/>
-        <a:sym typeface="Arial"/>
+        <a:latin typeface="Arial" panose="020B0604020202020204"/>
+        <a:ea typeface="Arial" panose="020B0604020202020204"/>
+        <a:cs typeface="Arial" panose="020B0604020202020204"/>
+        <a:sym typeface="Arial" panose="020B0604020202020204"/>
       </a:defRPr>
     </a:lvl2pPr>
     <a:lvl3pPr marR="0" lvl="2" algn="l" rtl="0">
@@ -575,15 +575,15 @@
       <a:buClr>
         <a:srgbClr val="000000"/>
       </a:buClr>
-      <a:buFont typeface="Arial"/>
+      <a:buFont typeface="Arial" panose="020B0604020202020204"/>
       <a:defRPr sz="1400" b="0" i="0" u="none" strike="noStrike" cap="none">
         <a:solidFill>
           <a:srgbClr val="000000"/>
         </a:solidFill>
-        <a:latin typeface="Arial"/>
-        <a:ea typeface="Arial"/>
-        <a:cs typeface="Arial"/>
-        <a:sym typeface="Arial"/>
+        <a:latin typeface="Arial" panose="020B0604020202020204"/>
+        <a:ea typeface="Arial" panose="020B0604020202020204"/>
+        <a:cs typeface="Arial" panose="020B0604020202020204"/>
+        <a:sym typeface="Arial" panose="020B0604020202020204"/>
       </a:defRPr>
     </a:lvl3pPr>
     <a:lvl4pPr marR="0" lvl="3" algn="l" rtl="0">
@@ -599,15 +599,15 @@
       <a:buClr>
         <a:srgbClr val="000000"/>
       </a:buClr>
-      <a:buFont typeface="Arial"/>
+      <a:buFont typeface="Arial" panose="020B0604020202020204"/>
       <a:defRPr sz="1400" b="0" i="0" u="none" strike="noStrike" cap="none">
         <a:solidFill>
           <a:srgbClr val="000000"/>
         </a:solidFill>
-        <a:latin typeface="Arial"/>
-        <a:ea typeface="Arial"/>
-        <a:cs typeface="Arial"/>
-        <a:sym typeface="Arial"/>
+        <a:latin typeface="Arial" panose="020B0604020202020204"/>
+        <a:ea typeface="Arial" panose="020B0604020202020204"/>
+        <a:cs typeface="Arial" panose="020B0604020202020204"/>
+        <a:sym typeface="Arial" panose="020B0604020202020204"/>
       </a:defRPr>
     </a:lvl4pPr>
     <a:lvl5pPr marR="0" lvl="4" algn="l" rtl="0">
@@ -623,15 +623,15 @@
       <a:buClr>
         <a:srgbClr val="000000"/>
       </a:buClr>
-      <a:buFont typeface="Arial"/>
+      <a:buFont typeface="Arial" panose="020B0604020202020204"/>
       <a:defRPr sz="1400" b="0" i="0" u="none" strike="noStrike" cap="none">
         <a:solidFill>
           <a:srgbClr val="000000"/>
         </a:solidFill>
-        <a:latin typeface="Arial"/>
-        <a:ea typeface="Arial"/>
-        <a:cs typeface="Arial"/>
-        <a:sym typeface="Arial"/>
+        <a:latin typeface="Arial" panose="020B0604020202020204"/>
+        <a:ea typeface="Arial" panose="020B0604020202020204"/>
+        <a:cs typeface="Arial" panose="020B0604020202020204"/>
+        <a:sym typeface="Arial" panose="020B0604020202020204"/>
       </a:defRPr>
     </a:lvl5pPr>
     <a:lvl6pPr marR="0" lvl="5" algn="l" rtl="0">
@@ -647,15 +647,15 @@
       <a:buClr>
         <a:srgbClr val="000000"/>
       </a:buClr>
-      <a:buFont typeface="Arial"/>
+      <a:buFont typeface="Arial" panose="020B0604020202020204"/>
       <a:defRPr sz="1400" b="0" i="0" u="none" strike="noStrike" cap="none">
         <a:solidFill>
           <a:srgbClr val="000000"/>
         </a:solidFill>
-        <a:latin typeface="Arial"/>
-        <a:ea typeface="Arial"/>
-        <a:cs typeface="Arial"/>
-        <a:sym typeface="Arial"/>
+        <a:latin typeface="Arial" panose="020B0604020202020204"/>
+        <a:ea typeface="Arial" panose="020B0604020202020204"/>
+        <a:cs typeface="Arial" panose="020B0604020202020204"/>
+        <a:sym typeface="Arial" panose="020B0604020202020204"/>
       </a:defRPr>
     </a:lvl6pPr>
     <a:lvl7pPr marR="0" lvl="6" algn="l" rtl="0">
@@ -671,15 +671,15 @@
       <a:buClr>
         <a:srgbClr val="000000"/>
       </a:buClr>
-      <a:buFont typeface="Arial"/>
+      <a:buFont typeface="Arial" panose="020B0604020202020204"/>
       <a:defRPr sz="1400" b="0" i="0" u="none" strike="noStrike" cap="none">
         <a:solidFill>
           <a:srgbClr val="000000"/>
         </a:solidFill>
-        <a:latin typeface="Arial"/>
-        <a:ea typeface="Arial"/>
-        <a:cs typeface="Arial"/>
-        <a:sym typeface="Arial"/>
+        <a:latin typeface="Arial" panose="020B0604020202020204"/>
+        <a:ea typeface="Arial" panose="020B0604020202020204"/>
+        <a:cs typeface="Arial" panose="020B0604020202020204"/>
+        <a:sym typeface="Arial" panose="020B0604020202020204"/>
       </a:defRPr>
     </a:lvl7pPr>
     <a:lvl8pPr marR="0" lvl="7" algn="l" rtl="0">
@@ -695,15 +695,15 @@
       <a:buClr>
         <a:srgbClr val="000000"/>
       </a:buClr>
-      <a:buFont typeface="Arial"/>
+      <a:buFont typeface="Arial" panose="020B0604020202020204"/>
       <a:defRPr sz="1400" b="0" i="0" u="none" strike="noStrike" cap="none">
         <a:solidFill>
           <a:srgbClr val="000000"/>
         </a:solidFill>
-        <a:latin typeface="Arial"/>
-        <a:ea typeface="Arial"/>
-        <a:cs typeface="Arial"/>
-        <a:sym typeface="Arial"/>
+        <a:latin typeface="Arial" panose="020B0604020202020204"/>
+        <a:ea typeface="Arial" panose="020B0604020202020204"/>
+        <a:cs typeface="Arial" panose="020B0604020202020204"/>
+        <a:sym typeface="Arial" panose="020B0604020202020204"/>
       </a:defRPr>
     </a:lvl8pPr>
     <a:lvl9pPr marR="0" lvl="8" algn="l" rtl="0">
@@ -719,15 +719,15 @@
       <a:buClr>
         <a:srgbClr val="000000"/>
       </a:buClr>
-      <a:buFont typeface="Arial"/>
+      <a:buFont typeface="Arial" panose="020B0604020202020204"/>
       <a:defRPr sz="1400" b="0" i="0" u="none" strike="noStrike" cap="none">
         <a:solidFill>
           <a:srgbClr val="000000"/>
         </a:solidFill>
-        <a:latin typeface="Arial"/>
-        <a:ea typeface="Arial"/>
-        <a:cs typeface="Arial"/>
-        <a:sym typeface="Arial"/>
+        <a:latin typeface="Arial" panose="020B0604020202020204"/>
+        <a:ea typeface="Arial" panose="020B0604020202020204"/>
+        <a:cs typeface="Arial" panose="020B0604020202020204"/>
+        <a:sym typeface="Arial" panose="020B0604020202020204"/>
       </a:defRPr>
     </a:lvl9pPr>
   </p:notesStyle>
@@ -735,7 +735,7 @@
 </file>
 
 <file path=ppt/notesSlides/notesSlide1.xml><?xml version="1.0" encoding="utf-8"?>
-<p:notes xmlns:a="http://schemas.openxmlformats.org/drawingml/2006/main" xmlns:r="http://schemas.openxmlformats.org/officeDocument/2006/relationships" xmlns:p="http://schemas.openxmlformats.org/presentationml/2006/main" showMasterSp="0" showMasterPhAnim="0">
+<p:notes xmlns:a="http://schemas.openxmlformats.org/drawingml/2006/main" xmlns:r="http://schemas.openxmlformats.org/officeDocument/2006/relationships" xmlns:p="http://schemas.openxmlformats.org/presentationml/2006/main" showMasterPhAnim="0" showMasterSp="0">
   <p:cSld>
     <p:spTree>
       <p:nvGrpSpPr>
@@ -826,7 +826,6 @@
               </a:spcAft>
               <a:buNone/>
             </a:pPr>
-            <a:endParaRPr/>
           </a:p>
         </p:txBody>
       </p:sp>
@@ -839,7 +838,7 @@
 </file>
 
 <file path=ppt/notesSlides/notesSlide2.xml><?xml version="1.0" encoding="utf-8"?>
-<p:notes xmlns:a="http://schemas.openxmlformats.org/drawingml/2006/main" xmlns:r="http://schemas.openxmlformats.org/officeDocument/2006/relationships" xmlns:p="http://schemas.openxmlformats.org/presentationml/2006/main" showMasterSp="0" showMasterPhAnim="0">
+<p:notes xmlns:a="http://schemas.openxmlformats.org/drawingml/2006/main" xmlns:r="http://schemas.openxmlformats.org/officeDocument/2006/relationships" xmlns:p="http://schemas.openxmlformats.org/presentationml/2006/main" showMasterPhAnim="0" showMasterSp="0">
   <p:cSld>
     <p:spTree>
       <p:nvGrpSpPr>
@@ -930,7 +929,6 @@
               </a:spcAft>
               <a:buNone/>
             </a:pPr>
-            <a:endParaRPr/>
           </a:p>
         </p:txBody>
       </p:sp>
@@ -943,7 +941,7 @@
 </file>
 
 <file path=ppt/slideLayouts/slideLayout1.xml><?xml version="1.0" encoding="utf-8"?>
-<p:sldLayout xmlns:a="http://schemas.openxmlformats.org/drawingml/2006/main" xmlns:r="http://schemas.openxmlformats.org/officeDocument/2006/relationships" xmlns:p="http://schemas.openxmlformats.org/presentationml/2006/main" matchingName="Title slide" type="title">
+<p:sldLayout xmlns:a="http://schemas.openxmlformats.org/drawingml/2006/main" xmlns:r="http://schemas.openxmlformats.org/officeDocument/2006/relationships" xmlns:p="http://schemas.openxmlformats.org/presentationml/2006/main" type="title" matchingName="Title slide">
   <p:cSld name="TITLE">
     <p:spTree>
       <p:nvGrpSpPr>
@@ -995,7 +993,6 @@
               </a:spcAft>
               <a:buNone/>
             </a:pPr>
-            <a:endParaRPr/>
           </a:p>
         </p:txBody>
       </p:sp>
@@ -1053,7 +1050,6 @@
                 </a:spcAft>
                 <a:buNone/>
               </a:pPr>
-              <a:endParaRPr/>
             </a:p>
           </p:txBody>
         </p:sp>
@@ -1234,9 +1230,7 @@
               <a:defRPr sz="5200"/>
             </a:lvl9pPr>
           </a:lstStyle>
-          <a:p>
-            <a:endParaRPr/>
-          </a:p>
+          <a:p/>
         </p:txBody>
       </p:sp>
       <p:sp>
@@ -1453,9 +1447,7 @@
               </a:defRPr>
             </a:lvl9pPr>
           </a:lstStyle>
-          <a:p>
-            <a:endParaRPr/>
-          </a:p>
+          <a:p/>
         </p:txBody>
       </p:sp>
     </p:spTree>
@@ -1467,7 +1459,7 @@
 </file>
 
 <file path=ppt/slideLayouts/slideLayout2.xml><?xml version="1.0" encoding="utf-8"?>
-<p:sldLayout xmlns:a="http://schemas.openxmlformats.org/drawingml/2006/main" xmlns:r="http://schemas.openxmlformats.org/officeDocument/2006/relationships" xmlns:p="http://schemas.openxmlformats.org/presentationml/2006/main" matchingName="Title and body" type="tx">
+<p:sldLayout xmlns:a="http://schemas.openxmlformats.org/drawingml/2006/main" xmlns:r="http://schemas.openxmlformats.org/officeDocument/2006/relationships" xmlns:p="http://schemas.openxmlformats.org/presentationml/2006/main" type="tx" matchingName="Title and body">
   <p:cSld name="TITLE_AND_BODY">
     <p:spTree>
       <p:nvGrpSpPr>
@@ -1519,7 +1511,6 @@
               </a:spcAft>
               <a:buNone/>
             </a:pPr>
-            <a:endParaRPr/>
           </a:p>
         </p:txBody>
       </p:sp>
@@ -1577,7 +1568,6 @@
                 </a:spcAft>
                 <a:buNone/>
               </a:pPr>
-              <a:endParaRPr/>
             </a:p>
           </p:txBody>
         </p:sp>
@@ -1758,9 +1748,7 @@
               <a:defRPr/>
             </a:lvl9pPr>
           </a:lstStyle>
-          <a:p>
-            <a:endParaRPr/>
-          </a:p>
+          <a:p/>
         </p:txBody>
       </p:sp>
       <p:sp>
@@ -1918,9 +1906,7 @@
               <a:defRPr/>
             </a:lvl9pPr>
           </a:lstStyle>
-          <a:p>
-            <a:endParaRPr/>
-          </a:p>
+          <a:p/>
         </p:txBody>
       </p:sp>
     </p:spTree>
@@ -1984,7 +1970,6 @@
               </a:spcAft>
               <a:buNone/>
             </a:pPr>
-            <a:endParaRPr/>
           </a:p>
         </p:txBody>
       </p:sp>
@@ -2042,7 +2027,6 @@
                 </a:spcAft>
                 <a:buNone/>
               </a:pPr>
-              <a:endParaRPr/>
             </a:p>
           </p:txBody>
         </p:sp>
@@ -2223,9 +2207,7 @@
               <a:defRPr/>
             </a:lvl9pPr>
           </a:lstStyle>
-          <a:p>
-            <a:endParaRPr/>
-          </a:p>
+          <a:p/>
         </p:txBody>
       </p:sp>
       <p:sp>
@@ -2379,9 +2361,7 @@
               <a:defRPr/>
             </a:lvl9pPr>
           </a:lstStyle>
-          <a:p>
-            <a:endParaRPr/>
-          </a:p>
+          <a:p/>
         </p:txBody>
       </p:sp>
     </p:spTree>
@@ -2445,7 +2425,6 @@
               </a:spcAft>
               <a:buNone/>
             </a:pPr>
-            <a:endParaRPr/>
           </a:p>
         </p:txBody>
       </p:sp>
@@ -2503,7 +2482,6 @@
                 </a:spcAft>
                 <a:buNone/>
               </a:pPr>
-              <a:endParaRPr/>
             </a:p>
           </p:txBody>
         </p:sp>
@@ -2857,9 +2835,7 @@
               <a:defRPr sz="1600"/>
             </a:lvl9pPr>
           </a:lstStyle>
-          <a:p>
-            <a:endParaRPr/>
-          </a:p>
+          <a:p/>
         </p:txBody>
       </p:sp>
     </p:spTree>
@@ -2871,7 +2847,7 @@
 </file>
 
 <file path=ppt/slideLayouts/slideLayout5.xml><?xml version="1.0" encoding="utf-8"?>
-<p:sldLayout xmlns:a="http://schemas.openxmlformats.org/drawingml/2006/main" xmlns:r="http://schemas.openxmlformats.org/officeDocument/2006/relationships" xmlns:p="http://schemas.openxmlformats.org/presentationml/2006/main" matchingName="Blank" type="blank">
+<p:sldLayout xmlns:a="http://schemas.openxmlformats.org/drawingml/2006/main" xmlns:r="http://schemas.openxmlformats.org/officeDocument/2006/relationships" xmlns:p="http://schemas.openxmlformats.org/presentationml/2006/main" type="blank" matchingName="Blank">
   <p:cSld name="BLANK">
     <p:bg>
       <p:bgPr>
@@ -2956,7 +2932,6 @@
               </a:spcAft>
               <a:buNone/>
             </a:pPr>
-            <a:endParaRPr/>
           </a:p>
         </p:txBody>
       </p:sp>
@@ -3014,7 +2989,6 @@
                 </a:spcAft>
                 <a:buNone/>
               </a:pPr>
-              <a:endParaRPr/>
             </a:p>
           </p:txBody>
         </p:sp>
@@ -3198,9 +3172,7 @@
               <a:defRPr sz="3000"/>
             </a:lvl9pPr>
           </a:lstStyle>
-          <a:p>
-            <a:endParaRPr/>
-          </a:p>
+          <a:p/>
         </p:txBody>
       </p:sp>
       <p:sp>
@@ -3356,9 +3328,7 @@
               <a:defRPr sz="3000"/>
             </a:lvl9pPr>
           </a:lstStyle>
-          <a:p>
-            <a:endParaRPr/>
-          </a:p>
+          <a:p/>
         </p:txBody>
       </p:sp>
     </p:spTree>
@@ -3422,7 +3392,6 @@
               </a:spcAft>
               <a:buNone/>
             </a:pPr>
-            <a:endParaRPr/>
           </a:p>
         </p:txBody>
       </p:sp>
@@ -3480,7 +3449,6 @@
                 </a:spcAft>
                 <a:buNone/>
               </a:pPr>
-              <a:endParaRPr/>
             </a:p>
           </p:txBody>
         </p:sp>
@@ -3613,7 +3581,6 @@
               </a:spcAft>
               <a:buNone/>
             </a:pPr>
-            <a:endParaRPr/>
           </a:p>
         </p:txBody>
       </p:sp>
@@ -3671,7 +3638,6 @@
                 </a:spcAft>
                 <a:buNone/>
               </a:pPr>
-              <a:endParaRPr/>
             </a:p>
           </p:txBody>
         </p:sp>
@@ -3737,7 +3703,7 @@
 </file>
 
 <file path=ppt/slideLayouts/slideLayout9.xml><?xml version="1.0" encoding="utf-8"?>
-<p:sldLayout xmlns:a="http://schemas.openxmlformats.org/drawingml/2006/main" xmlns:r="http://schemas.openxmlformats.org/officeDocument/2006/relationships" xmlns:p="http://schemas.openxmlformats.org/presentationml/2006/main" matchingName="Blank slide" type="blank">
+<p:sldLayout xmlns:a="http://schemas.openxmlformats.org/drawingml/2006/main" xmlns:r="http://schemas.openxmlformats.org/officeDocument/2006/relationships" xmlns:p="http://schemas.openxmlformats.org/presentationml/2006/main" type="blank" matchingName="Blank slide">
   <p:cSld name="BLANK">
     <p:spTree>
       <p:nvGrpSpPr>
@@ -3763,7 +3729,7 @@
 
 <file path=ppt/slideMasters/slideMaster1.xml><?xml version="1.0" encoding="utf-8"?>
 <p:sldMaster xmlns:a="http://schemas.openxmlformats.org/drawingml/2006/main" xmlns:r="http://schemas.openxmlformats.org/officeDocument/2006/relationships" xmlns:p="http://schemas.openxmlformats.org/presentationml/2006/main">
-  <p:cSld name="simple-light-2">
+  <p:cSld>
     <p:bg>
       <p:bgPr>
         <a:solidFill>
@@ -4022,9 +3988,7 @@
               </a:defRPr>
             </a:lvl9pPr>
           </a:lstStyle>
-          <a:p>
-            <a:endParaRPr/>
-          </a:p>
+          <a:p/>
         </p:txBody>
       </p:sp>
       <p:sp>
@@ -4290,23 +4254,21 @@
               </a:defRPr>
             </a:lvl9pPr>
           </a:lstStyle>
-          <a:p>
-            <a:endParaRPr/>
-          </a:p>
+          <a:p/>
         </p:txBody>
       </p:sp>
     </p:spTree>
   </p:cSld>
   <p:clrMap bg1="lt1" tx1="dk1" bg2="dk2" tx2="lt2" accent1="accent1" accent2="accent2" accent3="accent3" accent4="accent4" accent5="accent5" accent6="accent6" hlink="hlink" folHlink="folHlink"/>
   <p:sldLayoutIdLst>
-    <p:sldLayoutId id="2147483648" r:id="rId1"/>
+    <p:sldLayoutId id="2147483649" r:id="rId1"/>
     <p:sldLayoutId id="2147483650" r:id="rId2"/>
-    <p:sldLayoutId id="2147483655" r:id="rId3"/>
-    <p:sldLayoutId id="2147483657" r:id="rId4"/>
-    <p:sldLayoutId id="2147483658" r:id="rId5"/>
-    <p:sldLayoutId id="2147483660" r:id="rId6"/>
-    <p:sldLayoutId id="2147483674" r:id="rId7"/>
-    <p:sldLayoutId id="2147483675" r:id="rId8"/>
+    <p:sldLayoutId id="2147483651" r:id="rId3"/>
+    <p:sldLayoutId id="2147483652" r:id="rId4"/>
+    <p:sldLayoutId id="2147483653" r:id="rId5"/>
+    <p:sldLayoutId id="2147483654" r:id="rId6"/>
+    <p:sldLayoutId id="2147483655" r:id="rId7"/>
+    <p:sldLayoutId id="2147483656" r:id="rId8"/>
   </p:sldLayoutIdLst>
   <p:hf hdr="0" ftr="0" dt="0"/>
   <p:txStyles>
@@ -4335,15 +4297,15 @@
         <a:buClr>
           <a:srgbClr val="000000"/>
         </a:buClr>
-        <a:buFont typeface="Arial"/>
+        <a:buFont typeface="Arial" panose="020B0604020202020204"/>
         <a:defRPr sz="1400" b="0" i="0" u="none" strike="noStrike" cap="none">
           <a:solidFill>
             <a:srgbClr val="000000"/>
           </a:solidFill>
-          <a:latin typeface="Arial"/>
-          <a:ea typeface="Arial"/>
-          <a:cs typeface="Arial"/>
-          <a:sym typeface="Arial"/>
+          <a:latin typeface="Arial" panose="020B0604020202020204"/>
+          <a:ea typeface="Arial" panose="020B0604020202020204"/>
+          <a:cs typeface="Arial" panose="020B0604020202020204"/>
+          <a:sym typeface="Arial" panose="020B0604020202020204"/>
         </a:defRPr>
       </a:lvl1pPr>
       <a:lvl2pPr marR="0" lvl="1" algn="l" rtl="0">
@@ -4359,15 +4321,15 @@
         <a:buClr>
           <a:srgbClr val="000000"/>
         </a:buClr>
-        <a:buFont typeface="Arial"/>
+        <a:buFont typeface="Arial" panose="020B0604020202020204"/>
         <a:defRPr sz="1400" b="0" i="0" u="none" strike="noStrike" cap="none">
           <a:solidFill>
             <a:srgbClr val="000000"/>
           </a:solidFill>
-          <a:latin typeface="Arial"/>
-          <a:ea typeface="Arial"/>
-          <a:cs typeface="Arial"/>
-          <a:sym typeface="Arial"/>
+          <a:latin typeface="Arial" panose="020B0604020202020204"/>
+          <a:ea typeface="Arial" panose="020B0604020202020204"/>
+          <a:cs typeface="Arial" panose="020B0604020202020204"/>
+          <a:sym typeface="Arial" panose="020B0604020202020204"/>
         </a:defRPr>
       </a:lvl2pPr>
       <a:lvl3pPr marR="0" lvl="2" algn="l" rtl="0">
@@ -4383,15 +4345,15 @@
         <a:buClr>
           <a:srgbClr val="000000"/>
         </a:buClr>
-        <a:buFont typeface="Arial"/>
+        <a:buFont typeface="Arial" panose="020B0604020202020204"/>
         <a:defRPr sz="1400" b="0" i="0" u="none" strike="noStrike" cap="none">
           <a:solidFill>
             <a:srgbClr val="000000"/>
           </a:solidFill>
-          <a:latin typeface="Arial"/>
-          <a:ea typeface="Arial"/>
-          <a:cs typeface="Arial"/>
-          <a:sym typeface="Arial"/>
+          <a:latin typeface="Arial" panose="020B0604020202020204"/>
+          <a:ea typeface="Arial" panose="020B0604020202020204"/>
+          <a:cs typeface="Arial" panose="020B0604020202020204"/>
+          <a:sym typeface="Arial" panose="020B0604020202020204"/>
         </a:defRPr>
       </a:lvl3pPr>
       <a:lvl4pPr marR="0" lvl="3" algn="l" rtl="0">
@@ -4407,15 +4369,15 @@
         <a:buClr>
           <a:srgbClr val="000000"/>
         </a:buClr>
-        <a:buFont typeface="Arial"/>
+        <a:buFont typeface="Arial" panose="020B0604020202020204"/>
         <a:defRPr sz="1400" b="0" i="0" u="none" strike="noStrike" cap="none">
           <a:solidFill>
             <a:srgbClr val="000000"/>
           </a:solidFill>
-          <a:latin typeface="Arial"/>
-          <a:ea typeface="Arial"/>
-          <a:cs typeface="Arial"/>
-          <a:sym typeface="Arial"/>
+          <a:latin typeface="Arial" panose="020B0604020202020204"/>
+          <a:ea typeface="Arial" panose="020B0604020202020204"/>
+          <a:cs typeface="Arial" panose="020B0604020202020204"/>
+          <a:sym typeface="Arial" panose="020B0604020202020204"/>
         </a:defRPr>
       </a:lvl4pPr>
       <a:lvl5pPr marR="0" lvl="4" algn="l" rtl="0">
@@ -4431,15 +4393,15 @@
         <a:buClr>
           <a:srgbClr val="000000"/>
         </a:buClr>
-        <a:buFont typeface="Arial"/>
+        <a:buFont typeface="Arial" panose="020B0604020202020204"/>
         <a:defRPr sz="1400" b="0" i="0" u="none" strike="noStrike" cap="none">
           <a:solidFill>
             <a:srgbClr val="000000"/>
           </a:solidFill>
-          <a:latin typeface="Arial"/>
-          <a:ea typeface="Arial"/>
-          <a:cs typeface="Arial"/>
-          <a:sym typeface="Arial"/>
+          <a:latin typeface="Arial" panose="020B0604020202020204"/>
+          <a:ea typeface="Arial" panose="020B0604020202020204"/>
+          <a:cs typeface="Arial" panose="020B0604020202020204"/>
+          <a:sym typeface="Arial" panose="020B0604020202020204"/>
         </a:defRPr>
       </a:lvl5pPr>
       <a:lvl6pPr marR="0" lvl="5" algn="l" rtl="0">
@@ -4455,15 +4417,15 @@
         <a:buClr>
           <a:srgbClr val="000000"/>
         </a:buClr>
-        <a:buFont typeface="Arial"/>
+        <a:buFont typeface="Arial" panose="020B0604020202020204"/>
         <a:defRPr sz="1400" b="0" i="0" u="none" strike="noStrike" cap="none">
           <a:solidFill>
             <a:srgbClr val="000000"/>
           </a:solidFill>
-          <a:latin typeface="Arial"/>
-          <a:ea typeface="Arial"/>
-          <a:cs typeface="Arial"/>
-          <a:sym typeface="Arial"/>
+          <a:latin typeface="Arial" panose="020B0604020202020204"/>
+          <a:ea typeface="Arial" panose="020B0604020202020204"/>
+          <a:cs typeface="Arial" panose="020B0604020202020204"/>
+          <a:sym typeface="Arial" panose="020B0604020202020204"/>
         </a:defRPr>
       </a:lvl6pPr>
       <a:lvl7pPr marR="0" lvl="6" algn="l" rtl="0">
@@ -4479,15 +4441,15 @@
         <a:buClr>
           <a:srgbClr val="000000"/>
         </a:buClr>
-        <a:buFont typeface="Arial"/>
+        <a:buFont typeface="Arial" panose="020B0604020202020204"/>
         <a:defRPr sz="1400" b="0" i="0" u="none" strike="noStrike" cap="none">
           <a:solidFill>
             <a:srgbClr val="000000"/>
           </a:solidFill>
-          <a:latin typeface="Arial"/>
-          <a:ea typeface="Arial"/>
-          <a:cs typeface="Arial"/>
-          <a:sym typeface="Arial"/>
+          <a:latin typeface="Arial" panose="020B0604020202020204"/>
+          <a:ea typeface="Arial" panose="020B0604020202020204"/>
+          <a:cs typeface="Arial" panose="020B0604020202020204"/>
+          <a:sym typeface="Arial" panose="020B0604020202020204"/>
         </a:defRPr>
       </a:lvl7pPr>
       <a:lvl8pPr marR="0" lvl="7" algn="l" rtl="0">
@@ -4503,15 +4465,15 @@
         <a:buClr>
           <a:srgbClr val="000000"/>
         </a:buClr>
-        <a:buFont typeface="Arial"/>
+        <a:buFont typeface="Arial" panose="020B0604020202020204"/>
         <a:defRPr sz="1400" b="0" i="0" u="none" strike="noStrike" cap="none">
           <a:solidFill>
             <a:srgbClr val="000000"/>
           </a:solidFill>
-          <a:latin typeface="Arial"/>
-          <a:ea typeface="Arial"/>
-          <a:cs typeface="Arial"/>
-          <a:sym typeface="Arial"/>
+          <a:latin typeface="Arial" panose="020B0604020202020204"/>
+          <a:ea typeface="Arial" panose="020B0604020202020204"/>
+          <a:cs typeface="Arial" panose="020B0604020202020204"/>
+          <a:sym typeface="Arial" panose="020B0604020202020204"/>
         </a:defRPr>
       </a:lvl8pPr>
       <a:lvl9pPr marR="0" lvl="8" algn="l" rtl="0">
@@ -4527,15 +4489,15 @@
         <a:buClr>
           <a:srgbClr val="000000"/>
         </a:buClr>
-        <a:buFont typeface="Arial"/>
+        <a:buFont typeface="Arial" panose="020B0604020202020204"/>
         <a:defRPr sz="1400" b="0" i="0" u="none" strike="noStrike" cap="none">
           <a:solidFill>
             <a:srgbClr val="000000"/>
           </a:solidFill>
-          <a:latin typeface="Arial"/>
-          <a:ea typeface="Arial"/>
-          <a:cs typeface="Arial"/>
-          <a:sym typeface="Arial"/>
+          <a:latin typeface="Arial" panose="020B0604020202020204"/>
+          <a:ea typeface="Arial" panose="020B0604020202020204"/>
+          <a:cs typeface="Arial" panose="020B0604020202020204"/>
+          <a:sym typeface="Arial" panose="020B0604020202020204"/>
         </a:defRPr>
       </a:lvl9pPr>
     </p:titleStyle>
@@ -4564,15 +4526,15 @@
         <a:buClr>
           <a:srgbClr val="000000"/>
         </a:buClr>
-        <a:buFont typeface="Arial"/>
+        <a:buFont typeface="Arial" panose="020B0604020202020204"/>
         <a:defRPr sz="1400" b="0" i="0" u="none" strike="noStrike" cap="none">
           <a:solidFill>
             <a:srgbClr val="000000"/>
           </a:solidFill>
-          <a:latin typeface="Arial"/>
-          <a:ea typeface="Arial"/>
-          <a:cs typeface="Arial"/>
-          <a:sym typeface="Arial"/>
+          <a:latin typeface="Arial" panose="020B0604020202020204"/>
+          <a:ea typeface="Arial" panose="020B0604020202020204"/>
+          <a:cs typeface="Arial" panose="020B0604020202020204"/>
+          <a:sym typeface="Arial" panose="020B0604020202020204"/>
         </a:defRPr>
       </a:lvl1pPr>
       <a:lvl2pPr marR="0" lvl="1" algn="l" rtl="0">
@@ -4588,15 +4550,15 @@
         <a:buClr>
           <a:srgbClr val="000000"/>
         </a:buClr>
-        <a:buFont typeface="Arial"/>
+        <a:buFont typeface="Arial" panose="020B0604020202020204"/>
         <a:defRPr sz="1400" b="0" i="0" u="none" strike="noStrike" cap="none">
           <a:solidFill>
             <a:srgbClr val="000000"/>
           </a:solidFill>
-          <a:latin typeface="Arial"/>
-          <a:ea typeface="Arial"/>
-          <a:cs typeface="Arial"/>
-          <a:sym typeface="Arial"/>
+          <a:latin typeface="Arial" panose="020B0604020202020204"/>
+          <a:ea typeface="Arial" panose="020B0604020202020204"/>
+          <a:cs typeface="Arial" panose="020B0604020202020204"/>
+          <a:sym typeface="Arial" panose="020B0604020202020204"/>
         </a:defRPr>
       </a:lvl2pPr>
       <a:lvl3pPr marR="0" lvl="2" algn="l" rtl="0">
@@ -4612,15 +4574,15 @@
         <a:buClr>
           <a:srgbClr val="000000"/>
         </a:buClr>
-        <a:buFont typeface="Arial"/>
+        <a:buFont typeface="Arial" panose="020B0604020202020204"/>
         <a:defRPr sz="1400" b="0" i="0" u="none" strike="noStrike" cap="none">
           <a:solidFill>
             <a:srgbClr val="000000"/>
           </a:solidFill>
-          <a:latin typeface="Arial"/>
-          <a:ea typeface="Arial"/>
-          <a:cs typeface="Arial"/>
-          <a:sym typeface="Arial"/>
+          <a:latin typeface="Arial" panose="020B0604020202020204"/>
+          <a:ea typeface="Arial" panose="020B0604020202020204"/>
+          <a:cs typeface="Arial" panose="020B0604020202020204"/>
+          <a:sym typeface="Arial" panose="020B0604020202020204"/>
         </a:defRPr>
       </a:lvl3pPr>
       <a:lvl4pPr marR="0" lvl="3" algn="l" rtl="0">
@@ -4636,15 +4598,15 @@
         <a:buClr>
           <a:srgbClr val="000000"/>
         </a:buClr>
-        <a:buFont typeface="Arial"/>
+        <a:buFont typeface="Arial" panose="020B0604020202020204"/>
         <a:defRPr sz="1400" b="0" i="0" u="none" strike="noStrike" cap="none">
           <a:solidFill>
             <a:srgbClr val="000000"/>
           </a:solidFill>
-          <a:latin typeface="Arial"/>
-          <a:ea typeface="Arial"/>
-          <a:cs typeface="Arial"/>
-          <a:sym typeface="Arial"/>
+          <a:latin typeface="Arial" panose="020B0604020202020204"/>
+          <a:ea typeface="Arial" panose="020B0604020202020204"/>
+          <a:cs typeface="Arial" panose="020B0604020202020204"/>
+          <a:sym typeface="Arial" panose="020B0604020202020204"/>
         </a:defRPr>
       </a:lvl4pPr>
       <a:lvl5pPr marR="0" lvl="4" algn="l" rtl="0">
@@ -4660,15 +4622,15 @@
         <a:buClr>
           <a:srgbClr val="000000"/>
         </a:buClr>
-        <a:buFont typeface="Arial"/>
+        <a:buFont typeface="Arial" panose="020B0604020202020204"/>
         <a:defRPr sz="1400" b="0" i="0" u="none" strike="noStrike" cap="none">
           <a:solidFill>
             <a:srgbClr val="000000"/>
           </a:solidFill>
-          <a:latin typeface="Arial"/>
-          <a:ea typeface="Arial"/>
-          <a:cs typeface="Arial"/>
-          <a:sym typeface="Arial"/>
+          <a:latin typeface="Arial" panose="020B0604020202020204"/>
+          <a:ea typeface="Arial" panose="020B0604020202020204"/>
+          <a:cs typeface="Arial" panose="020B0604020202020204"/>
+          <a:sym typeface="Arial" panose="020B0604020202020204"/>
         </a:defRPr>
       </a:lvl5pPr>
       <a:lvl6pPr marR="0" lvl="5" algn="l" rtl="0">
@@ -4684,15 +4646,15 @@
         <a:buClr>
           <a:srgbClr val="000000"/>
         </a:buClr>
-        <a:buFont typeface="Arial"/>
+        <a:buFont typeface="Arial" panose="020B0604020202020204"/>
         <a:defRPr sz="1400" b="0" i="0" u="none" strike="noStrike" cap="none">
           <a:solidFill>
             <a:srgbClr val="000000"/>
           </a:solidFill>
-          <a:latin typeface="Arial"/>
-          <a:ea typeface="Arial"/>
-          <a:cs typeface="Arial"/>
-          <a:sym typeface="Arial"/>
+          <a:latin typeface="Arial" panose="020B0604020202020204"/>
+          <a:ea typeface="Arial" panose="020B0604020202020204"/>
+          <a:cs typeface="Arial" panose="020B0604020202020204"/>
+          <a:sym typeface="Arial" panose="020B0604020202020204"/>
         </a:defRPr>
       </a:lvl6pPr>
       <a:lvl7pPr marR="0" lvl="6" algn="l" rtl="0">
@@ -4708,15 +4670,15 @@
         <a:buClr>
           <a:srgbClr val="000000"/>
         </a:buClr>
-        <a:buFont typeface="Arial"/>
+        <a:buFont typeface="Arial" panose="020B0604020202020204"/>
         <a:defRPr sz="1400" b="0" i="0" u="none" strike="noStrike" cap="none">
           <a:solidFill>
             <a:srgbClr val="000000"/>
           </a:solidFill>
-          <a:latin typeface="Arial"/>
-          <a:ea typeface="Arial"/>
-          <a:cs typeface="Arial"/>
-          <a:sym typeface="Arial"/>
+          <a:latin typeface="Arial" panose="020B0604020202020204"/>
+          <a:ea typeface="Arial" panose="020B0604020202020204"/>
+          <a:cs typeface="Arial" panose="020B0604020202020204"/>
+          <a:sym typeface="Arial" panose="020B0604020202020204"/>
         </a:defRPr>
       </a:lvl7pPr>
       <a:lvl8pPr marR="0" lvl="7" algn="l" rtl="0">
@@ -4732,15 +4694,15 @@
         <a:buClr>
           <a:srgbClr val="000000"/>
         </a:buClr>
-        <a:buFont typeface="Arial"/>
+        <a:buFont typeface="Arial" panose="020B0604020202020204"/>
         <a:defRPr sz="1400" b="0" i="0" u="none" strike="noStrike" cap="none">
           <a:solidFill>
             <a:srgbClr val="000000"/>
           </a:solidFill>
-          <a:latin typeface="Arial"/>
-          <a:ea typeface="Arial"/>
-          <a:cs typeface="Arial"/>
-          <a:sym typeface="Arial"/>
+          <a:latin typeface="Arial" panose="020B0604020202020204"/>
+          <a:ea typeface="Arial" panose="020B0604020202020204"/>
+          <a:cs typeface="Arial" panose="020B0604020202020204"/>
+          <a:sym typeface="Arial" panose="020B0604020202020204"/>
         </a:defRPr>
       </a:lvl8pPr>
       <a:lvl9pPr marR="0" lvl="8" algn="l" rtl="0">
@@ -4756,15 +4718,15 @@
         <a:buClr>
           <a:srgbClr val="000000"/>
         </a:buClr>
-        <a:buFont typeface="Arial"/>
+        <a:buFont typeface="Arial" panose="020B0604020202020204"/>
         <a:defRPr sz="1400" b="0" i="0" u="none" strike="noStrike" cap="none">
           <a:solidFill>
             <a:srgbClr val="000000"/>
           </a:solidFill>
-          <a:latin typeface="Arial"/>
-          <a:ea typeface="Arial"/>
-          <a:cs typeface="Arial"/>
-          <a:sym typeface="Arial"/>
+          <a:latin typeface="Arial" panose="020B0604020202020204"/>
+          <a:ea typeface="Arial" panose="020B0604020202020204"/>
+          <a:cs typeface="Arial" panose="020B0604020202020204"/>
+          <a:sym typeface="Arial" panose="020B0604020202020204"/>
         </a:defRPr>
       </a:lvl9pPr>
     </p:bodyStyle>
@@ -4793,15 +4755,15 @@
         <a:buClr>
           <a:srgbClr val="000000"/>
         </a:buClr>
-        <a:buFont typeface="Arial"/>
+        <a:buFont typeface="Arial" panose="020B0604020202020204"/>
         <a:defRPr sz="1400" b="0" i="0" u="none" strike="noStrike" cap="none">
           <a:solidFill>
             <a:srgbClr val="000000"/>
           </a:solidFill>
-          <a:latin typeface="Arial"/>
-          <a:ea typeface="Arial"/>
-          <a:cs typeface="Arial"/>
-          <a:sym typeface="Arial"/>
+          <a:latin typeface="Arial" panose="020B0604020202020204"/>
+          <a:ea typeface="Arial" panose="020B0604020202020204"/>
+          <a:cs typeface="Arial" panose="020B0604020202020204"/>
+          <a:sym typeface="Arial" panose="020B0604020202020204"/>
         </a:defRPr>
       </a:lvl1pPr>
       <a:lvl2pPr marR="0" lvl="1" algn="l" rtl="0">
@@ -4817,15 +4779,15 @@
         <a:buClr>
           <a:srgbClr val="000000"/>
         </a:buClr>
-        <a:buFont typeface="Arial"/>
+        <a:buFont typeface="Arial" panose="020B0604020202020204"/>
         <a:defRPr sz="1400" b="0" i="0" u="none" strike="noStrike" cap="none">
           <a:solidFill>
             <a:srgbClr val="000000"/>
           </a:solidFill>
-          <a:latin typeface="Arial"/>
-          <a:ea typeface="Arial"/>
-          <a:cs typeface="Arial"/>
-          <a:sym typeface="Arial"/>
+          <a:latin typeface="Arial" panose="020B0604020202020204"/>
+          <a:ea typeface="Arial" panose="020B0604020202020204"/>
+          <a:cs typeface="Arial" panose="020B0604020202020204"/>
+          <a:sym typeface="Arial" panose="020B0604020202020204"/>
         </a:defRPr>
       </a:lvl2pPr>
       <a:lvl3pPr marR="0" lvl="2" algn="l" rtl="0">
@@ -4841,15 +4803,15 @@
         <a:buClr>
           <a:srgbClr val="000000"/>
         </a:buClr>
-        <a:buFont typeface="Arial"/>
+        <a:buFont typeface="Arial" panose="020B0604020202020204"/>
         <a:defRPr sz="1400" b="0" i="0" u="none" strike="noStrike" cap="none">
           <a:solidFill>
             <a:srgbClr val="000000"/>
           </a:solidFill>
-          <a:latin typeface="Arial"/>
-          <a:ea typeface="Arial"/>
-          <a:cs typeface="Arial"/>
-          <a:sym typeface="Arial"/>
+          <a:latin typeface="Arial" panose="020B0604020202020204"/>
+          <a:ea typeface="Arial" panose="020B0604020202020204"/>
+          <a:cs typeface="Arial" panose="020B0604020202020204"/>
+          <a:sym typeface="Arial" panose="020B0604020202020204"/>
         </a:defRPr>
       </a:lvl3pPr>
       <a:lvl4pPr marR="0" lvl="3" algn="l" rtl="0">
@@ -4865,15 +4827,15 @@
         <a:buClr>
           <a:srgbClr val="000000"/>
         </a:buClr>
-        <a:buFont typeface="Arial"/>
+        <a:buFont typeface="Arial" panose="020B0604020202020204"/>
         <a:defRPr sz="1400" b="0" i="0" u="none" strike="noStrike" cap="none">
           <a:solidFill>
             <a:srgbClr val="000000"/>
           </a:solidFill>
-          <a:latin typeface="Arial"/>
-          <a:ea typeface="Arial"/>
-          <a:cs typeface="Arial"/>
-          <a:sym typeface="Arial"/>
+          <a:latin typeface="Arial" panose="020B0604020202020204"/>
+          <a:ea typeface="Arial" panose="020B0604020202020204"/>
+          <a:cs typeface="Arial" panose="020B0604020202020204"/>
+          <a:sym typeface="Arial" panose="020B0604020202020204"/>
         </a:defRPr>
       </a:lvl4pPr>
       <a:lvl5pPr marR="0" lvl="4" algn="l" rtl="0">
@@ -4889,15 +4851,15 @@
         <a:buClr>
           <a:srgbClr val="000000"/>
         </a:buClr>
-        <a:buFont typeface="Arial"/>
+        <a:buFont typeface="Arial" panose="020B0604020202020204"/>
         <a:defRPr sz="1400" b="0" i="0" u="none" strike="noStrike" cap="none">
           <a:solidFill>
             <a:srgbClr val="000000"/>
           </a:solidFill>
-          <a:latin typeface="Arial"/>
-          <a:ea typeface="Arial"/>
-          <a:cs typeface="Arial"/>
-          <a:sym typeface="Arial"/>
+          <a:latin typeface="Arial" panose="020B0604020202020204"/>
+          <a:ea typeface="Arial" panose="020B0604020202020204"/>
+          <a:cs typeface="Arial" panose="020B0604020202020204"/>
+          <a:sym typeface="Arial" panose="020B0604020202020204"/>
         </a:defRPr>
       </a:lvl5pPr>
       <a:lvl6pPr marR="0" lvl="5" algn="l" rtl="0">
@@ -4913,15 +4875,15 @@
         <a:buClr>
           <a:srgbClr val="000000"/>
         </a:buClr>
-        <a:buFont typeface="Arial"/>
+        <a:buFont typeface="Arial" panose="020B0604020202020204"/>
         <a:defRPr sz="1400" b="0" i="0" u="none" strike="noStrike" cap="none">
           <a:solidFill>
             <a:srgbClr val="000000"/>
           </a:solidFill>
-          <a:latin typeface="Arial"/>
-          <a:ea typeface="Arial"/>
-          <a:cs typeface="Arial"/>
-          <a:sym typeface="Arial"/>
+          <a:latin typeface="Arial" panose="020B0604020202020204"/>
+          <a:ea typeface="Arial" panose="020B0604020202020204"/>
+          <a:cs typeface="Arial" panose="020B0604020202020204"/>
+          <a:sym typeface="Arial" panose="020B0604020202020204"/>
         </a:defRPr>
       </a:lvl6pPr>
       <a:lvl7pPr marR="0" lvl="6" algn="l" rtl="0">
@@ -4937,15 +4899,15 @@
         <a:buClr>
           <a:srgbClr val="000000"/>
         </a:buClr>
-        <a:buFont typeface="Arial"/>
+        <a:buFont typeface="Arial" panose="020B0604020202020204"/>
         <a:defRPr sz="1400" b="0" i="0" u="none" strike="noStrike" cap="none">
           <a:solidFill>
             <a:srgbClr val="000000"/>
           </a:solidFill>
-          <a:latin typeface="Arial"/>
-          <a:ea typeface="Arial"/>
-          <a:cs typeface="Arial"/>
-          <a:sym typeface="Arial"/>
+          <a:latin typeface="Arial" panose="020B0604020202020204"/>
+          <a:ea typeface="Arial" panose="020B0604020202020204"/>
+          <a:cs typeface="Arial" panose="020B0604020202020204"/>
+          <a:sym typeface="Arial" panose="020B0604020202020204"/>
         </a:defRPr>
       </a:lvl7pPr>
       <a:lvl8pPr marR="0" lvl="7" algn="l" rtl="0">
@@ -4961,15 +4923,15 @@
         <a:buClr>
           <a:srgbClr val="000000"/>
         </a:buClr>
-        <a:buFont typeface="Arial"/>
+        <a:buFont typeface="Arial" panose="020B0604020202020204"/>
         <a:defRPr sz="1400" b="0" i="0" u="none" strike="noStrike" cap="none">
           <a:solidFill>
             <a:srgbClr val="000000"/>
           </a:solidFill>
-          <a:latin typeface="Arial"/>
-          <a:ea typeface="Arial"/>
-          <a:cs typeface="Arial"/>
-          <a:sym typeface="Arial"/>
+          <a:latin typeface="Arial" panose="020B0604020202020204"/>
+          <a:ea typeface="Arial" panose="020B0604020202020204"/>
+          <a:cs typeface="Arial" panose="020B0604020202020204"/>
+          <a:sym typeface="Arial" panose="020B0604020202020204"/>
         </a:defRPr>
       </a:lvl8pPr>
       <a:lvl9pPr marR="0" lvl="8" algn="l" rtl="0">
@@ -4985,15 +4947,15 @@
         <a:buClr>
           <a:srgbClr val="000000"/>
         </a:buClr>
-        <a:buFont typeface="Arial"/>
+        <a:buFont typeface="Arial" panose="020B0604020202020204"/>
         <a:defRPr sz="1400" b="0" i="0" u="none" strike="noStrike" cap="none">
           <a:solidFill>
             <a:srgbClr val="000000"/>
           </a:solidFill>
-          <a:latin typeface="Arial"/>
-          <a:ea typeface="Arial"/>
-          <a:cs typeface="Arial"/>
-          <a:sym typeface="Arial"/>
+          <a:latin typeface="Arial" panose="020B0604020202020204"/>
+          <a:ea typeface="Arial" panose="020B0604020202020204"/>
+          <a:cs typeface="Arial" panose="020B0604020202020204"/>
+          <a:sym typeface="Arial" panose="020B0604020202020204"/>
         </a:defRPr>
       </a:lvl9pPr>
     </p:otherStyle>
@@ -5003,7 +4965,7 @@
 
 <file path=ppt/slideMasters/slideMaster2.xml><?xml version="1.0" encoding="utf-8"?>
 <p:sldMaster xmlns:a="http://schemas.openxmlformats.org/drawingml/2006/main" xmlns:r="http://schemas.openxmlformats.org/officeDocument/2006/relationships" xmlns:p="http://schemas.openxmlformats.org/presentationml/2006/main">
-  <p:cSld name="simple-light-2">
+  <p:cSld>
     <p:bg>
       <p:bgPr>
         <a:solidFill>
@@ -5217,9 +5179,7 @@
               </a:defRPr>
             </a:lvl9pPr>
           </a:lstStyle>
-          <a:p>
-            <a:endParaRPr/>
-          </a:p>
+          <a:p/>
         </p:txBody>
       </p:sp>
       <p:sp>
@@ -5264,16 +5224,16 @@
                 <a:srgbClr val="435D74"/>
               </a:buClr>
               <a:buSzPts val="1100"/>
-              <a:buFont typeface="Proxima Nova"/>
+              <a:buFont typeface="Proxima Nova" panose="02000506030000020004"/>
               <a:buChar char="●"/>
               <a:defRPr sz="1100">
                 <a:solidFill>
                   <a:srgbClr val="435D74"/>
                 </a:solidFill>
-                <a:latin typeface="Proxima Nova"/>
-                <a:ea typeface="Proxima Nova"/>
-                <a:cs typeface="Proxima Nova"/>
-                <a:sym typeface="Proxima Nova"/>
+                <a:latin typeface="Proxima Nova" panose="02000506030000020004"/>
+                <a:ea typeface="Proxima Nova" panose="02000506030000020004"/>
+                <a:cs typeface="Proxima Nova" panose="02000506030000020004"/>
+                <a:sym typeface="Proxima Nova" panose="02000506030000020004"/>
               </a:defRPr>
             </a:lvl1pPr>
             <a:lvl2pPr marL="914400" lvl="1" indent="-298450" rtl="0">
@@ -5290,16 +5250,16 @@
                 <a:srgbClr val="435D74"/>
               </a:buClr>
               <a:buSzPts val="1100"/>
-              <a:buFont typeface="Proxima Nova"/>
+              <a:buFont typeface="Proxima Nova" panose="02000506030000020004"/>
               <a:buChar char="○"/>
               <a:defRPr sz="1100">
                 <a:solidFill>
                   <a:srgbClr val="435D74"/>
                 </a:solidFill>
-                <a:latin typeface="Proxima Nova"/>
-                <a:ea typeface="Proxima Nova"/>
-                <a:cs typeface="Proxima Nova"/>
-                <a:sym typeface="Proxima Nova"/>
+                <a:latin typeface="Proxima Nova" panose="02000506030000020004"/>
+                <a:ea typeface="Proxima Nova" panose="02000506030000020004"/>
+                <a:cs typeface="Proxima Nova" panose="02000506030000020004"/>
+                <a:sym typeface="Proxima Nova" panose="02000506030000020004"/>
               </a:defRPr>
             </a:lvl2pPr>
             <a:lvl3pPr marL="1371600" lvl="2" indent="-298450" rtl="0">
@@ -5316,16 +5276,16 @@
                 <a:srgbClr val="435D74"/>
               </a:buClr>
               <a:buSzPts val="1100"/>
-              <a:buFont typeface="Proxima Nova"/>
+              <a:buFont typeface="Proxima Nova" panose="02000506030000020004"/>
               <a:buChar char="■"/>
               <a:defRPr sz="1100">
                 <a:solidFill>
                   <a:srgbClr val="435D74"/>
                 </a:solidFill>
-                <a:latin typeface="Proxima Nova"/>
-                <a:ea typeface="Proxima Nova"/>
-                <a:cs typeface="Proxima Nova"/>
-                <a:sym typeface="Proxima Nova"/>
+                <a:latin typeface="Proxima Nova" panose="02000506030000020004"/>
+                <a:ea typeface="Proxima Nova" panose="02000506030000020004"/>
+                <a:cs typeface="Proxima Nova" panose="02000506030000020004"/>
+                <a:sym typeface="Proxima Nova" panose="02000506030000020004"/>
               </a:defRPr>
             </a:lvl3pPr>
             <a:lvl4pPr marL="1828800" lvl="3" indent="-298450" rtl="0">
@@ -5342,16 +5302,16 @@
                 <a:srgbClr val="435D74"/>
               </a:buClr>
               <a:buSzPts val="1100"/>
-              <a:buFont typeface="Proxima Nova"/>
+              <a:buFont typeface="Proxima Nova" panose="02000506030000020004"/>
               <a:buChar char="●"/>
               <a:defRPr sz="1100">
                 <a:solidFill>
                   <a:srgbClr val="435D74"/>
                 </a:solidFill>
-                <a:latin typeface="Proxima Nova"/>
-                <a:ea typeface="Proxima Nova"/>
-                <a:cs typeface="Proxima Nova"/>
-                <a:sym typeface="Proxima Nova"/>
+                <a:latin typeface="Proxima Nova" panose="02000506030000020004"/>
+                <a:ea typeface="Proxima Nova" panose="02000506030000020004"/>
+                <a:cs typeface="Proxima Nova" panose="02000506030000020004"/>
+                <a:sym typeface="Proxima Nova" panose="02000506030000020004"/>
               </a:defRPr>
             </a:lvl4pPr>
             <a:lvl5pPr marL="2286000" lvl="4" indent="-298450" rtl="0">
@@ -5368,16 +5328,16 @@
                 <a:srgbClr val="435D74"/>
               </a:buClr>
               <a:buSzPts val="1100"/>
-              <a:buFont typeface="Proxima Nova"/>
+              <a:buFont typeface="Proxima Nova" panose="02000506030000020004"/>
               <a:buChar char="○"/>
               <a:defRPr sz="1100">
                 <a:solidFill>
                   <a:srgbClr val="435D74"/>
                 </a:solidFill>
-                <a:latin typeface="Proxima Nova"/>
-                <a:ea typeface="Proxima Nova"/>
-                <a:cs typeface="Proxima Nova"/>
-                <a:sym typeface="Proxima Nova"/>
+                <a:latin typeface="Proxima Nova" panose="02000506030000020004"/>
+                <a:ea typeface="Proxima Nova" panose="02000506030000020004"/>
+                <a:cs typeface="Proxima Nova" panose="02000506030000020004"/>
+                <a:sym typeface="Proxima Nova" panose="02000506030000020004"/>
               </a:defRPr>
             </a:lvl5pPr>
             <a:lvl6pPr marL="2743200" lvl="5" indent="-298450" rtl="0">
@@ -5394,16 +5354,16 @@
                 <a:srgbClr val="435D74"/>
               </a:buClr>
               <a:buSzPts val="1100"/>
-              <a:buFont typeface="Proxima Nova"/>
+              <a:buFont typeface="Proxima Nova" panose="02000506030000020004"/>
               <a:buChar char="■"/>
               <a:defRPr sz="1100">
                 <a:solidFill>
                   <a:srgbClr val="435D74"/>
                 </a:solidFill>
-                <a:latin typeface="Proxima Nova"/>
-                <a:ea typeface="Proxima Nova"/>
-                <a:cs typeface="Proxima Nova"/>
-                <a:sym typeface="Proxima Nova"/>
+                <a:latin typeface="Proxima Nova" panose="02000506030000020004"/>
+                <a:ea typeface="Proxima Nova" panose="02000506030000020004"/>
+                <a:cs typeface="Proxima Nova" panose="02000506030000020004"/>
+                <a:sym typeface="Proxima Nova" panose="02000506030000020004"/>
               </a:defRPr>
             </a:lvl6pPr>
             <a:lvl7pPr marL="3200400" lvl="6" indent="-298450" rtl="0">
@@ -5420,16 +5380,16 @@
                 <a:srgbClr val="435D74"/>
               </a:buClr>
               <a:buSzPts val="1100"/>
-              <a:buFont typeface="Proxima Nova"/>
+              <a:buFont typeface="Proxima Nova" panose="02000506030000020004"/>
               <a:buChar char="●"/>
               <a:defRPr sz="1100">
                 <a:solidFill>
                   <a:srgbClr val="435D74"/>
                 </a:solidFill>
-                <a:latin typeface="Proxima Nova"/>
-                <a:ea typeface="Proxima Nova"/>
-                <a:cs typeface="Proxima Nova"/>
-                <a:sym typeface="Proxima Nova"/>
+                <a:latin typeface="Proxima Nova" panose="02000506030000020004"/>
+                <a:ea typeface="Proxima Nova" panose="02000506030000020004"/>
+                <a:cs typeface="Proxima Nova" panose="02000506030000020004"/>
+                <a:sym typeface="Proxima Nova" panose="02000506030000020004"/>
               </a:defRPr>
             </a:lvl7pPr>
             <a:lvl8pPr marL="3657600" lvl="7" indent="-298450" rtl="0">
@@ -5446,16 +5406,16 @@
                 <a:srgbClr val="435D74"/>
               </a:buClr>
               <a:buSzPts val="1100"/>
-              <a:buFont typeface="Proxima Nova"/>
+              <a:buFont typeface="Proxima Nova" panose="02000506030000020004"/>
               <a:buChar char="○"/>
               <a:defRPr sz="1100">
                 <a:solidFill>
                   <a:srgbClr val="435D74"/>
                 </a:solidFill>
-                <a:latin typeface="Proxima Nova"/>
-                <a:ea typeface="Proxima Nova"/>
-                <a:cs typeface="Proxima Nova"/>
-                <a:sym typeface="Proxima Nova"/>
+                <a:latin typeface="Proxima Nova" panose="02000506030000020004"/>
+                <a:ea typeface="Proxima Nova" panose="02000506030000020004"/>
+                <a:cs typeface="Proxima Nova" panose="02000506030000020004"/>
+                <a:sym typeface="Proxima Nova" panose="02000506030000020004"/>
               </a:defRPr>
             </a:lvl8pPr>
             <a:lvl9pPr marL="4114800" lvl="8" indent="-298450" rtl="0">
@@ -5472,29 +5432,27 @@
                 <a:srgbClr val="435D74"/>
               </a:buClr>
               <a:buSzPts val="1100"/>
-              <a:buFont typeface="Proxima Nova"/>
+              <a:buFont typeface="Proxima Nova" panose="02000506030000020004"/>
               <a:buChar char="■"/>
               <a:defRPr sz="1100">
                 <a:solidFill>
                   <a:srgbClr val="435D74"/>
                 </a:solidFill>
-                <a:latin typeface="Proxima Nova"/>
-                <a:ea typeface="Proxima Nova"/>
-                <a:cs typeface="Proxima Nova"/>
-                <a:sym typeface="Proxima Nova"/>
+                <a:latin typeface="Proxima Nova" panose="02000506030000020004"/>
+                <a:ea typeface="Proxima Nova" panose="02000506030000020004"/>
+                <a:cs typeface="Proxima Nova" panose="02000506030000020004"/>
+                <a:sym typeface="Proxima Nova" panose="02000506030000020004"/>
               </a:defRPr>
             </a:lvl9pPr>
           </a:lstStyle>
-          <a:p>
-            <a:endParaRPr/>
-          </a:p>
+          <a:p/>
         </p:txBody>
       </p:sp>
     </p:spTree>
   </p:cSld>
   <p:clrMap bg1="lt1" tx1="dk1" bg2="dk2" tx2="lt2" accent1="accent1" accent2="accent2" accent3="accent3" accent4="accent4" accent5="accent5" accent6="accent6" hlink="hlink" folHlink="folHlink"/>
   <p:sldLayoutIdLst>
-    <p:sldLayoutId id="2147483676" r:id="rId1"/>
+    <p:sldLayoutId id="2147483658" r:id="rId1"/>
   </p:sldLayoutIdLst>
   <p:hf hdr="0" ftr="0" dt="0"/>
   <p:txStyles>
@@ -5523,15 +5481,15 @@
         <a:buClr>
           <a:srgbClr val="000000"/>
         </a:buClr>
-        <a:buFont typeface="Arial"/>
+        <a:buFont typeface="Arial" panose="020B0604020202020204"/>
         <a:defRPr sz="1400" b="0" i="0" u="none" strike="noStrike" cap="none">
           <a:solidFill>
             <a:srgbClr val="000000"/>
           </a:solidFill>
-          <a:latin typeface="Arial"/>
-          <a:ea typeface="Arial"/>
-          <a:cs typeface="Arial"/>
-          <a:sym typeface="Arial"/>
+          <a:latin typeface="Arial" panose="020B0604020202020204"/>
+          <a:ea typeface="Arial" panose="020B0604020202020204"/>
+          <a:cs typeface="Arial" panose="020B0604020202020204"/>
+          <a:sym typeface="Arial" panose="020B0604020202020204"/>
         </a:defRPr>
       </a:lvl1pPr>
       <a:lvl2pPr marR="0" lvl="1" algn="l" rtl="0">
@@ -5547,15 +5505,15 @@
         <a:buClr>
           <a:srgbClr val="000000"/>
         </a:buClr>
-        <a:buFont typeface="Arial"/>
+        <a:buFont typeface="Arial" panose="020B0604020202020204"/>
         <a:defRPr sz="1400" b="0" i="0" u="none" strike="noStrike" cap="none">
           <a:solidFill>
             <a:srgbClr val="000000"/>
           </a:solidFill>
-          <a:latin typeface="Arial"/>
-          <a:ea typeface="Arial"/>
-          <a:cs typeface="Arial"/>
-          <a:sym typeface="Arial"/>
+          <a:latin typeface="Arial" panose="020B0604020202020204"/>
+          <a:ea typeface="Arial" panose="020B0604020202020204"/>
+          <a:cs typeface="Arial" panose="020B0604020202020204"/>
+          <a:sym typeface="Arial" panose="020B0604020202020204"/>
         </a:defRPr>
       </a:lvl2pPr>
       <a:lvl3pPr marR="0" lvl="2" algn="l" rtl="0">
@@ -5571,15 +5529,15 @@
         <a:buClr>
           <a:srgbClr val="000000"/>
         </a:buClr>
-        <a:buFont typeface="Arial"/>
+        <a:buFont typeface="Arial" panose="020B0604020202020204"/>
         <a:defRPr sz="1400" b="0" i="0" u="none" strike="noStrike" cap="none">
           <a:solidFill>
             <a:srgbClr val="000000"/>
           </a:solidFill>
-          <a:latin typeface="Arial"/>
-          <a:ea typeface="Arial"/>
-          <a:cs typeface="Arial"/>
-          <a:sym typeface="Arial"/>
+          <a:latin typeface="Arial" panose="020B0604020202020204"/>
+          <a:ea typeface="Arial" panose="020B0604020202020204"/>
+          <a:cs typeface="Arial" panose="020B0604020202020204"/>
+          <a:sym typeface="Arial" panose="020B0604020202020204"/>
         </a:defRPr>
       </a:lvl3pPr>
       <a:lvl4pPr marR="0" lvl="3" algn="l" rtl="0">
@@ -5595,15 +5553,15 @@
         <a:buClr>
           <a:srgbClr val="000000"/>
         </a:buClr>
-        <a:buFont typeface="Arial"/>
+        <a:buFont typeface="Arial" panose="020B0604020202020204"/>
         <a:defRPr sz="1400" b="0" i="0" u="none" strike="noStrike" cap="none">
           <a:solidFill>
             <a:srgbClr val="000000"/>
           </a:solidFill>
-          <a:latin typeface="Arial"/>
-          <a:ea typeface="Arial"/>
-          <a:cs typeface="Arial"/>
-          <a:sym typeface="Arial"/>
+          <a:latin typeface="Arial" panose="020B0604020202020204"/>
+          <a:ea typeface="Arial" panose="020B0604020202020204"/>
+          <a:cs typeface="Arial" panose="020B0604020202020204"/>
+          <a:sym typeface="Arial" panose="020B0604020202020204"/>
         </a:defRPr>
       </a:lvl4pPr>
       <a:lvl5pPr marR="0" lvl="4" algn="l" rtl="0">
@@ -5619,15 +5577,15 @@
         <a:buClr>
           <a:srgbClr val="000000"/>
         </a:buClr>
-        <a:buFont typeface="Arial"/>
+        <a:buFont typeface="Arial" panose="020B0604020202020204"/>
         <a:defRPr sz="1400" b="0" i="0" u="none" strike="noStrike" cap="none">
           <a:solidFill>
             <a:srgbClr val="000000"/>
           </a:solidFill>
-          <a:latin typeface="Arial"/>
-          <a:ea typeface="Arial"/>
-          <a:cs typeface="Arial"/>
-          <a:sym typeface="Arial"/>
+          <a:latin typeface="Arial" panose="020B0604020202020204"/>
+          <a:ea typeface="Arial" panose="020B0604020202020204"/>
+          <a:cs typeface="Arial" panose="020B0604020202020204"/>
+          <a:sym typeface="Arial" panose="020B0604020202020204"/>
         </a:defRPr>
       </a:lvl5pPr>
       <a:lvl6pPr marR="0" lvl="5" algn="l" rtl="0">
@@ -5643,15 +5601,15 @@
         <a:buClr>
           <a:srgbClr val="000000"/>
         </a:buClr>
-        <a:buFont typeface="Arial"/>
+        <a:buFont typeface="Arial" panose="020B0604020202020204"/>
         <a:defRPr sz="1400" b="0" i="0" u="none" strike="noStrike" cap="none">
           <a:solidFill>
             <a:srgbClr val="000000"/>
           </a:solidFill>
-          <a:latin typeface="Arial"/>
-          <a:ea typeface="Arial"/>
-          <a:cs typeface="Arial"/>
-          <a:sym typeface="Arial"/>
+          <a:latin typeface="Arial" panose="020B0604020202020204"/>
+          <a:ea typeface="Arial" panose="020B0604020202020204"/>
+          <a:cs typeface="Arial" panose="020B0604020202020204"/>
+          <a:sym typeface="Arial" panose="020B0604020202020204"/>
         </a:defRPr>
       </a:lvl6pPr>
       <a:lvl7pPr marR="0" lvl="6" algn="l" rtl="0">
@@ -5667,15 +5625,15 @@
         <a:buClr>
           <a:srgbClr val="000000"/>
         </a:buClr>
-        <a:buFont typeface="Arial"/>
+        <a:buFont typeface="Arial" panose="020B0604020202020204"/>
         <a:defRPr sz="1400" b="0" i="0" u="none" strike="noStrike" cap="none">
           <a:solidFill>
             <a:srgbClr val="000000"/>
           </a:solidFill>
-          <a:latin typeface="Arial"/>
-          <a:ea typeface="Arial"/>
-          <a:cs typeface="Arial"/>
-          <a:sym typeface="Arial"/>
+          <a:latin typeface="Arial" panose="020B0604020202020204"/>
+          <a:ea typeface="Arial" panose="020B0604020202020204"/>
+          <a:cs typeface="Arial" panose="020B0604020202020204"/>
+          <a:sym typeface="Arial" panose="020B0604020202020204"/>
         </a:defRPr>
       </a:lvl7pPr>
       <a:lvl8pPr marR="0" lvl="7" algn="l" rtl="0">
@@ -5691,15 +5649,15 @@
         <a:buClr>
           <a:srgbClr val="000000"/>
         </a:buClr>
-        <a:buFont typeface="Arial"/>
+        <a:buFont typeface="Arial" panose="020B0604020202020204"/>
         <a:defRPr sz="1400" b="0" i="0" u="none" strike="noStrike" cap="none">
           <a:solidFill>
             <a:srgbClr val="000000"/>
           </a:solidFill>
-          <a:latin typeface="Arial"/>
-          <a:ea typeface="Arial"/>
-          <a:cs typeface="Arial"/>
-          <a:sym typeface="Arial"/>
+          <a:latin typeface="Arial" panose="020B0604020202020204"/>
+          <a:ea typeface="Arial" panose="020B0604020202020204"/>
+          <a:cs typeface="Arial" panose="020B0604020202020204"/>
+          <a:sym typeface="Arial" panose="020B0604020202020204"/>
         </a:defRPr>
       </a:lvl8pPr>
       <a:lvl9pPr marR="0" lvl="8" algn="l" rtl="0">
@@ -5715,15 +5673,15 @@
         <a:buClr>
           <a:srgbClr val="000000"/>
         </a:buClr>
-        <a:buFont typeface="Arial"/>
+        <a:buFont typeface="Arial" panose="020B0604020202020204"/>
         <a:defRPr sz="1400" b="0" i="0" u="none" strike="noStrike" cap="none">
           <a:solidFill>
             <a:srgbClr val="000000"/>
           </a:solidFill>
-          <a:latin typeface="Arial"/>
-          <a:ea typeface="Arial"/>
-          <a:cs typeface="Arial"/>
-          <a:sym typeface="Arial"/>
+          <a:latin typeface="Arial" panose="020B0604020202020204"/>
+          <a:ea typeface="Arial" panose="020B0604020202020204"/>
+          <a:cs typeface="Arial" panose="020B0604020202020204"/>
+          <a:sym typeface="Arial" panose="020B0604020202020204"/>
         </a:defRPr>
       </a:lvl9pPr>
     </p:titleStyle>
@@ -5752,15 +5710,15 @@
         <a:buClr>
           <a:srgbClr val="000000"/>
         </a:buClr>
-        <a:buFont typeface="Arial"/>
+        <a:buFont typeface="Arial" panose="020B0604020202020204"/>
         <a:defRPr sz="1400" b="0" i="0" u="none" strike="noStrike" cap="none">
           <a:solidFill>
             <a:srgbClr val="000000"/>
           </a:solidFill>
-          <a:latin typeface="Arial"/>
-          <a:ea typeface="Arial"/>
-          <a:cs typeface="Arial"/>
-          <a:sym typeface="Arial"/>
+          <a:latin typeface="Arial" panose="020B0604020202020204"/>
+          <a:ea typeface="Arial" panose="020B0604020202020204"/>
+          <a:cs typeface="Arial" panose="020B0604020202020204"/>
+          <a:sym typeface="Arial" panose="020B0604020202020204"/>
         </a:defRPr>
       </a:lvl1pPr>
       <a:lvl2pPr marR="0" lvl="1" algn="l" rtl="0">
@@ -5776,15 +5734,15 @@
         <a:buClr>
           <a:srgbClr val="000000"/>
         </a:buClr>
-        <a:buFont typeface="Arial"/>
+        <a:buFont typeface="Arial" panose="020B0604020202020204"/>
         <a:defRPr sz="1400" b="0" i="0" u="none" strike="noStrike" cap="none">
           <a:solidFill>
             <a:srgbClr val="000000"/>
           </a:solidFill>
-          <a:latin typeface="Arial"/>
-          <a:ea typeface="Arial"/>
-          <a:cs typeface="Arial"/>
-          <a:sym typeface="Arial"/>
+          <a:latin typeface="Arial" panose="020B0604020202020204"/>
+          <a:ea typeface="Arial" panose="020B0604020202020204"/>
+          <a:cs typeface="Arial" panose="020B0604020202020204"/>
+          <a:sym typeface="Arial" panose="020B0604020202020204"/>
         </a:defRPr>
       </a:lvl2pPr>
       <a:lvl3pPr marR="0" lvl="2" algn="l" rtl="0">
@@ -5800,15 +5758,15 @@
         <a:buClr>
           <a:srgbClr val="000000"/>
         </a:buClr>
-        <a:buFont typeface="Arial"/>
+        <a:buFont typeface="Arial" panose="020B0604020202020204"/>
         <a:defRPr sz="1400" b="0" i="0" u="none" strike="noStrike" cap="none">
           <a:solidFill>
             <a:srgbClr val="000000"/>
           </a:solidFill>
-          <a:latin typeface="Arial"/>
-          <a:ea typeface="Arial"/>
-          <a:cs typeface="Arial"/>
-          <a:sym typeface="Arial"/>
+          <a:latin typeface="Arial" panose="020B0604020202020204"/>
+          <a:ea typeface="Arial" panose="020B0604020202020204"/>
+          <a:cs typeface="Arial" panose="020B0604020202020204"/>
+          <a:sym typeface="Arial" panose="020B0604020202020204"/>
         </a:defRPr>
       </a:lvl3pPr>
       <a:lvl4pPr marR="0" lvl="3" algn="l" rtl="0">
@@ -5824,15 +5782,15 @@
         <a:buClr>
           <a:srgbClr val="000000"/>
         </a:buClr>
-        <a:buFont typeface="Arial"/>
+        <a:buFont typeface="Arial" panose="020B0604020202020204"/>
         <a:defRPr sz="1400" b="0" i="0" u="none" strike="noStrike" cap="none">
           <a:solidFill>
             <a:srgbClr val="000000"/>
           </a:solidFill>
-          <a:latin typeface="Arial"/>
-          <a:ea typeface="Arial"/>
-          <a:cs typeface="Arial"/>
-          <a:sym typeface="Arial"/>
+          <a:latin typeface="Arial" panose="020B0604020202020204"/>
+          <a:ea typeface="Arial" panose="020B0604020202020204"/>
+          <a:cs typeface="Arial" panose="020B0604020202020204"/>
+          <a:sym typeface="Arial" panose="020B0604020202020204"/>
         </a:defRPr>
       </a:lvl4pPr>
       <a:lvl5pPr marR="0" lvl="4" algn="l" rtl="0">
@@ -5848,15 +5806,15 @@
         <a:buClr>
           <a:srgbClr val="000000"/>
         </a:buClr>
-        <a:buFont typeface="Arial"/>
+        <a:buFont typeface="Arial" panose="020B0604020202020204"/>
         <a:defRPr sz="1400" b="0" i="0" u="none" strike="noStrike" cap="none">
           <a:solidFill>
             <a:srgbClr val="000000"/>
           </a:solidFill>
-          <a:latin typeface="Arial"/>
-          <a:ea typeface="Arial"/>
-          <a:cs typeface="Arial"/>
-          <a:sym typeface="Arial"/>
+          <a:latin typeface="Arial" panose="020B0604020202020204"/>
+          <a:ea typeface="Arial" panose="020B0604020202020204"/>
+          <a:cs typeface="Arial" panose="020B0604020202020204"/>
+          <a:sym typeface="Arial" panose="020B0604020202020204"/>
         </a:defRPr>
       </a:lvl5pPr>
       <a:lvl6pPr marR="0" lvl="5" algn="l" rtl="0">
@@ -5872,15 +5830,15 @@
         <a:buClr>
           <a:srgbClr val="000000"/>
         </a:buClr>
-        <a:buFont typeface="Arial"/>
+        <a:buFont typeface="Arial" panose="020B0604020202020204"/>
         <a:defRPr sz="1400" b="0" i="0" u="none" strike="noStrike" cap="none">
           <a:solidFill>
             <a:srgbClr val="000000"/>
           </a:solidFill>
-          <a:latin typeface="Arial"/>
-          <a:ea typeface="Arial"/>
-          <a:cs typeface="Arial"/>
-          <a:sym typeface="Arial"/>
+          <a:latin typeface="Arial" panose="020B0604020202020204"/>
+          <a:ea typeface="Arial" panose="020B0604020202020204"/>
+          <a:cs typeface="Arial" panose="020B0604020202020204"/>
+          <a:sym typeface="Arial" panose="020B0604020202020204"/>
         </a:defRPr>
       </a:lvl6pPr>
       <a:lvl7pPr marR="0" lvl="6" algn="l" rtl="0">
@@ -5896,15 +5854,15 @@
         <a:buClr>
           <a:srgbClr val="000000"/>
         </a:buClr>
-        <a:buFont typeface="Arial"/>
+        <a:buFont typeface="Arial" panose="020B0604020202020204"/>
         <a:defRPr sz="1400" b="0" i="0" u="none" strike="noStrike" cap="none">
           <a:solidFill>
             <a:srgbClr val="000000"/>
           </a:solidFill>
-          <a:latin typeface="Arial"/>
-          <a:ea typeface="Arial"/>
-          <a:cs typeface="Arial"/>
-          <a:sym typeface="Arial"/>
+          <a:latin typeface="Arial" panose="020B0604020202020204"/>
+          <a:ea typeface="Arial" panose="020B0604020202020204"/>
+          <a:cs typeface="Arial" panose="020B0604020202020204"/>
+          <a:sym typeface="Arial" panose="020B0604020202020204"/>
         </a:defRPr>
       </a:lvl7pPr>
       <a:lvl8pPr marR="0" lvl="7" algn="l" rtl="0">
@@ -5920,15 +5878,15 @@
         <a:buClr>
           <a:srgbClr val="000000"/>
         </a:buClr>
-        <a:buFont typeface="Arial"/>
+        <a:buFont typeface="Arial" panose="020B0604020202020204"/>
         <a:defRPr sz="1400" b="0" i="0" u="none" strike="noStrike" cap="none">
           <a:solidFill>
             <a:srgbClr val="000000"/>
           </a:solidFill>
-          <a:latin typeface="Arial"/>
-          <a:ea typeface="Arial"/>
-          <a:cs typeface="Arial"/>
-          <a:sym typeface="Arial"/>
+          <a:latin typeface="Arial" panose="020B0604020202020204"/>
+          <a:ea typeface="Arial" panose="020B0604020202020204"/>
+          <a:cs typeface="Arial" panose="020B0604020202020204"/>
+          <a:sym typeface="Arial" panose="020B0604020202020204"/>
         </a:defRPr>
       </a:lvl8pPr>
       <a:lvl9pPr marR="0" lvl="8" algn="l" rtl="0">
@@ -5944,15 +5902,15 @@
         <a:buClr>
           <a:srgbClr val="000000"/>
         </a:buClr>
-        <a:buFont typeface="Arial"/>
+        <a:buFont typeface="Arial" panose="020B0604020202020204"/>
         <a:defRPr sz="1400" b="0" i="0" u="none" strike="noStrike" cap="none">
           <a:solidFill>
             <a:srgbClr val="000000"/>
           </a:solidFill>
-          <a:latin typeface="Arial"/>
-          <a:ea typeface="Arial"/>
-          <a:cs typeface="Arial"/>
-          <a:sym typeface="Arial"/>
+          <a:latin typeface="Arial" panose="020B0604020202020204"/>
+          <a:ea typeface="Arial" panose="020B0604020202020204"/>
+          <a:cs typeface="Arial" panose="020B0604020202020204"/>
+          <a:sym typeface="Arial" panose="020B0604020202020204"/>
         </a:defRPr>
       </a:lvl9pPr>
     </p:bodyStyle>
@@ -5981,15 +5939,15 @@
         <a:buClr>
           <a:srgbClr val="000000"/>
         </a:buClr>
-        <a:buFont typeface="Arial"/>
+        <a:buFont typeface="Arial" panose="020B0604020202020204"/>
         <a:defRPr sz="1400" b="0" i="0" u="none" strike="noStrike" cap="none">
           <a:solidFill>
             <a:srgbClr val="000000"/>
           </a:solidFill>
-          <a:latin typeface="Arial"/>
-          <a:ea typeface="Arial"/>
-          <a:cs typeface="Arial"/>
-          <a:sym typeface="Arial"/>
+          <a:latin typeface="Arial" panose="020B0604020202020204"/>
+          <a:ea typeface="Arial" panose="020B0604020202020204"/>
+          <a:cs typeface="Arial" panose="020B0604020202020204"/>
+          <a:sym typeface="Arial" panose="020B0604020202020204"/>
         </a:defRPr>
       </a:lvl1pPr>
       <a:lvl2pPr marR="0" lvl="1" algn="l" rtl="0">
@@ -6005,15 +5963,15 @@
         <a:buClr>
           <a:srgbClr val="000000"/>
         </a:buClr>
-        <a:buFont typeface="Arial"/>
+        <a:buFont typeface="Arial" panose="020B0604020202020204"/>
         <a:defRPr sz="1400" b="0" i="0" u="none" strike="noStrike" cap="none">
           <a:solidFill>
             <a:srgbClr val="000000"/>
           </a:solidFill>
-          <a:latin typeface="Arial"/>
-          <a:ea typeface="Arial"/>
-          <a:cs typeface="Arial"/>
-          <a:sym typeface="Arial"/>
+          <a:latin typeface="Arial" panose="020B0604020202020204"/>
+          <a:ea typeface="Arial" panose="020B0604020202020204"/>
+          <a:cs typeface="Arial" panose="020B0604020202020204"/>
+          <a:sym typeface="Arial" panose="020B0604020202020204"/>
         </a:defRPr>
       </a:lvl2pPr>
       <a:lvl3pPr marR="0" lvl="2" algn="l" rtl="0">
@@ -6029,15 +5987,15 @@
         <a:buClr>
           <a:srgbClr val="000000"/>
         </a:buClr>
-        <a:buFont typeface="Arial"/>
+        <a:buFont typeface="Arial" panose="020B0604020202020204"/>
         <a:defRPr sz="1400" b="0" i="0" u="none" strike="noStrike" cap="none">
           <a:solidFill>
             <a:srgbClr val="000000"/>
           </a:solidFill>
-          <a:latin typeface="Arial"/>
-          <a:ea typeface="Arial"/>
-          <a:cs typeface="Arial"/>
-          <a:sym typeface="Arial"/>
+          <a:latin typeface="Arial" panose="020B0604020202020204"/>
+          <a:ea typeface="Arial" panose="020B0604020202020204"/>
+          <a:cs typeface="Arial" panose="020B0604020202020204"/>
+          <a:sym typeface="Arial" panose="020B0604020202020204"/>
         </a:defRPr>
       </a:lvl3pPr>
       <a:lvl4pPr marR="0" lvl="3" algn="l" rtl="0">
@@ -6053,15 +6011,15 @@
         <a:buClr>
           <a:srgbClr val="000000"/>
         </a:buClr>
-        <a:buFont typeface="Arial"/>
+        <a:buFont typeface="Arial" panose="020B0604020202020204"/>
         <a:defRPr sz="1400" b="0" i="0" u="none" strike="noStrike" cap="none">
           <a:solidFill>
             <a:srgbClr val="000000"/>
           </a:solidFill>
-          <a:latin typeface="Arial"/>
-          <a:ea typeface="Arial"/>
-          <a:cs typeface="Arial"/>
-          <a:sym typeface="Arial"/>
+          <a:latin typeface="Arial" panose="020B0604020202020204"/>
+          <a:ea typeface="Arial" panose="020B0604020202020204"/>
+          <a:cs typeface="Arial" panose="020B0604020202020204"/>
+          <a:sym typeface="Arial" panose="020B0604020202020204"/>
         </a:defRPr>
       </a:lvl4pPr>
       <a:lvl5pPr marR="0" lvl="4" algn="l" rtl="0">
@@ -6077,15 +6035,15 @@
         <a:buClr>
           <a:srgbClr val="000000"/>
         </a:buClr>
-        <a:buFont typeface="Arial"/>
+        <a:buFont typeface="Arial" panose="020B0604020202020204"/>
         <a:defRPr sz="1400" b="0" i="0" u="none" strike="noStrike" cap="none">
           <a:solidFill>
             <a:srgbClr val="000000"/>
           </a:solidFill>
-          <a:latin typeface="Arial"/>
-          <a:ea typeface="Arial"/>
-          <a:cs typeface="Arial"/>
-          <a:sym typeface="Arial"/>
+          <a:latin typeface="Arial" panose="020B0604020202020204"/>
+          <a:ea typeface="Arial" panose="020B0604020202020204"/>
+          <a:cs typeface="Arial" panose="020B0604020202020204"/>
+          <a:sym typeface="Arial" panose="020B0604020202020204"/>
         </a:defRPr>
       </a:lvl5pPr>
       <a:lvl6pPr marR="0" lvl="5" algn="l" rtl="0">
@@ -6101,15 +6059,15 @@
         <a:buClr>
           <a:srgbClr val="000000"/>
         </a:buClr>
-        <a:buFont typeface="Arial"/>
+        <a:buFont typeface="Arial" panose="020B0604020202020204"/>
         <a:defRPr sz="1400" b="0" i="0" u="none" strike="noStrike" cap="none">
           <a:solidFill>
             <a:srgbClr val="000000"/>
           </a:solidFill>
-          <a:latin typeface="Arial"/>
-          <a:ea typeface="Arial"/>
-          <a:cs typeface="Arial"/>
-          <a:sym typeface="Arial"/>
+          <a:latin typeface="Arial" panose="020B0604020202020204"/>
+          <a:ea typeface="Arial" panose="020B0604020202020204"/>
+          <a:cs typeface="Arial" panose="020B0604020202020204"/>
+          <a:sym typeface="Arial" panose="020B0604020202020204"/>
         </a:defRPr>
       </a:lvl6pPr>
       <a:lvl7pPr marR="0" lvl="6" algn="l" rtl="0">
@@ -6125,15 +6083,15 @@
         <a:buClr>
           <a:srgbClr val="000000"/>
         </a:buClr>
-        <a:buFont typeface="Arial"/>
+        <a:buFont typeface="Arial" panose="020B0604020202020204"/>
         <a:defRPr sz="1400" b="0" i="0" u="none" strike="noStrike" cap="none">
           <a:solidFill>
             <a:srgbClr val="000000"/>
           </a:solidFill>
-          <a:latin typeface="Arial"/>
-          <a:ea typeface="Arial"/>
-          <a:cs typeface="Arial"/>
-          <a:sym typeface="Arial"/>
+          <a:latin typeface="Arial" panose="020B0604020202020204"/>
+          <a:ea typeface="Arial" panose="020B0604020202020204"/>
+          <a:cs typeface="Arial" panose="020B0604020202020204"/>
+          <a:sym typeface="Arial" panose="020B0604020202020204"/>
         </a:defRPr>
       </a:lvl7pPr>
       <a:lvl8pPr marR="0" lvl="7" algn="l" rtl="0">
@@ -6149,15 +6107,15 @@
         <a:buClr>
           <a:srgbClr val="000000"/>
         </a:buClr>
-        <a:buFont typeface="Arial"/>
+        <a:buFont typeface="Arial" panose="020B0604020202020204"/>
         <a:defRPr sz="1400" b="0" i="0" u="none" strike="noStrike" cap="none">
           <a:solidFill>
             <a:srgbClr val="000000"/>
           </a:solidFill>
-          <a:latin typeface="Arial"/>
-          <a:ea typeface="Arial"/>
-          <a:cs typeface="Arial"/>
-          <a:sym typeface="Arial"/>
+          <a:latin typeface="Arial" panose="020B0604020202020204"/>
+          <a:ea typeface="Arial" panose="020B0604020202020204"/>
+          <a:cs typeface="Arial" panose="020B0604020202020204"/>
+          <a:sym typeface="Arial" panose="020B0604020202020204"/>
         </a:defRPr>
       </a:lvl8pPr>
       <a:lvl9pPr marR="0" lvl="8" algn="l" rtl="0">
@@ -6173,15 +6131,15 @@
         <a:buClr>
           <a:srgbClr val="000000"/>
         </a:buClr>
-        <a:buFont typeface="Arial"/>
+        <a:buFont typeface="Arial" panose="020B0604020202020204"/>
         <a:defRPr sz="1400" b="0" i="0" u="none" strike="noStrike" cap="none">
           <a:solidFill>
             <a:srgbClr val="000000"/>
           </a:solidFill>
-          <a:latin typeface="Arial"/>
-          <a:ea typeface="Arial"/>
-          <a:cs typeface="Arial"/>
-          <a:sym typeface="Arial"/>
+          <a:latin typeface="Arial" panose="020B0604020202020204"/>
+          <a:ea typeface="Arial" panose="020B0604020202020204"/>
+          <a:cs typeface="Arial" panose="020B0604020202020204"/>
+          <a:sym typeface="Arial" panose="020B0604020202020204"/>
         </a:defRPr>
       </a:lvl9pPr>
     </p:otherStyle>
@@ -6190,125 +6148,6 @@
 </file>
 
 <file path=ppt/slides/slide1.xml><?xml version="1.0" encoding="utf-8"?>
-<p:sld xmlns:a="http://schemas.openxmlformats.org/drawingml/2006/main" xmlns:r="http://schemas.openxmlformats.org/officeDocument/2006/relationships" xmlns:p="http://schemas.openxmlformats.org/presentationml/2006/main">
-  <p:cSld>
-    <p:spTree>
-      <p:nvGrpSpPr>
-        <p:cNvPr id="1" name="Shape 288"/>
-        <p:cNvGrpSpPr/>
-        <p:nvPr/>
-      </p:nvGrpSpPr>
-      <p:grpSpPr>
-        <a:xfrm>
-          <a:off x="0" y="0"/>
-          <a:ext cx="0" cy="0"/>
-          <a:chOff x="0" y="0"/>
-          <a:chExt cx="0" cy="0"/>
-        </a:xfrm>
-      </p:grpSpPr>
-      <p:sp>
-        <p:nvSpPr>
-          <p:cNvPr id="289" name="Google Shape;289;p33"/>
-          <p:cNvSpPr txBox="1">
-            <a:spLocks noGrp="1"/>
-          </p:cNvSpPr>
-          <p:nvPr>
-            <p:ph type="ctrTitle"/>
-          </p:nvPr>
-        </p:nvSpPr>
-        <p:spPr>
-          <a:xfrm>
-            <a:off x="1087125" y="1670213"/>
-            <a:ext cx="5897400" cy="1392600"/>
-          </a:xfrm>
-          <a:prstGeom prst="rect">
-            <a:avLst/>
-          </a:prstGeom>
-        </p:spPr>
-        <p:txBody>
-          <a:bodyPr spcFirstLastPara="1" wrap="square" lIns="91425" tIns="91425" rIns="91425" bIns="91425" anchor="b" anchorCtr="0">
-            <a:noAutofit/>
-          </a:bodyPr>
-          <a:lstStyle/>
-          <a:p>
-            <a:pPr marL="0" lvl="0" indent="0" algn="l" rtl="0">
-              <a:spcBef>
-                <a:spcPts val="0"/>
-              </a:spcBef>
-              <a:spcAft>
-                <a:spcPts val="0"/>
-              </a:spcAft>
-              <a:buNone/>
-            </a:pPr>
-            <a:r>
-              <a:rPr lang="en-US" dirty="0"/>
-              <a:t>B-crawler</a:t>
-            </a:r>
-            <a:endParaRPr dirty="0"/>
-          </a:p>
-        </p:txBody>
-      </p:sp>
-      <p:sp>
-        <p:nvSpPr>
-          <p:cNvPr id="290" name="Google Shape;290;p33"/>
-          <p:cNvSpPr txBox="1">
-            <a:spLocks noGrp="1"/>
-          </p:cNvSpPr>
-          <p:nvPr>
-            <p:ph type="subTitle" idx="1"/>
-          </p:nvPr>
-        </p:nvSpPr>
-        <p:spPr>
-          <a:xfrm>
-            <a:off x="1087125" y="2997488"/>
-            <a:ext cx="5897400" cy="475800"/>
-          </a:xfrm>
-          <a:prstGeom prst="rect">
-            <a:avLst/>
-          </a:prstGeom>
-        </p:spPr>
-        <p:txBody>
-          <a:bodyPr spcFirstLastPara="1" wrap="square" lIns="91425" tIns="91425" rIns="91425" bIns="91425" anchor="t" anchorCtr="0">
-            <a:noAutofit/>
-          </a:bodyPr>
-          <a:lstStyle/>
-          <a:p>
-            <a:pPr marL="0" lvl="0" indent="0" algn="l" rtl="0">
-              <a:spcBef>
-                <a:spcPts val="0"/>
-              </a:spcBef>
-              <a:spcAft>
-                <a:spcPts val="0"/>
-              </a:spcAft>
-              <a:buNone/>
-            </a:pPr>
-            <a:r>
-              <a:rPr lang="en" dirty="0">
-                <a:latin typeface="Hanken Grotesk"/>
-                <a:ea typeface="Hanken Grotesk"/>
-                <a:cs typeface="Hanken Grotesk"/>
-                <a:sym typeface="Hanken Grotesk"/>
-              </a:rPr>
-              <a:t>Here is where your presentation begins</a:t>
-            </a:r>
-            <a:endParaRPr dirty="0">
-              <a:latin typeface="Hanken Grotesk"/>
-              <a:ea typeface="Hanken Grotesk"/>
-              <a:cs typeface="Hanken Grotesk"/>
-              <a:sym typeface="Hanken Grotesk"/>
-            </a:endParaRPr>
-          </a:p>
-        </p:txBody>
-      </p:sp>
-    </p:spTree>
-  </p:cSld>
-  <p:clrMapOvr>
-    <a:masterClrMapping/>
-  </p:clrMapOvr>
-</p:sld>
-</file>
-
-<file path=ppt/slides/slide10.xml><?xml version="1.0" encoding="utf-8"?>
 <p:sld xmlns:a="http://schemas.openxmlformats.org/drawingml/2006/main" xmlns:r="http://schemas.openxmlformats.org/officeDocument/2006/relationships" xmlns:p="http://schemas.openxmlformats.org/presentationml/2006/main">
   <p:cSld>
     <p:spTree>
@@ -6327,260 +6166,7 @@
       </p:grpSpPr>
       <p:sp>
         <p:nvSpPr>
-          <p:cNvPr id="2" name="标题 1">
-            <a:extLst>
-              <a:ext uri="{FF2B5EF4-FFF2-40B4-BE49-F238E27FC236}">
-                <a16:creationId xmlns:a16="http://schemas.microsoft.com/office/drawing/2014/main" id="{672B5B94-5EAF-A424-B168-E55240C97960}"/>
-              </a:ext>
-            </a:extLst>
-          </p:cNvPr>
-          <p:cNvSpPr>
-            <a:spLocks noGrp="1"/>
-          </p:cNvSpPr>
-          <p:nvPr>
-            <p:ph type="title"/>
-          </p:nvPr>
-        </p:nvSpPr>
-        <p:spPr/>
-        <p:txBody>
-          <a:bodyPr/>
-          <a:lstStyle/>
-          <a:p>
-            <a:r>
-              <a:rPr lang="zh-CN" altLang="en-US" dirty="0"/>
-              <a:t>演示</a:t>
-            </a:r>
-          </a:p>
-        </p:txBody>
-      </p:sp>
-      <p:sp>
-        <p:nvSpPr>
-          <p:cNvPr id="3" name="文本占位符 2">
-            <a:extLst>
-              <a:ext uri="{FF2B5EF4-FFF2-40B4-BE49-F238E27FC236}">
-                <a16:creationId xmlns:a16="http://schemas.microsoft.com/office/drawing/2014/main" id="{B8239D5E-4AE4-50FC-A46D-7AE54E4E71BF}"/>
-              </a:ext>
-            </a:extLst>
-          </p:cNvPr>
-          <p:cNvSpPr>
-            <a:spLocks noGrp="1"/>
-          </p:cNvSpPr>
-          <p:nvPr>
-            <p:ph type="body" idx="1"/>
-          </p:nvPr>
-        </p:nvSpPr>
-        <p:spPr/>
-        <p:txBody>
-          <a:bodyPr/>
-          <a:lstStyle/>
-          <a:p>
-            <a:endParaRPr lang="zh-CN" altLang="en-US"/>
-          </a:p>
-        </p:txBody>
-      </p:sp>
-    </p:spTree>
-    <p:extLst>
-      <p:ext uri="{BB962C8B-B14F-4D97-AF65-F5344CB8AC3E}">
-        <p14:creationId xmlns:p14="http://schemas.microsoft.com/office/powerpoint/2010/main" val="4037171321"/>
-      </p:ext>
-    </p:extLst>
-  </p:cSld>
-  <p:clrMapOvr>
-    <a:masterClrMapping/>
-  </p:clrMapOvr>
-</p:sld>
-</file>
-
-<file path=ppt/slides/slide11.xml><?xml version="1.0" encoding="utf-8"?>
-<p:sld xmlns:a="http://schemas.openxmlformats.org/drawingml/2006/main" xmlns:r="http://schemas.openxmlformats.org/officeDocument/2006/relationships" xmlns:p="http://schemas.openxmlformats.org/presentationml/2006/main">
-  <p:cSld>
-    <p:spTree>
-      <p:nvGrpSpPr>
-        <p:cNvPr id="1" name=""/>
-        <p:cNvGrpSpPr/>
-        <p:nvPr/>
-      </p:nvGrpSpPr>
-      <p:grpSpPr>
-        <a:xfrm>
-          <a:off x="0" y="0"/>
-          <a:ext cx="0" cy="0"/>
-          <a:chOff x="0" y="0"/>
-          <a:chExt cx="0" cy="0"/>
-        </a:xfrm>
-      </p:grpSpPr>
-      <p:sp>
-        <p:nvSpPr>
-          <p:cNvPr id="2" name="标题 1">
-            <a:extLst>
-              <a:ext uri="{FF2B5EF4-FFF2-40B4-BE49-F238E27FC236}">
-                <a16:creationId xmlns:a16="http://schemas.microsoft.com/office/drawing/2014/main" id="{F3166D8F-2C5F-6575-2962-66806F1D2CE7}"/>
-              </a:ext>
-            </a:extLst>
-          </p:cNvPr>
-          <p:cNvSpPr>
-            <a:spLocks noGrp="1"/>
-          </p:cNvSpPr>
-          <p:nvPr>
-            <p:ph type="title"/>
-          </p:nvPr>
-        </p:nvSpPr>
-        <p:spPr/>
-        <p:txBody>
-          <a:bodyPr/>
-          <a:lstStyle/>
-          <a:p>
-            <a:r>
-              <a:rPr lang="zh-CN" altLang="en-US" dirty="0"/>
-              <a:t>结果</a:t>
-            </a:r>
-          </a:p>
-        </p:txBody>
-      </p:sp>
-      <p:sp>
-        <p:nvSpPr>
-          <p:cNvPr id="3" name="文本占位符 2">
-            <a:extLst>
-              <a:ext uri="{FF2B5EF4-FFF2-40B4-BE49-F238E27FC236}">
-                <a16:creationId xmlns:a16="http://schemas.microsoft.com/office/drawing/2014/main" id="{D81DD526-F4FF-C07A-3B13-1981CA144FEF}"/>
-              </a:ext>
-            </a:extLst>
-          </p:cNvPr>
-          <p:cNvSpPr>
-            <a:spLocks noGrp="1"/>
-          </p:cNvSpPr>
-          <p:nvPr>
-            <p:ph type="body" idx="1"/>
-          </p:nvPr>
-        </p:nvSpPr>
-        <p:spPr/>
-        <p:txBody>
-          <a:bodyPr/>
-          <a:lstStyle/>
-          <a:p>
-            <a:endParaRPr lang="zh-CN" altLang="en-US"/>
-          </a:p>
-        </p:txBody>
-      </p:sp>
-    </p:spTree>
-    <p:extLst>
-      <p:ext uri="{BB962C8B-B14F-4D97-AF65-F5344CB8AC3E}">
-        <p14:creationId xmlns:p14="http://schemas.microsoft.com/office/powerpoint/2010/main" val="2878066461"/>
-      </p:ext>
-    </p:extLst>
-  </p:cSld>
-  <p:clrMapOvr>
-    <a:masterClrMapping/>
-  </p:clrMapOvr>
-</p:sld>
-</file>
-
-<file path=ppt/slides/slide12.xml><?xml version="1.0" encoding="utf-8"?>
-<p:sld xmlns:a="http://schemas.openxmlformats.org/drawingml/2006/main" xmlns:r="http://schemas.openxmlformats.org/officeDocument/2006/relationships" xmlns:p="http://schemas.openxmlformats.org/presentationml/2006/main">
-  <p:cSld>
-    <p:bg>
-      <p:bgPr>
-        <a:solidFill>
-          <a:srgbClr val="0E2A47"/>
-        </a:solidFill>
-        <a:effectLst/>
-      </p:bgPr>
-    </p:bg>
-    <p:spTree>
-      <p:nvGrpSpPr>
-        <p:cNvPr id="1" name="Shape 11072"/>
-        <p:cNvGrpSpPr/>
-        <p:nvPr/>
-      </p:nvGrpSpPr>
-      <p:grpSpPr>
-        <a:xfrm>
-          <a:off x="0" y="0"/>
-          <a:ext cx="0" cy="0"/>
-          <a:chOff x="0" y="0"/>
-          <a:chExt cx="0" cy="0"/>
-        </a:xfrm>
-      </p:grpSpPr>
-      <p:sp>
-        <p:nvSpPr>
-          <p:cNvPr id="2" name="文本框 1">
-            <a:extLst>
-              <a:ext uri="{FF2B5EF4-FFF2-40B4-BE49-F238E27FC236}">
-                <a16:creationId xmlns:a16="http://schemas.microsoft.com/office/drawing/2014/main" id="{D0434736-47AD-352B-5B85-D16F0F08FF60}"/>
-              </a:ext>
-            </a:extLst>
-          </p:cNvPr>
-          <p:cNvSpPr txBox="1"/>
-          <p:nvPr/>
-        </p:nvSpPr>
-        <p:spPr>
-          <a:xfrm>
-            <a:off x="4185794" y="1894642"/>
-            <a:ext cx="772412" cy="677108"/>
-          </a:xfrm>
-          <a:prstGeom prst="rect">
-            <a:avLst/>
-          </a:prstGeom>
-          <a:noFill/>
-        </p:spPr>
-        <p:txBody>
-          <a:bodyPr wrap="square" rtlCol="0">
-            <a:spAutoFit/>
-          </a:bodyPr>
-          <a:lstStyle/>
-          <a:p>
-            <a:r>
-              <a:rPr lang="en-US" altLang="zh-CN" sz="3800" dirty="0">
-                <a:solidFill>
-                  <a:schemeClr val="bg1"/>
-                </a:solidFill>
-                <a:latin typeface="Figtree Black"/>
-                <a:sym typeface="Figtree Black"/>
-              </a:rPr>
-              <a:t>ty</a:t>
-            </a:r>
-            <a:endParaRPr lang="zh-CN" altLang="en-US" sz="3800" dirty="0">
-              <a:solidFill>
-                <a:schemeClr val="bg1"/>
-              </a:solidFill>
-              <a:latin typeface="Figtree Black"/>
-              <a:sym typeface="Figtree Black"/>
-            </a:endParaRPr>
-          </a:p>
-        </p:txBody>
-      </p:sp>
-    </p:spTree>
-  </p:cSld>
-  <p:clrMapOvr>
-    <a:masterClrMapping/>
-  </p:clrMapOvr>
-</p:sld>
-</file>
-
-<file path=ppt/slides/slide2.xml><?xml version="1.0" encoding="utf-8"?>
-<p:sld xmlns:a="http://schemas.openxmlformats.org/drawingml/2006/main" xmlns:r="http://schemas.openxmlformats.org/officeDocument/2006/relationships" xmlns:p="http://schemas.openxmlformats.org/presentationml/2006/main">
-  <p:cSld>
-    <p:spTree>
-      <p:nvGrpSpPr>
-        <p:cNvPr id="1" name=""/>
-        <p:cNvGrpSpPr/>
-        <p:nvPr/>
-      </p:nvGrpSpPr>
-      <p:grpSpPr>
-        <a:xfrm>
-          <a:off x="0" y="0"/>
-          <a:ext cx="0" cy="0"/>
-          <a:chOff x="0" y="0"/>
-          <a:chExt cx="0" cy="0"/>
-        </a:xfrm>
-      </p:grpSpPr>
-      <p:sp>
-        <p:nvSpPr>
-          <p:cNvPr id="2" name="标题 1">
-            <a:extLst>
-              <a:ext uri="{FF2B5EF4-FFF2-40B4-BE49-F238E27FC236}">
-                <a16:creationId xmlns:a16="http://schemas.microsoft.com/office/drawing/2014/main" id="{DFE4576E-20E7-B5CC-7F65-77BC0F4F4E14}"/>
-              </a:ext>
-            </a:extLst>
-          </p:cNvPr>
+          <p:cNvPr id="2" name="标题 1"/>
           <p:cNvSpPr>
             <a:spLocks noGrp="1"/>
           </p:cNvSpPr>
@@ -6604,20 +6190,15 @@
             </a:r>
             <a:r>
               <a:rPr lang="zh-CN" altLang="en-US" dirty="0"/>
-              <a:t>数据抓取与评论分析程序</a:t>
-            </a:r>
+              <a:t>游戏数据抓取与评论分析程序</a:t>
+            </a:r>
+            <a:endParaRPr lang="zh-CN" altLang="en-US" dirty="0"/>
           </a:p>
         </p:txBody>
       </p:sp>
       <p:sp>
         <p:nvSpPr>
-          <p:cNvPr id="3" name="副标题 2">
-            <a:extLst>
-              <a:ext uri="{FF2B5EF4-FFF2-40B4-BE49-F238E27FC236}">
-                <a16:creationId xmlns:a16="http://schemas.microsoft.com/office/drawing/2014/main" id="{49E78A89-0D00-7634-A6BD-5DE75E21696A}"/>
-              </a:ext>
-            </a:extLst>
-          </p:cNvPr>
+          <p:cNvPr id="3" name="副标题 2"/>
           <p:cNvSpPr>
             <a:spLocks noGrp="1"/>
           </p:cNvSpPr>
@@ -6625,41 +6206,37 @@
             <p:ph type="subTitle" idx="1"/>
           </p:nvPr>
         </p:nvSpPr>
-        <p:spPr/>
+        <p:spPr>
+          <a:xfrm>
+            <a:off x="2602865" y="2880360"/>
+            <a:ext cx="5828030" cy="906780"/>
+          </a:xfrm>
+        </p:spPr>
         <p:txBody>
           <a:bodyPr/>
           <a:lstStyle/>
           <a:p>
             <a:r>
               <a:rPr lang="zh-CN" altLang="en-US" dirty="0"/>
-              <a:t>组员：</a:t>
+              <a:t>组员：白皓天、吴家同、王一笑</a:t>
             </a:r>
             <a:endParaRPr lang="en-US" altLang="zh-CN" dirty="0"/>
           </a:p>
           <a:p>
-            <a:r>
-              <a:rPr lang="zh-CN" altLang="en-US" dirty="0"/>
-              <a:t>分工：</a:t>
-            </a:r>
+            <a:endParaRPr lang="en-US" altLang="zh-CN" dirty="0"/>
           </a:p>
         </p:txBody>
       </p:sp>
       <p:pic>
         <p:nvPicPr>
-          <p:cNvPr id="1026" name="Picture 2">
-            <a:extLst>
-              <a:ext uri="{FF2B5EF4-FFF2-40B4-BE49-F238E27FC236}">
-                <a16:creationId xmlns:a16="http://schemas.microsoft.com/office/drawing/2014/main" id="{3A333A89-00E8-F137-BCEA-4640BBA06B1D}"/>
-              </a:ext>
-            </a:extLst>
-          </p:cNvPr>
+          <p:cNvPr id="1026" name="Picture 2"/>
           <p:cNvPicPr>
             <a:picLocks noChangeAspect="1" noChangeArrowheads="1"/>
           </p:cNvPicPr>
           <p:nvPr/>
         </p:nvPicPr>
         <p:blipFill>
-          <a:blip r:embed="rId2">
+          <a:blip r:embed="rId1">
             <a:extLst>
               <a:ext uri="{28A0092B-C50C-407E-A947-70E740481C1C}">
                 <a14:useLocalDpi xmlns:a14="http://schemas.microsoft.com/office/drawing/2010/main" val="0"/>
@@ -6693,20 +6270,14 @@
       </p:pic>
       <p:pic>
         <p:nvPicPr>
-          <p:cNvPr id="1028" name="Picture 4" descr="Web crawler Generic Outline Color icon | Freepik">
-            <a:extLst>
-              <a:ext uri="{FF2B5EF4-FFF2-40B4-BE49-F238E27FC236}">
-                <a16:creationId xmlns:a16="http://schemas.microsoft.com/office/drawing/2014/main" id="{69DD99C9-4575-C694-6A5D-D503D1E7C138}"/>
-              </a:ext>
-            </a:extLst>
-          </p:cNvPr>
+          <p:cNvPr id="1028" name="Picture 4" descr="Web crawler Generic Outline Color icon | Freepik"/>
           <p:cNvPicPr>
             <a:picLocks noChangeAspect="1" noChangeArrowheads="1"/>
           </p:cNvPicPr>
           <p:nvPr/>
         </p:nvPicPr>
         <p:blipFill>
-          <a:blip r:embed="rId3">
+          <a:blip r:embed="rId2">
             <a:extLst>
               <a:ext uri="{28A0092B-C50C-407E-A947-70E740481C1C}">
                 <a14:useLocalDpi xmlns:a14="http://schemas.microsoft.com/office/drawing/2010/main" val="0"/>
@@ -6739,11 +6310,1427 @@
         </p:spPr>
       </p:pic>
     </p:spTree>
-    <p:extLst>
-      <p:ext uri="{BB962C8B-B14F-4D97-AF65-F5344CB8AC3E}">
-        <p14:creationId xmlns:p14="http://schemas.microsoft.com/office/powerpoint/2010/main" val="3365697853"/>
-      </p:ext>
-    </p:extLst>
+  </p:cSld>
+  <p:clrMapOvr>
+    <a:masterClrMapping/>
+  </p:clrMapOvr>
+</p:sld>
+</file>
+
+<file path=ppt/slides/slide10.xml><?xml version="1.0" encoding="utf-8"?>
+<p:sld xmlns:a="http://schemas.openxmlformats.org/drawingml/2006/main" xmlns:r="http://schemas.openxmlformats.org/officeDocument/2006/relationships" xmlns:p="http://schemas.openxmlformats.org/presentationml/2006/main">
+  <p:cSld>
+    <p:spTree>
+      <p:nvGrpSpPr>
+        <p:cNvPr id="1" name=""/>
+        <p:cNvGrpSpPr/>
+        <p:nvPr/>
+      </p:nvGrpSpPr>
+      <p:grpSpPr/>
+      <p:sp>
+        <p:nvSpPr>
+          <p:cNvPr id="2" name="标题 1"/>
+          <p:cNvSpPr>
+            <a:spLocks noGrp="1"/>
+          </p:cNvSpPr>
+          <p:nvPr>
+            <p:ph type="title"/>
+          </p:nvPr>
+        </p:nvSpPr>
+        <p:spPr/>
+        <p:txBody>
+          <a:bodyPr/>
+          <a:p>
+            <a:r>
+              <a:rPr lang="zh-CN" altLang="en-US" dirty="0">
+                <a:sym typeface="+mn-ea"/>
+              </a:rPr>
+              <a:t>评论威胁分析模块</a:t>
+            </a:r>
+            <a:endParaRPr lang="zh-CN" altLang="en-US"/>
+          </a:p>
+        </p:txBody>
+      </p:sp>
+      <p:sp>
+        <p:nvSpPr>
+          <p:cNvPr id="3" name="文本占位符 2"/>
+          <p:cNvSpPr>
+            <a:spLocks noGrp="1"/>
+          </p:cNvSpPr>
+          <p:nvPr>
+            <p:ph type="body" idx="1"/>
+          </p:nvPr>
+        </p:nvSpPr>
+        <p:spPr/>
+        <p:txBody>
+          <a:bodyPr/>
+          <a:p>
+            <a:r>
+              <a:rPr lang="zh-CN" altLang="en-US"/>
+              <a:t>可疑评论</a:t>
+            </a:r>
+            <a:r>
+              <a:rPr lang="zh-CN" altLang="en-US"/>
+              <a:t>爬取：</a:t>
+            </a:r>
+            <a:endParaRPr lang="zh-CN" altLang="en-US"/>
+          </a:p>
+          <a:p>
+            <a:r>
+              <a:rPr lang="zh-CN" altLang="en-US"/>
+              <a:t>容器</a:t>
+            </a:r>
+            <a:r>
+              <a:rPr lang="en-US" altLang="zh-CN"/>
+              <a:t> </a:t>
+            </a:r>
+            <a:r>
+              <a:rPr lang="en-US" altLang="zh-CN"/>
+              <a:t>div.apphub_Card</a:t>
+            </a:r>
+            <a:endParaRPr lang="en-US" altLang="zh-CN"/>
+          </a:p>
+          <a:p>
+            <a:r>
+              <a:rPr lang="zh-CN" altLang="en-US"/>
+              <a:t>文本</a:t>
+            </a:r>
+            <a:r>
+              <a:rPr lang="en-US" altLang="zh-CN"/>
+              <a:t> div.apphub_CardTextContent</a:t>
+            </a:r>
+            <a:endParaRPr lang="en-US" altLang="zh-CN"/>
+          </a:p>
+          <a:p>
+            <a:pPr marL="177800" indent="0">
+              <a:buNone/>
+            </a:pPr>
+            <a:r>
+              <a:rPr lang="zh-CN" altLang="en-US">
+                <a:ea typeface="宋体" panose="02010600030101010101" pitchFamily="2" charset="-122"/>
+              </a:rPr>
+              <a:t>来源页</a:t>
+            </a:r>
+            <a:endParaRPr lang="zh-CN" altLang="en-US">
+              <a:ea typeface="宋体" panose="02010600030101010101" pitchFamily="2" charset="-122"/>
+            </a:endParaRPr>
+          </a:p>
+          <a:p>
+            <a:pPr marL="177800" indent="0">
+              <a:buNone/>
+            </a:pPr>
+            <a:r>
+              <a:rPr lang="zh-CN" altLang="en-US">
+                <a:ea typeface="宋体" panose="02010600030101010101" pitchFamily="2" charset="-122"/>
+              </a:rPr>
+              <a:t>鸭科夫：</a:t>
+            </a:r>
+            <a:r>
+              <a:rPr lang="en-US" altLang="zh-CN">
+                <a:ea typeface="宋体" panose="02010600030101010101" pitchFamily="2" charset="-122"/>
+              </a:rPr>
+              <a:t>https://steamcommunity.com/app/3167020/reviews/</a:t>
+            </a:r>
+            <a:endParaRPr lang="en-US" altLang="zh-CN">
+              <a:ea typeface="宋体" panose="02010600030101010101" pitchFamily="2" charset="-122"/>
+            </a:endParaRPr>
+          </a:p>
+        </p:txBody>
+      </p:sp>
+      <p:pic>
+        <p:nvPicPr>
+          <p:cNvPr id="4" name="图片 3"/>
+          <p:cNvPicPr>
+            <a:picLocks noChangeAspect="1"/>
+          </p:cNvPicPr>
+          <p:nvPr/>
+        </p:nvPicPr>
+        <p:blipFill>
+          <a:blip r:embed="rId1"/>
+          <a:stretch>
+            <a:fillRect/>
+          </a:stretch>
+        </p:blipFill>
+        <p:spPr>
+          <a:xfrm>
+            <a:off x="4040505" y="0"/>
+            <a:ext cx="5067935" cy="2232025"/>
+          </a:xfrm>
+          <a:prstGeom prst="rect">
+            <a:avLst/>
+          </a:prstGeom>
+        </p:spPr>
+      </p:pic>
+      <p:pic>
+        <p:nvPicPr>
+          <p:cNvPr id="5" name="图片 4"/>
+          <p:cNvPicPr>
+            <a:picLocks noChangeAspect="1"/>
+          </p:cNvPicPr>
+          <p:nvPr/>
+        </p:nvPicPr>
+        <p:blipFill>
+          <a:blip r:embed="rId2"/>
+          <a:stretch>
+            <a:fillRect/>
+          </a:stretch>
+        </p:blipFill>
+        <p:spPr>
+          <a:xfrm>
+            <a:off x="3012440" y="2566670"/>
+            <a:ext cx="6131560" cy="2576830"/>
+          </a:xfrm>
+          <a:prstGeom prst="rect">
+            <a:avLst/>
+          </a:prstGeom>
+        </p:spPr>
+      </p:pic>
+    </p:spTree>
+  </p:cSld>
+  <p:clrMapOvr>
+    <a:masterClrMapping/>
+  </p:clrMapOvr>
+</p:sld>
+</file>
+
+<file path=ppt/slides/slide11.xml><?xml version="1.0" encoding="utf-8"?>
+<p:sld xmlns:a="http://schemas.openxmlformats.org/drawingml/2006/main" xmlns:r="http://schemas.openxmlformats.org/officeDocument/2006/relationships" xmlns:p="http://schemas.openxmlformats.org/presentationml/2006/main">
+  <p:cSld>
+    <p:spTree>
+      <p:nvGrpSpPr>
+        <p:cNvPr id="1" name=""/>
+        <p:cNvGrpSpPr/>
+        <p:nvPr/>
+      </p:nvGrpSpPr>
+      <p:grpSpPr>
+        <a:xfrm>
+          <a:off x="0" y="0"/>
+          <a:ext cx="0" cy="0"/>
+          <a:chOff x="0" y="0"/>
+          <a:chExt cx="0" cy="0"/>
+        </a:xfrm>
+      </p:grpSpPr>
+      <p:sp>
+        <p:nvSpPr>
+          <p:cNvPr id="2" name="标题 1"/>
+          <p:cNvSpPr>
+            <a:spLocks noGrp="1"/>
+          </p:cNvSpPr>
+          <p:nvPr>
+            <p:ph type="title"/>
+          </p:nvPr>
+        </p:nvSpPr>
+        <p:spPr/>
+        <p:txBody>
+          <a:bodyPr/>
+          <a:lstStyle/>
+          <a:p>
+            <a:r>
+              <a:rPr lang="zh-CN" altLang="en-US" dirty="0"/>
+              <a:t>评论威胁分析模块</a:t>
+            </a:r>
+            <a:endParaRPr lang="zh-CN" altLang="en-US" dirty="0"/>
+          </a:p>
+        </p:txBody>
+      </p:sp>
+      <p:sp>
+        <p:nvSpPr>
+          <p:cNvPr id="3" name="文本占位符 2"/>
+          <p:cNvSpPr>
+            <a:spLocks noGrp="1"/>
+          </p:cNvSpPr>
+          <p:nvPr>
+            <p:ph type="body" idx="1"/>
+          </p:nvPr>
+        </p:nvSpPr>
+        <p:spPr/>
+        <p:txBody>
+          <a:bodyPr/>
+          <a:lstStyle/>
+          <a:p>
+            <a:r>
+              <a:rPr lang="zh-CN" altLang="en-US"/>
+              <a:t>可以评论检测：外链</a:t>
+            </a:r>
+            <a:r>
+              <a:rPr lang="en-US" altLang="zh-CN"/>
+              <a:t>/</a:t>
+            </a:r>
+            <a:r>
+              <a:rPr lang="zh-CN" altLang="en-US"/>
+              <a:t>关键词</a:t>
+            </a:r>
+            <a:r>
+              <a:rPr lang="en-US" altLang="zh-CN"/>
+              <a:t>/</a:t>
+            </a:r>
+            <a:r>
+              <a:rPr lang="zh-CN" altLang="en-US"/>
+              <a:t>联系方式</a:t>
+            </a:r>
+            <a:endParaRPr lang="zh-CN" altLang="en-US"/>
+          </a:p>
+          <a:p>
+            <a:endParaRPr lang="zh-CN" altLang="en-US"/>
+          </a:p>
+          <a:p>
+            <a:r>
+              <a:rPr lang="zh-CN" altLang="en-US"/>
+              <a:t>产物：</a:t>
+            </a:r>
+            <a:r>
+              <a:rPr lang="en-US" altLang="zh-CN"/>
+              <a:t>comment_analysis_results.csv + suspicious_reviews_details.csv</a:t>
+            </a:r>
+            <a:r>
+              <a:rPr lang="zh-CN" altLang="en-US"/>
+              <a:t>（含內容）</a:t>
+            </a:r>
+            <a:endParaRPr lang="zh-CN" altLang="en-US"/>
+          </a:p>
+          <a:p>
+            <a:endParaRPr lang="zh-CN" altLang="en-US"/>
+          </a:p>
+          <a:p>
+            <a:endParaRPr lang="zh-CN" altLang="en-US"/>
+          </a:p>
+          <a:p>
+            <a:endParaRPr lang="zh-CN" altLang="en-US"/>
+          </a:p>
+          <a:p>
+            <a:endParaRPr lang="zh-CN" altLang="en-US"/>
+          </a:p>
+          <a:p>
+            <a:endParaRPr lang="zh-CN" altLang="en-US"/>
+          </a:p>
+          <a:p>
+            <a:endParaRPr lang="zh-CN" altLang="en-US"/>
+          </a:p>
+          <a:p>
+            <a:endParaRPr lang="zh-CN" altLang="en-US"/>
+          </a:p>
+          <a:p>
+            <a:r>
+              <a:rPr lang="zh-CN" altLang="en-US"/>
+              <a:t>输出可疑评论</a:t>
+            </a:r>
+            <a:r>
+              <a:rPr lang="en-US" altLang="zh-CN"/>
+              <a:t>csv</a:t>
+            </a:r>
+            <a:r>
+              <a:rPr lang="zh-CN" altLang="en-US">
+                <a:ea typeface="宋体" panose="02010600030101010101" pitchFamily="2" charset="-122"/>
+              </a:rPr>
+              <a:t>，便于安全</a:t>
+            </a:r>
+            <a:r>
+              <a:rPr lang="zh-CN" altLang="en-US">
+                <a:ea typeface="宋体" panose="02010600030101010101" pitchFamily="2" charset="-122"/>
+              </a:rPr>
+              <a:t>管理</a:t>
+            </a:r>
+            <a:endParaRPr lang="zh-CN" altLang="en-US">
+              <a:ea typeface="宋体" panose="02010600030101010101" pitchFamily="2" charset="-122"/>
+            </a:endParaRPr>
+          </a:p>
+          <a:p>
+            <a:endParaRPr lang="zh-CN" altLang="en-US">
+              <a:ea typeface="宋体" panose="02010600030101010101" pitchFamily="2" charset="-122"/>
+            </a:endParaRPr>
+          </a:p>
+          <a:p>
+            <a:r>
+              <a:rPr lang="zh-CN" altLang="en-US">
+                <a:ea typeface="宋体" panose="02010600030101010101" pitchFamily="2" charset="-122"/>
+              </a:rPr>
+              <a:t>高风险多可疑评论游戏重点</a:t>
+            </a:r>
+            <a:r>
+              <a:rPr lang="zh-CN" altLang="en-US">
+                <a:ea typeface="宋体" panose="02010600030101010101" pitchFamily="2" charset="-122"/>
+              </a:rPr>
+              <a:t>注意</a:t>
+            </a:r>
+            <a:endParaRPr lang="zh-CN" altLang="en-US">
+              <a:ea typeface="宋体" panose="02010600030101010101" pitchFamily="2" charset="-122"/>
+            </a:endParaRPr>
+          </a:p>
+        </p:txBody>
+      </p:sp>
+      <p:pic>
+        <p:nvPicPr>
+          <p:cNvPr id="4" name="图片 3"/>
+          <p:cNvPicPr>
+            <a:picLocks noChangeAspect="1"/>
+          </p:cNvPicPr>
+          <p:nvPr/>
+        </p:nvPicPr>
+        <p:blipFill>
+          <a:blip r:embed="rId1"/>
+          <a:stretch>
+            <a:fillRect/>
+          </a:stretch>
+        </p:blipFill>
+        <p:spPr>
+          <a:xfrm>
+            <a:off x="4448810" y="326390"/>
+            <a:ext cx="4135120" cy="1420495"/>
+          </a:xfrm>
+          <a:prstGeom prst="rect">
+            <a:avLst/>
+          </a:prstGeom>
+        </p:spPr>
+      </p:pic>
+      <p:pic>
+        <p:nvPicPr>
+          <p:cNvPr id="5" name="图片 4"/>
+          <p:cNvPicPr>
+            <a:picLocks noChangeAspect="1"/>
+          </p:cNvPicPr>
+          <p:nvPr/>
+        </p:nvPicPr>
+        <p:blipFill>
+          <a:blip r:embed="rId2"/>
+          <a:stretch>
+            <a:fillRect/>
+          </a:stretch>
+        </p:blipFill>
+        <p:spPr>
+          <a:xfrm>
+            <a:off x="2214245" y="2300605"/>
+            <a:ext cx="6929755" cy="1355090"/>
+          </a:xfrm>
+          <a:prstGeom prst="rect">
+            <a:avLst/>
+          </a:prstGeom>
+        </p:spPr>
+      </p:pic>
+      <p:pic>
+        <p:nvPicPr>
+          <p:cNvPr id="6" name="图片 5"/>
+          <p:cNvPicPr>
+            <a:picLocks noChangeAspect="1"/>
+          </p:cNvPicPr>
+          <p:nvPr/>
+        </p:nvPicPr>
+        <p:blipFill>
+          <a:blip r:embed="rId3"/>
+          <a:stretch>
+            <a:fillRect/>
+          </a:stretch>
+        </p:blipFill>
+        <p:spPr>
+          <a:xfrm>
+            <a:off x="3875405" y="3719830"/>
+            <a:ext cx="5268595" cy="1078865"/>
+          </a:xfrm>
+          <a:prstGeom prst="rect">
+            <a:avLst/>
+          </a:prstGeom>
+        </p:spPr>
+      </p:pic>
+    </p:spTree>
+  </p:cSld>
+  <p:clrMapOvr>
+    <a:masterClrMapping/>
+  </p:clrMapOvr>
+</p:sld>
+</file>
+
+<file path=ppt/slides/slide12.xml><?xml version="1.0" encoding="utf-8"?>
+<p:sld xmlns:a="http://schemas.openxmlformats.org/drawingml/2006/main" xmlns:r="http://schemas.openxmlformats.org/officeDocument/2006/relationships" xmlns:p="http://schemas.openxmlformats.org/presentationml/2006/main">
+  <p:cSld>
+    <p:spTree>
+      <p:nvGrpSpPr>
+        <p:cNvPr id="1" name=""/>
+        <p:cNvGrpSpPr/>
+        <p:nvPr/>
+      </p:nvGrpSpPr>
+      <p:grpSpPr>
+        <a:xfrm>
+          <a:off x="0" y="0"/>
+          <a:ext cx="0" cy="0"/>
+          <a:chOff x="0" y="0"/>
+          <a:chExt cx="0" cy="0"/>
+        </a:xfrm>
+      </p:grpSpPr>
+      <p:sp>
+        <p:nvSpPr>
+          <p:cNvPr id="2" name="标题 1"/>
+          <p:cNvSpPr>
+            <a:spLocks noGrp="1"/>
+          </p:cNvSpPr>
+          <p:nvPr>
+            <p:ph type="title"/>
+          </p:nvPr>
+        </p:nvSpPr>
+        <p:spPr/>
+        <p:txBody>
+          <a:bodyPr/>
+          <a:lstStyle/>
+          <a:p>
+            <a:r>
+              <a:rPr lang="zh-CN" altLang="en-US" dirty="0"/>
+              <a:t>基础分析与可视化</a:t>
+            </a:r>
+            <a:endParaRPr lang="zh-CN" altLang="en-US" dirty="0"/>
+          </a:p>
+        </p:txBody>
+      </p:sp>
+      <p:sp>
+        <p:nvSpPr>
+          <p:cNvPr id="3" name="文本占位符 2"/>
+          <p:cNvSpPr>
+            <a:spLocks noGrp="1"/>
+          </p:cNvSpPr>
+          <p:nvPr>
+            <p:ph type="body" idx="1"/>
+          </p:nvPr>
+        </p:nvSpPr>
+        <p:spPr/>
+        <p:txBody>
+          <a:bodyPr/>
+          <a:lstStyle/>
+          <a:p>
+            <a:r>
+              <a:rPr lang="zh-CN" altLang="en-US"/>
+              <a:t>热度排行</a:t>
+            </a:r>
+            <a:endParaRPr lang="en-US" altLang="zh-CN"/>
+          </a:p>
+          <a:p>
+            <a:r>
+              <a:rPr lang="en-US" altLang="zh-CN"/>
+              <a:t>- -</a:t>
+            </a:r>
+            <a:r>
+              <a:rPr lang="zh-CN" altLang="en-US"/>
+              <a:t>标签排行榜</a:t>
+            </a:r>
+            <a:endParaRPr lang="en-US" altLang="zh-CN"/>
+          </a:p>
+          <a:p>
+            <a:r>
+              <a:rPr lang="zh-CN" altLang="en-US"/>
+              <a:t>折扣力度排行榜</a:t>
+            </a:r>
+            <a:endParaRPr lang="en-US" altLang="zh-CN"/>
+          </a:p>
+          <a:p>
+            <a:r>
+              <a:rPr lang="zh-CN" altLang="en-US"/>
+              <a:t>免费付费</a:t>
+            </a:r>
+            <a:r>
+              <a:rPr lang="zh-CN" altLang="en-US"/>
+              <a:t>对比</a:t>
+            </a:r>
+            <a:endParaRPr lang="zh-CN" altLang="en-US"/>
+          </a:p>
+        </p:txBody>
+      </p:sp>
+      <p:pic>
+        <p:nvPicPr>
+          <p:cNvPr id="5" name="图片 4"/>
+          <p:cNvPicPr>
+            <a:picLocks noChangeAspect="1"/>
+          </p:cNvPicPr>
+          <p:nvPr/>
+        </p:nvPicPr>
+        <p:blipFill>
+          <a:blip r:embed="rId1"/>
+          <a:stretch>
+            <a:fillRect/>
+          </a:stretch>
+        </p:blipFill>
+        <p:spPr>
+          <a:xfrm>
+            <a:off x="3867150" y="1368425"/>
+            <a:ext cx="5276850" cy="3028315"/>
+          </a:xfrm>
+          <a:prstGeom prst="rect">
+            <a:avLst/>
+          </a:prstGeom>
+        </p:spPr>
+      </p:pic>
+    </p:spTree>
+  </p:cSld>
+  <p:clrMapOvr>
+    <a:masterClrMapping/>
+  </p:clrMapOvr>
+</p:sld>
+</file>
+
+<file path=ppt/slides/slide13.xml><?xml version="1.0" encoding="utf-8"?>
+<p:sld xmlns:a="http://schemas.openxmlformats.org/drawingml/2006/main" xmlns:r="http://schemas.openxmlformats.org/officeDocument/2006/relationships" xmlns:p="http://schemas.openxmlformats.org/presentationml/2006/main">
+  <p:cSld>
+    <p:spTree>
+      <p:nvGrpSpPr>
+        <p:cNvPr id="1" name=""/>
+        <p:cNvGrpSpPr/>
+        <p:nvPr/>
+      </p:nvGrpSpPr>
+      <p:grpSpPr/>
+      <p:sp>
+        <p:nvSpPr>
+          <p:cNvPr id="2" name="标题 1"/>
+          <p:cNvSpPr>
+            <a:spLocks noGrp="1"/>
+          </p:cNvSpPr>
+          <p:nvPr>
+            <p:ph type="title"/>
+          </p:nvPr>
+        </p:nvSpPr>
+        <p:spPr/>
+        <p:txBody>
+          <a:bodyPr/>
+          <a:p>
+            <a:endParaRPr lang="zh-CN" altLang="en-US"/>
+          </a:p>
+        </p:txBody>
+      </p:sp>
+      <p:sp>
+        <p:nvSpPr>
+          <p:cNvPr id="3" name="文本占位符 2"/>
+          <p:cNvSpPr>
+            <a:spLocks noGrp="1"/>
+          </p:cNvSpPr>
+          <p:nvPr>
+            <p:ph type="body" idx="1"/>
+          </p:nvPr>
+        </p:nvSpPr>
+        <p:spPr/>
+        <p:txBody>
+          <a:bodyPr/>
+          <a:p>
+            <a:endParaRPr lang="zh-CN" altLang="en-US"/>
+          </a:p>
+        </p:txBody>
+      </p:sp>
+      <p:pic>
+        <p:nvPicPr>
+          <p:cNvPr id="4" name="图片 3"/>
+          <p:cNvPicPr>
+            <a:picLocks noChangeAspect="1"/>
+          </p:cNvPicPr>
+          <p:nvPr/>
+        </p:nvPicPr>
+        <p:blipFill>
+          <a:blip r:embed="rId1"/>
+          <a:stretch>
+            <a:fillRect/>
+          </a:stretch>
+        </p:blipFill>
+        <p:spPr>
+          <a:xfrm>
+            <a:off x="4705350" y="0"/>
+            <a:ext cx="4335145" cy="5143500"/>
+          </a:xfrm>
+          <a:prstGeom prst="rect">
+            <a:avLst/>
+          </a:prstGeom>
+        </p:spPr>
+      </p:pic>
+    </p:spTree>
+  </p:cSld>
+  <p:clrMapOvr>
+    <a:masterClrMapping/>
+  </p:clrMapOvr>
+</p:sld>
+</file>
+
+<file path=ppt/slides/slide14.xml><?xml version="1.0" encoding="utf-8"?>
+<p:sld xmlns:a="http://schemas.openxmlformats.org/drawingml/2006/main" xmlns:r="http://schemas.openxmlformats.org/officeDocument/2006/relationships" xmlns:p="http://schemas.openxmlformats.org/presentationml/2006/main">
+  <p:cSld>
+    <p:spTree>
+      <p:nvGrpSpPr>
+        <p:cNvPr id="1" name=""/>
+        <p:cNvGrpSpPr/>
+        <p:nvPr/>
+      </p:nvGrpSpPr>
+      <p:grpSpPr/>
+      <p:sp>
+        <p:nvSpPr>
+          <p:cNvPr id="2" name="标题 1"/>
+          <p:cNvSpPr>
+            <a:spLocks noGrp="1"/>
+          </p:cNvSpPr>
+          <p:nvPr>
+            <p:ph type="title"/>
+          </p:nvPr>
+        </p:nvSpPr>
+        <p:spPr/>
+        <p:txBody>
+          <a:bodyPr/>
+          <a:p>
+            <a:r>
+              <a:rPr lang="zh-CN" altLang="en-US"/>
+              <a:t>深度</a:t>
+            </a:r>
+            <a:r>
+              <a:rPr lang="zh-CN" altLang="en-US"/>
+              <a:t>分析</a:t>
+            </a:r>
+            <a:endParaRPr lang="zh-CN" altLang="en-US"/>
+          </a:p>
+        </p:txBody>
+      </p:sp>
+      <p:sp>
+        <p:nvSpPr>
+          <p:cNvPr id="3" name="文本占位符 2"/>
+          <p:cNvSpPr>
+            <a:spLocks noGrp="1"/>
+          </p:cNvSpPr>
+          <p:nvPr>
+            <p:ph type="body" idx="1"/>
+          </p:nvPr>
+        </p:nvSpPr>
+        <p:spPr/>
+        <p:txBody>
+          <a:bodyPr/>
+          <a:p>
+            <a:pPr marL="177800" indent="0">
+              <a:buNone/>
+            </a:pPr>
+            <a:endParaRPr lang="zh-CN" altLang="en-US">
+              <a:sym typeface="+mn-ea"/>
+            </a:endParaRPr>
+          </a:p>
+          <a:p>
+            <a:r>
+              <a:rPr lang="zh-CN" altLang="en-US">
+                <a:sym typeface="+mn-ea"/>
+              </a:rPr>
+              <a:t>发售时长</a:t>
+            </a:r>
+            <a:r>
+              <a:rPr lang="en-US" altLang="zh-CN">
+                <a:sym typeface="+mn-ea"/>
+              </a:rPr>
+              <a:t>*</a:t>
+            </a:r>
+            <a:r>
+              <a:rPr lang="zh-CN" altLang="en-US">
+                <a:sym typeface="+mn-ea"/>
+              </a:rPr>
+              <a:t>折扣</a:t>
+            </a:r>
+            <a:endParaRPr lang="zh-CN" altLang="en-US"/>
+          </a:p>
+          <a:p>
+            <a:pPr marL="177800" indent="0">
+              <a:buNone/>
+            </a:pPr>
+            <a:r>
+              <a:rPr lang="zh-CN" altLang="en-US">
+                <a:ea typeface="宋体" panose="02010600030101010101" pitchFamily="2" charset="-122"/>
+                <a:sym typeface="+mn-ea"/>
+              </a:rPr>
+              <a:t>老品促销新品曝光</a:t>
+            </a:r>
+            <a:endParaRPr lang="zh-CN" altLang="en-US">
+              <a:ea typeface="宋体" panose="02010600030101010101" pitchFamily="2" charset="-122"/>
+            </a:endParaRPr>
+          </a:p>
+          <a:p>
+            <a:endParaRPr lang="zh-CN" altLang="en-US">
+              <a:sym typeface="+mn-ea"/>
+            </a:endParaRPr>
+          </a:p>
+          <a:p>
+            <a:r>
+              <a:rPr lang="zh-CN" altLang="en-US">
+                <a:sym typeface="+mn-ea"/>
+              </a:rPr>
+              <a:t>不同价位</a:t>
+            </a:r>
+            <a:endParaRPr lang="zh-CN" altLang="en-US">
+              <a:sym typeface="+mn-ea"/>
+            </a:endParaRPr>
+          </a:p>
+          <a:p>
+            <a:r>
+              <a:rPr lang="zh-CN" altLang="en-US">
+                <a:sym typeface="+mn-ea"/>
+              </a:rPr>
+              <a:t>打折</a:t>
+            </a:r>
+            <a:r>
+              <a:rPr lang="zh-CN" altLang="en-US">
+                <a:sym typeface="+mn-ea"/>
+              </a:rPr>
+              <a:t>频率</a:t>
+            </a:r>
+            <a:endParaRPr lang="zh-CN" altLang="en-US">
+              <a:sym typeface="+mn-ea"/>
+            </a:endParaRPr>
+          </a:p>
+          <a:p>
+            <a:pPr marL="177800" indent="0">
+              <a:buNone/>
+            </a:pPr>
+            <a:endParaRPr lang="zh-CN" altLang="en-US" sz="1200">
+              <a:ea typeface="宋体" panose="02010600030101010101" pitchFamily="2" charset="-122"/>
+            </a:endParaRPr>
+          </a:p>
+        </p:txBody>
+      </p:sp>
+      <p:pic>
+        <p:nvPicPr>
+          <p:cNvPr id="5" name="图片 4"/>
+          <p:cNvPicPr>
+            <a:picLocks noChangeAspect="1"/>
+          </p:cNvPicPr>
+          <p:nvPr/>
+        </p:nvPicPr>
+        <p:blipFill>
+          <a:blip r:embed="rId1"/>
+          <a:stretch>
+            <a:fillRect/>
+          </a:stretch>
+        </p:blipFill>
+        <p:spPr>
+          <a:xfrm>
+            <a:off x="2562225" y="445135"/>
+            <a:ext cx="6490970" cy="3660775"/>
+          </a:xfrm>
+          <a:prstGeom prst="rect">
+            <a:avLst/>
+          </a:prstGeom>
+        </p:spPr>
+      </p:pic>
+    </p:spTree>
+  </p:cSld>
+  <p:clrMapOvr>
+    <a:masterClrMapping/>
+  </p:clrMapOvr>
+</p:sld>
+</file>
+
+<file path=ppt/slides/slide15.xml><?xml version="1.0" encoding="utf-8"?>
+<p:sld xmlns:a="http://schemas.openxmlformats.org/drawingml/2006/main" xmlns:r="http://schemas.openxmlformats.org/officeDocument/2006/relationships" xmlns:p="http://schemas.openxmlformats.org/presentationml/2006/main">
+  <p:cSld>
+    <p:spTree>
+      <p:nvGrpSpPr>
+        <p:cNvPr id="1" name=""/>
+        <p:cNvGrpSpPr/>
+        <p:nvPr/>
+      </p:nvGrpSpPr>
+      <p:grpSpPr/>
+      <p:sp>
+        <p:nvSpPr>
+          <p:cNvPr id="2" name="标题 1"/>
+          <p:cNvSpPr>
+            <a:spLocks noGrp="1"/>
+          </p:cNvSpPr>
+          <p:nvPr>
+            <p:ph type="title"/>
+          </p:nvPr>
+        </p:nvSpPr>
+        <p:spPr/>
+        <p:txBody>
+          <a:bodyPr/>
+          <a:p>
+            <a:r>
+              <a:rPr lang="zh-CN" altLang="en-US"/>
+              <a:t>深度分析</a:t>
+            </a:r>
+            <a:endParaRPr lang="zh-CN" altLang="en-US"/>
+          </a:p>
+        </p:txBody>
+      </p:sp>
+      <p:sp>
+        <p:nvSpPr>
+          <p:cNvPr id="3" name="文本占位符 2"/>
+          <p:cNvSpPr>
+            <a:spLocks noGrp="1"/>
+          </p:cNvSpPr>
+          <p:nvPr>
+            <p:ph type="body" idx="1"/>
+          </p:nvPr>
+        </p:nvSpPr>
+        <p:spPr/>
+        <p:txBody>
+          <a:bodyPr/>
+          <a:p>
+            <a:r>
+              <a:rPr lang="zh-CN" altLang="en-US"/>
+              <a:t>价格尾数心理学</a:t>
+            </a:r>
+            <a:r>
+              <a:rPr lang="en-US" altLang="zh-CN"/>
+              <a:t> - .99</a:t>
+            </a:r>
+            <a:endParaRPr lang="zh-CN" altLang="en-US"/>
+          </a:p>
+          <a:p>
+            <a:endParaRPr lang="zh-CN" altLang="en-US"/>
+          </a:p>
+          <a:p>
+            <a:endParaRPr lang="zh-CN" altLang="en-US"/>
+          </a:p>
+          <a:p>
+            <a:endParaRPr lang="zh-CN" altLang="en-US"/>
+          </a:p>
+          <a:p>
+            <a:endParaRPr lang="zh-CN" altLang="en-US"/>
+          </a:p>
+          <a:p>
+            <a:r>
+              <a:rPr lang="zh-CN" altLang="en-US"/>
+              <a:t>标签</a:t>
+            </a:r>
+            <a:r>
+              <a:rPr lang="en-US" altLang="zh-CN"/>
+              <a:t>*</a:t>
+            </a:r>
+            <a:r>
+              <a:rPr lang="zh-CN" altLang="en-US"/>
+              <a:t>价格</a:t>
+            </a:r>
+            <a:endParaRPr lang="zh-CN" altLang="en-US"/>
+          </a:p>
+        </p:txBody>
+      </p:sp>
+      <p:pic>
+        <p:nvPicPr>
+          <p:cNvPr id="4" name="图片 3"/>
+          <p:cNvPicPr>
+            <a:picLocks noChangeAspect="1"/>
+          </p:cNvPicPr>
+          <p:nvPr/>
+        </p:nvPicPr>
+        <p:blipFill>
+          <a:blip r:embed="rId1"/>
+          <a:stretch>
+            <a:fillRect/>
+          </a:stretch>
+        </p:blipFill>
+        <p:spPr>
+          <a:xfrm>
+            <a:off x="3750945" y="445135"/>
+            <a:ext cx="5280660" cy="4137660"/>
+          </a:xfrm>
+          <a:prstGeom prst="rect">
+            <a:avLst/>
+          </a:prstGeom>
+        </p:spPr>
+      </p:pic>
+    </p:spTree>
+  </p:cSld>
+  <p:clrMapOvr>
+    <a:masterClrMapping/>
+  </p:clrMapOvr>
+</p:sld>
+</file>
+
+<file path=ppt/slides/slide16.xml><?xml version="1.0" encoding="utf-8"?>
+<p:sld xmlns:a="http://schemas.openxmlformats.org/drawingml/2006/main" xmlns:r="http://schemas.openxmlformats.org/officeDocument/2006/relationships" xmlns:p="http://schemas.openxmlformats.org/presentationml/2006/main">
+  <p:cSld>
+    <p:spTree>
+      <p:nvGrpSpPr>
+        <p:cNvPr id="1" name=""/>
+        <p:cNvGrpSpPr/>
+        <p:nvPr/>
+      </p:nvGrpSpPr>
+      <p:grpSpPr/>
+      <p:sp>
+        <p:nvSpPr>
+          <p:cNvPr id="2" name="标题 1"/>
+          <p:cNvSpPr>
+            <a:spLocks noGrp="1"/>
+          </p:cNvSpPr>
+          <p:nvPr>
+            <p:ph type="title"/>
+          </p:nvPr>
+        </p:nvSpPr>
+        <p:spPr/>
+        <p:txBody>
+          <a:bodyPr/>
+          <a:p>
+            <a:endParaRPr lang="zh-CN" altLang="en-US"/>
+          </a:p>
+        </p:txBody>
+      </p:sp>
+      <p:sp>
+        <p:nvSpPr>
+          <p:cNvPr id="3" name="文本占位符 2"/>
+          <p:cNvSpPr>
+            <a:spLocks noGrp="1"/>
+          </p:cNvSpPr>
+          <p:nvPr>
+            <p:ph type="body" idx="1"/>
+          </p:nvPr>
+        </p:nvSpPr>
+        <p:spPr/>
+        <p:txBody>
+          <a:bodyPr/>
+          <a:p>
+            <a:endParaRPr lang="zh-CN" altLang="en-US"/>
+          </a:p>
+        </p:txBody>
+      </p:sp>
+    </p:spTree>
+  </p:cSld>
+  <p:clrMapOvr>
+    <a:masterClrMapping/>
+  </p:clrMapOvr>
+</p:sld>
+</file>
+
+<file path=ppt/slides/slide17.xml><?xml version="1.0" encoding="utf-8"?>
+<p:sld xmlns:a="http://schemas.openxmlformats.org/drawingml/2006/main" xmlns:r="http://schemas.openxmlformats.org/officeDocument/2006/relationships" xmlns:p="http://schemas.openxmlformats.org/presentationml/2006/main">
+  <p:cSld>
+    <p:spTree>
+      <p:nvGrpSpPr>
+        <p:cNvPr id="1" name=""/>
+        <p:cNvGrpSpPr/>
+        <p:nvPr/>
+      </p:nvGrpSpPr>
+      <p:grpSpPr>
+        <a:xfrm>
+          <a:off x="0" y="0"/>
+          <a:ext cx="0" cy="0"/>
+          <a:chOff x="0" y="0"/>
+          <a:chExt cx="0" cy="0"/>
+        </a:xfrm>
+      </p:grpSpPr>
+      <p:sp>
+        <p:nvSpPr>
+          <p:cNvPr id="2" name="标题 1"/>
+          <p:cNvSpPr>
+            <a:spLocks noGrp="1"/>
+          </p:cNvSpPr>
+          <p:nvPr>
+            <p:ph type="title"/>
+          </p:nvPr>
+        </p:nvSpPr>
+        <p:spPr/>
+        <p:txBody>
+          <a:bodyPr/>
+          <a:lstStyle/>
+          <a:p>
+            <a:r>
+              <a:rPr lang="zh-CN" altLang="en-US" dirty="0"/>
+              <a:t>演示</a:t>
+            </a:r>
+            <a:endParaRPr lang="zh-CN" altLang="en-US" dirty="0"/>
+          </a:p>
+        </p:txBody>
+      </p:sp>
+      <p:sp>
+        <p:nvSpPr>
+          <p:cNvPr id="3" name="文本占位符 2"/>
+          <p:cNvSpPr>
+            <a:spLocks noGrp="1"/>
+          </p:cNvSpPr>
+          <p:nvPr>
+            <p:ph type="body" idx="1"/>
+          </p:nvPr>
+        </p:nvSpPr>
+        <p:spPr/>
+        <p:txBody>
+          <a:bodyPr/>
+          <a:lstStyle/>
+          <a:p>
+            <a:endParaRPr lang="zh-CN" altLang="en-US"/>
+          </a:p>
+        </p:txBody>
+      </p:sp>
+    </p:spTree>
+  </p:cSld>
+  <p:clrMapOvr>
+    <a:masterClrMapping/>
+  </p:clrMapOvr>
+</p:sld>
+</file>
+
+<file path=ppt/slides/slide18.xml><?xml version="1.0" encoding="utf-8"?>
+<p:sld xmlns:a="http://schemas.openxmlformats.org/drawingml/2006/main" xmlns:r="http://schemas.openxmlformats.org/officeDocument/2006/relationships" xmlns:p="http://schemas.openxmlformats.org/presentationml/2006/main">
+  <p:cSld>
+    <p:spTree>
+      <p:nvGrpSpPr>
+        <p:cNvPr id="1" name=""/>
+        <p:cNvGrpSpPr/>
+        <p:nvPr/>
+      </p:nvGrpSpPr>
+      <p:grpSpPr/>
+      <p:sp>
+        <p:nvSpPr>
+          <p:cNvPr id="2" name="标题 1"/>
+          <p:cNvSpPr>
+            <a:spLocks noGrp="1"/>
+          </p:cNvSpPr>
+          <p:nvPr>
+            <p:ph type="title"/>
+          </p:nvPr>
+        </p:nvSpPr>
+        <p:spPr/>
+        <p:txBody>
+          <a:bodyPr/>
+          <a:p>
+            <a:r>
+              <a:rPr lang="zh-CN" altLang="en-US"/>
+              <a:t>结果</a:t>
+            </a:r>
+            <a:endParaRPr lang="zh-CN" altLang="en-US"/>
+          </a:p>
+        </p:txBody>
+      </p:sp>
+      <p:sp>
+        <p:nvSpPr>
+          <p:cNvPr id="3" name="文本占位符 2"/>
+          <p:cNvSpPr>
+            <a:spLocks noGrp="1"/>
+          </p:cNvSpPr>
+          <p:nvPr>
+            <p:ph type="body" idx="1"/>
+          </p:nvPr>
+        </p:nvSpPr>
+        <p:spPr/>
+        <p:txBody>
+          <a:bodyPr/>
+          <a:p>
+            <a:r>
+              <a:rPr lang="zh-CN" altLang="en-US"/>
+              <a:t>爬取数量可</a:t>
+            </a:r>
+            <a:r>
+              <a:rPr lang="zh-CN" altLang="en-US"/>
+              <a:t>随意修改</a:t>
+            </a:r>
+            <a:endParaRPr lang="zh-CN" altLang="en-US"/>
+          </a:p>
+          <a:p>
+            <a:r>
+              <a:rPr lang="zh-CN" altLang="en-US"/>
+              <a:t>威胁</a:t>
+            </a:r>
+            <a:r>
+              <a:rPr lang="zh-CN" altLang="en-US"/>
+              <a:t>评论分析</a:t>
+            </a:r>
+            <a:endParaRPr lang="zh-CN" altLang="en-US"/>
+          </a:p>
+        </p:txBody>
+      </p:sp>
+      <p:pic>
+        <p:nvPicPr>
+          <p:cNvPr id="4" name="图片 3"/>
+          <p:cNvPicPr>
+            <a:picLocks noChangeAspect="1"/>
+          </p:cNvPicPr>
+          <p:nvPr/>
+        </p:nvPicPr>
+        <p:blipFill>
+          <a:blip r:embed="rId1"/>
+          <a:stretch>
+            <a:fillRect/>
+          </a:stretch>
+        </p:blipFill>
+        <p:spPr>
+          <a:xfrm>
+            <a:off x="4705350" y="0"/>
+            <a:ext cx="4335145" cy="5143500"/>
+          </a:xfrm>
+          <a:prstGeom prst="rect">
+            <a:avLst/>
+          </a:prstGeom>
+        </p:spPr>
+      </p:pic>
+    </p:spTree>
+  </p:cSld>
+  <p:clrMapOvr>
+    <a:masterClrMapping/>
+  </p:clrMapOvr>
+</p:sld>
+</file>
+
+<file path=ppt/slides/slide19.xml><?xml version="1.0" encoding="utf-8"?>
+<p:sld xmlns:a="http://schemas.openxmlformats.org/drawingml/2006/main" xmlns:r="http://schemas.openxmlformats.org/officeDocument/2006/relationships" xmlns:p="http://schemas.openxmlformats.org/presentationml/2006/main">
+  <p:cSld>
+    <p:spTree>
+      <p:nvGrpSpPr>
+        <p:cNvPr id="1" name=""/>
+        <p:cNvGrpSpPr/>
+        <p:nvPr/>
+      </p:nvGrpSpPr>
+      <p:grpSpPr>
+        <a:xfrm>
+          <a:off x="0" y="0"/>
+          <a:ext cx="0" cy="0"/>
+          <a:chOff x="0" y="0"/>
+          <a:chExt cx="0" cy="0"/>
+        </a:xfrm>
+      </p:grpSpPr>
+      <p:sp>
+        <p:nvSpPr>
+          <p:cNvPr id="2" name="标题 1"/>
+          <p:cNvSpPr>
+            <a:spLocks noGrp="1"/>
+          </p:cNvSpPr>
+          <p:nvPr>
+            <p:ph type="title"/>
+          </p:nvPr>
+        </p:nvSpPr>
+        <p:spPr/>
+        <p:txBody>
+          <a:bodyPr/>
+          <a:lstStyle/>
+          <a:p>
+            <a:r>
+              <a:rPr lang="zh-CN" altLang="en-US" dirty="0"/>
+              <a:t>结果</a:t>
+            </a:r>
+            <a:endParaRPr lang="zh-CN" altLang="en-US" dirty="0"/>
+          </a:p>
+        </p:txBody>
+      </p:sp>
+      <p:sp>
+        <p:nvSpPr>
+          <p:cNvPr id="3" name="文本占位符 2"/>
+          <p:cNvSpPr>
+            <a:spLocks noGrp="1"/>
+          </p:cNvSpPr>
+          <p:nvPr>
+            <p:ph type="body" idx="1"/>
+          </p:nvPr>
+        </p:nvSpPr>
+        <p:spPr/>
+        <p:txBody>
+          <a:bodyPr/>
+          <a:lstStyle/>
+          <a:p>
+            <a:r>
+              <a:rPr lang="zh-CN" altLang="en-US"/>
+              <a:t>数据</a:t>
+            </a:r>
+            <a:r>
+              <a:rPr lang="zh-CN" altLang="en-US"/>
+              <a:t>来源</a:t>
+            </a:r>
+            <a:endParaRPr lang="zh-CN" altLang="en-US"/>
+          </a:p>
+        </p:txBody>
+      </p:sp>
+    </p:spTree>
+  </p:cSld>
+  <p:clrMapOvr>
+    <a:masterClrMapping/>
+  </p:clrMapOvr>
+</p:sld>
+</file>
+
+<file path=ppt/slides/slide2.xml><?xml version="1.0" encoding="utf-8"?>
+<p:sld xmlns:a="http://schemas.openxmlformats.org/drawingml/2006/main" xmlns:r="http://schemas.openxmlformats.org/officeDocument/2006/relationships" xmlns:p="http://schemas.openxmlformats.org/presentationml/2006/main">
+  <p:cSld>
+    <p:spTree>
+      <p:nvGrpSpPr>
+        <p:cNvPr id="1" name="Shape 288"/>
+        <p:cNvGrpSpPr/>
+        <p:nvPr/>
+      </p:nvGrpSpPr>
+      <p:grpSpPr>
+        <a:xfrm>
+          <a:off x="0" y="0"/>
+          <a:ext cx="0" cy="0"/>
+          <a:chOff x="0" y="0"/>
+          <a:chExt cx="0" cy="0"/>
+        </a:xfrm>
+      </p:grpSpPr>
+      <p:sp>
+        <p:nvSpPr>
+          <p:cNvPr id="289" name="Google Shape;289;p33"/>
+          <p:cNvSpPr txBox="1">
+            <a:spLocks noGrp="1"/>
+          </p:cNvSpPr>
+          <p:nvPr>
+            <p:ph type="ctrTitle"/>
+          </p:nvPr>
+        </p:nvSpPr>
+        <p:spPr>
+          <a:xfrm>
+            <a:off x="1087120" y="1670050"/>
+            <a:ext cx="6897370" cy="1392555"/>
+          </a:xfrm>
+          <a:prstGeom prst="rect">
+            <a:avLst/>
+          </a:prstGeom>
+        </p:spPr>
+        <p:txBody>
+          <a:bodyPr spcFirstLastPara="1" wrap="square" lIns="91425" tIns="91425" rIns="91425" bIns="91425" anchor="b" anchorCtr="0">
+            <a:noAutofit/>
+          </a:bodyPr>
+          <a:lstStyle/>
+          <a:p>
+            <a:pPr marL="0" lvl="0" indent="0" algn="l" rtl="0">
+              <a:spcBef>
+                <a:spcPts val="0"/>
+              </a:spcBef>
+              <a:spcAft>
+                <a:spcPts val="0"/>
+              </a:spcAft>
+              <a:buNone/>
+            </a:pPr>
+            <a:r>
+              <a:rPr lang="zh-CN" altLang="en-US" dirty="0"/>
+              <a:t>我超想</a:t>
+            </a:r>
+            <a:r>
+              <a:rPr lang="zh-CN" altLang="en-US" dirty="0"/>
+              <a:t>超你</a:t>
+            </a:r>
+            <a:r>
+              <a:rPr lang="en-US" altLang="zh-CN" dirty="0"/>
+              <a:t> </a:t>
+            </a:r>
+            <a:r>
+              <a:rPr lang="en-US" dirty="0"/>
+              <a:t>steam-spider</a:t>
+            </a:r>
+            <a:endParaRPr lang="en-US" dirty="0"/>
+          </a:p>
+        </p:txBody>
+      </p:sp>
+      <p:sp>
+        <p:nvSpPr>
+          <p:cNvPr id="290" name="Google Shape;290;p33"/>
+          <p:cNvSpPr txBox="1">
+            <a:spLocks noGrp="1"/>
+          </p:cNvSpPr>
+          <p:nvPr>
+            <p:ph type="subTitle" idx="1"/>
+          </p:nvPr>
+        </p:nvSpPr>
+        <p:spPr>
+          <a:xfrm>
+            <a:off x="1087125" y="2997488"/>
+            <a:ext cx="5897400" cy="475800"/>
+          </a:xfrm>
+          <a:prstGeom prst="rect">
+            <a:avLst/>
+          </a:prstGeom>
+        </p:spPr>
+        <p:txBody>
+          <a:bodyPr spcFirstLastPara="1" wrap="square" lIns="91425" tIns="91425" rIns="91425" bIns="91425" anchor="t" anchorCtr="0">
+            <a:noAutofit/>
+          </a:bodyPr>
+          <a:lstStyle/>
+          <a:p>
+            <a:pPr marL="0" lvl="0" indent="0" algn="l" rtl="0">
+              <a:spcBef>
+                <a:spcPts val="0"/>
+              </a:spcBef>
+              <a:spcAft>
+                <a:spcPts val="0"/>
+              </a:spcAft>
+              <a:buNone/>
+            </a:pPr>
+            <a:r>
+              <a:rPr lang="en-US" altLang="en-GB" dirty="0">
+                <a:latin typeface="Hanken Grotesk"/>
+                <a:ea typeface="Hanken Grotesk"/>
+                <a:cs typeface="Hanken Grotesk"/>
+                <a:sym typeface="Hanken Grotesk"/>
+              </a:rPr>
+              <a:t>2025/11/5</a:t>
+            </a:r>
+            <a:endParaRPr lang="en-US" altLang="en-GB" dirty="0">
+              <a:latin typeface="Hanken Grotesk"/>
+              <a:ea typeface="Hanken Grotesk"/>
+              <a:cs typeface="Hanken Grotesk"/>
+              <a:sym typeface="Hanken Grotesk"/>
+            </a:endParaRPr>
+          </a:p>
+        </p:txBody>
+      </p:sp>
+    </p:spTree>
+  </p:cSld>
+  <p:clrMapOvr>
+    <a:masterClrMapping/>
+  </p:clrMapOvr>
+</p:sld>
+</file>
+
+<file path=ppt/slides/slide20.xml><?xml version="1.0" encoding="utf-8"?>
+<p:sld xmlns:a="http://schemas.openxmlformats.org/drawingml/2006/main" xmlns:r="http://schemas.openxmlformats.org/officeDocument/2006/relationships" xmlns:p="http://schemas.openxmlformats.org/presentationml/2006/main">
+  <p:cSld>
+    <p:bg>
+      <p:bgPr>
+        <a:solidFill>
+          <a:srgbClr val="0E2A47"/>
+        </a:solidFill>
+        <a:effectLst/>
+      </p:bgPr>
+    </p:bg>
+    <p:spTree>
+      <p:nvGrpSpPr>
+        <p:cNvPr id="1" name="Shape 11072"/>
+        <p:cNvGrpSpPr/>
+        <p:nvPr/>
+      </p:nvGrpSpPr>
+      <p:grpSpPr>
+        <a:xfrm>
+          <a:off x="0" y="0"/>
+          <a:ext cx="0" cy="0"/>
+          <a:chOff x="0" y="0"/>
+          <a:chExt cx="0" cy="0"/>
+        </a:xfrm>
+      </p:grpSpPr>
+      <p:sp>
+        <p:nvSpPr>
+          <p:cNvPr id="2" name="文本框 1"/>
+          <p:cNvSpPr txBox="1"/>
+          <p:nvPr/>
+        </p:nvSpPr>
+        <p:spPr>
+          <a:xfrm>
+            <a:off x="3566160" y="2233930"/>
+            <a:ext cx="2011045" cy="675640"/>
+          </a:xfrm>
+          <a:prstGeom prst="rect">
+            <a:avLst/>
+          </a:prstGeom>
+          <a:noFill/>
+        </p:spPr>
+        <p:txBody>
+          <a:bodyPr wrap="square" rtlCol="0">
+            <a:spAutoFit/>
+          </a:bodyPr>
+          <a:lstStyle/>
+          <a:p>
+            <a:r>
+              <a:rPr lang="en-US" altLang="zh-CN" sz="3800" dirty="0">
+                <a:solidFill>
+                  <a:schemeClr val="bg1"/>
+                </a:solidFill>
+                <a:latin typeface="Figtree Black"/>
+                <a:sym typeface="Figtree Black"/>
+              </a:rPr>
+              <a:t>thank </a:t>
+            </a:r>
+            <a:r>
+              <a:rPr lang="en-US" altLang="zh-CN" sz="3800" dirty="0">
+                <a:solidFill>
+                  <a:schemeClr val="bg1"/>
+                </a:solidFill>
+                <a:latin typeface="Figtree Black"/>
+                <a:sym typeface="Figtree Black"/>
+              </a:rPr>
+              <a:t>u</a:t>
+            </a:r>
+            <a:endParaRPr lang="en-US" altLang="zh-CN" sz="3800" dirty="0">
+              <a:solidFill>
+                <a:schemeClr val="bg1"/>
+              </a:solidFill>
+              <a:latin typeface="Figtree Black"/>
+              <a:sym typeface="Figtree Black"/>
+            </a:endParaRPr>
+          </a:p>
+        </p:txBody>
+      </p:sp>
+    </p:spTree>
   </p:cSld>
   <p:clrMapOvr>
     <a:masterClrMapping/>
@@ -6770,13 +7757,7 @@
       </p:grpSpPr>
       <p:sp>
         <p:nvSpPr>
-          <p:cNvPr id="2" name="标题 1">
-            <a:extLst>
-              <a:ext uri="{FF2B5EF4-FFF2-40B4-BE49-F238E27FC236}">
-                <a16:creationId xmlns:a16="http://schemas.microsoft.com/office/drawing/2014/main" id="{6E1DBB6C-E49E-011E-85A0-57DBB671676C}"/>
-              </a:ext>
-            </a:extLst>
-          </p:cNvPr>
+          <p:cNvPr id="2" name="标题 1"/>
           <p:cNvSpPr>
             <a:spLocks noGrp="1"/>
           </p:cNvSpPr>
@@ -6795,13 +7776,7 @@
       </p:sp>
       <p:sp>
         <p:nvSpPr>
-          <p:cNvPr id="3" name="副标题 2">
-            <a:extLst>
-              <a:ext uri="{FF2B5EF4-FFF2-40B4-BE49-F238E27FC236}">
-                <a16:creationId xmlns:a16="http://schemas.microsoft.com/office/drawing/2014/main" id="{8C430009-53EE-511E-4D33-1957D8D64A7A}"/>
-              </a:ext>
-            </a:extLst>
-          </p:cNvPr>
+          <p:cNvPr id="3" name="副标题 2"/>
           <p:cNvSpPr>
             <a:spLocks noGrp="1"/>
           </p:cNvSpPr>
@@ -6819,11 +7794,6 @@
         </p:txBody>
       </p:sp>
     </p:spTree>
-    <p:extLst>
-      <p:ext uri="{BB962C8B-B14F-4D97-AF65-F5344CB8AC3E}">
-        <p14:creationId xmlns:p14="http://schemas.microsoft.com/office/powerpoint/2010/main" val="373773768"/>
-      </p:ext>
-    </p:extLst>
   </p:cSld>
   <p:clrMapOvr>
     <a:masterClrMapping/>
@@ -6850,13 +7820,7 @@
       </p:grpSpPr>
       <p:sp>
         <p:nvSpPr>
-          <p:cNvPr id="2" name="标题 1">
-            <a:extLst>
-              <a:ext uri="{FF2B5EF4-FFF2-40B4-BE49-F238E27FC236}">
-                <a16:creationId xmlns:a16="http://schemas.microsoft.com/office/drawing/2014/main" id="{AE366934-6311-7383-1895-C25CD44BBAA6}"/>
-              </a:ext>
-            </a:extLst>
-          </p:cNvPr>
+          <p:cNvPr id="2" name="标题 1"/>
           <p:cNvSpPr>
             <a:spLocks noGrp="1"/>
           </p:cNvSpPr>
@@ -6873,18 +7837,13 @@
               <a:rPr lang="zh-CN" altLang="en-US" dirty="0"/>
               <a:t>背景与目标</a:t>
             </a:r>
+            <a:endParaRPr lang="zh-CN" altLang="en-US" dirty="0"/>
           </a:p>
         </p:txBody>
       </p:sp>
       <p:sp>
         <p:nvSpPr>
-          <p:cNvPr id="3" name="文本占位符 2">
-            <a:extLst>
-              <a:ext uri="{FF2B5EF4-FFF2-40B4-BE49-F238E27FC236}">
-                <a16:creationId xmlns:a16="http://schemas.microsoft.com/office/drawing/2014/main" id="{8A264ECB-ABC1-B042-D588-8A41784E4C3C}"/>
-              </a:ext>
-            </a:extLst>
-          </p:cNvPr>
+          <p:cNvPr id="3" name="文本占位符 2"/>
           <p:cNvSpPr>
             <a:spLocks noGrp="1"/>
           </p:cNvSpPr>
@@ -6907,7 +7866,11 @@
             </a:r>
             <a:r>
               <a:rPr lang="zh-CN" altLang="en-US" dirty="0"/>
-              <a:t>平台数据量大、页面结构复杂，存在数据噪声；评论区存在广告</a:t>
+              <a:t>平台数据量大、页面结构复杂，存在数据噪声；国内盗版网站多，新用户容易被骗，</a:t>
+            </a:r>
+            <a:r>
+              <a:rPr lang="zh-CN" altLang="en-US" dirty="0"/>
+              <a:t>而且评论区存在广告</a:t>
             </a:r>
             <a:r>
               <a:rPr lang="en-US" altLang="zh-CN" dirty="0"/>
@@ -6931,100 +7894,22 @@
             <a:endParaRPr lang="en-US" altLang="zh-CN" dirty="0"/>
           </a:p>
           <a:p>
+            <a:endParaRPr lang="en-US" altLang="zh-CN" dirty="0"/>
+          </a:p>
+          <a:p>
             <a:r>
               <a:rPr lang="zh-CN" altLang="en-US" dirty="0"/>
-              <a:t>目标：</a:t>
-            </a:r>
-            <a:endParaRPr lang="en-US" altLang="zh-CN" dirty="0"/>
-          </a:p>
-          <a:p>
-            <a:pPr marL="177800" indent="0">
-              <a:buNone/>
-            </a:pPr>
-            <a:r>
-              <a:rPr lang="en-US" altLang="zh-CN" dirty="0"/>
-              <a:t>- </a:t>
+              <a:t>目标：做一个干净一致的资料库，可以统计热销游戏的所有信息；并通过爬取信息来对相关内容进行进一步的分析总结，并据此提炼出深度结论。同时对游戏相关评论进行安全问题</a:t>
             </a:r>
             <a:r>
               <a:rPr lang="zh-CN" altLang="en-US" dirty="0"/>
-              <a:t>抓取畅销榜游戏基本信息（价格、标签、发售日等）</a:t>
-            </a:r>
-            <a:endParaRPr lang="en-US" altLang="zh-CN" dirty="0"/>
-          </a:p>
-          <a:p>
-            <a:pPr marL="177800" indent="0">
-              <a:buNone/>
-            </a:pPr>
-            <a:r>
-              <a:rPr lang="en-US" altLang="zh-CN" dirty="0"/>
-              <a:t>- </a:t>
-            </a:r>
-            <a:r>
-              <a:rPr lang="zh-CN" altLang="en-US" dirty="0"/>
-              <a:t>清洗</a:t>
-            </a:r>
-            <a:r>
-              <a:rPr lang="en-US" altLang="zh-CN" dirty="0"/>
-              <a:t>/</a:t>
-            </a:r>
-            <a:r>
-              <a:rPr lang="zh-CN" altLang="en-US" dirty="0"/>
-              <a:t>去重，生成可用数据集</a:t>
-            </a:r>
-            <a:endParaRPr lang="en-US" altLang="zh-CN" dirty="0"/>
-          </a:p>
-          <a:p>
-            <a:pPr marL="177800" indent="0">
-              <a:buNone/>
-            </a:pPr>
-            <a:r>
-              <a:rPr lang="en-US" altLang="zh-CN" dirty="0"/>
-              <a:t>- </a:t>
-            </a:r>
-            <a:r>
-              <a:rPr lang="zh-CN" altLang="en-US" dirty="0"/>
-              <a:t>抓取评论并识别威胁信息（链接</a:t>
-            </a:r>
-            <a:r>
-              <a:rPr lang="en-US" altLang="zh-CN" dirty="0"/>
-              <a:t>/</a:t>
-            </a:r>
-            <a:r>
-              <a:rPr lang="zh-CN" altLang="en-US" dirty="0"/>
-              <a:t>关键词</a:t>
-            </a:r>
-            <a:r>
-              <a:rPr lang="en-US" altLang="zh-CN" dirty="0"/>
-              <a:t>/</a:t>
-            </a:r>
-            <a:r>
-              <a:rPr lang="zh-CN" altLang="en-US" dirty="0"/>
-              <a:t>联系方式）</a:t>
-            </a:r>
-            <a:endParaRPr lang="en-US" altLang="zh-CN" dirty="0"/>
-          </a:p>
-          <a:p>
-            <a:pPr marL="177800" indent="0">
-              <a:buNone/>
-            </a:pPr>
-            <a:r>
-              <a:rPr lang="en-US" altLang="zh-CN" dirty="0"/>
-              <a:t>- </a:t>
-            </a:r>
-            <a:r>
-              <a:rPr lang="zh-CN" altLang="en-US" dirty="0"/>
-              <a:t>产出统计与可视化，支持批量分析</a:t>
-            </a:r>
-            <a:endParaRPr lang="en-US" altLang="zh-CN" dirty="0"/>
+              <a:t>警戒</a:t>
+            </a:r>
+            <a:endParaRPr lang="zh-CN" altLang="en-US" dirty="0"/>
           </a:p>
         </p:txBody>
       </p:sp>
     </p:spTree>
-    <p:extLst>
-      <p:ext uri="{BB962C8B-B14F-4D97-AF65-F5344CB8AC3E}">
-        <p14:creationId xmlns:p14="http://schemas.microsoft.com/office/powerpoint/2010/main" val="2896874711"/>
-      </p:ext>
-    </p:extLst>
   </p:cSld>
   <p:clrMapOvr>
     <a:masterClrMapping/>
@@ -7051,13 +7936,7 @@
       </p:grpSpPr>
       <p:sp>
         <p:nvSpPr>
-          <p:cNvPr id="2" name="标题 1">
-            <a:extLst>
-              <a:ext uri="{FF2B5EF4-FFF2-40B4-BE49-F238E27FC236}">
-                <a16:creationId xmlns:a16="http://schemas.microsoft.com/office/drawing/2014/main" id="{AB035194-0F1F-75CE-B821-6B7134F20273}"/>
-              </a:ext>
-            </a:extLst>
-          </p:cNvPr>
+          <p:cNvPr id="2" name="标题 1"/>
           <p:cNvSpPr>
             <a:spLocks noGrp="1"/>
           </p:cNvSpPr>
@@ -7074,18 +7953,13 @@
               <a:rPr lang="zh-CN" altLang="en-US" dirty="0"/>
               <a:t>总体架构</a:t>
             </a:r>
+            <a:endParaRPr lang="zh-CN" altLang="en-US" dirty="0"/>
           </a:p>
         </p:txBody>
       </p:sp>
       <p:sp>
         <p:nvSpPr>
-          <p:cNvPr id="3" name="文本占位符 2">
-            <a:extLst>
-              <a:ext uri="{FF2B5EF4-FFF2-40B4-BE49-F238E27FC236}">
-                <a16:creationId xmlns:a16="http://schemas.microsoft.com/office/drawing/2014/main" id="{8DACDA72-511A-42A9-8AFF-A2931899CB2D}"/>
-              </a:ext>
-            </a:extLst>
-          </p:cNvPr>
+          <p:cNvPr id="3" name="文本占位符 2"/>
           <p:cNvSpPr>
             <a:spLocks noGrp="1"/>
           </p:cNvSpPr>
@@ -7093,18 +7967,29 @@
             <p:ph type="body" idx="1"/>
           </p:nvPr>
         </p:nvSpPr>
-        <p:spPr/>
+        <p:spPr>
+          <a:xfrm>
+            <a:off x="720090" y="1216025"/>
+            <a:ext cx="8053070" cy="3232785"/>
+          </a:xfrm>
+        </p:spPr>
         <p:txBody>
           <a:bodyPr/>
           <a:lstStyle/>
           <a:p>
             <a:r>
               <a:rPr lang="zh-CN" altLang="en-US" dirty="0"/>
-              <a:t>结构：* 数据抓取：</a:t>
-            </a:r>
-            <a:r>
-              <a:rPr lang="en-US" altLang="zh-CN" dirty="0"/>
-              <a:t>`</a:t>
+              <a:t>结构：</a:t>
+            </a:r>
+            <a:endParaRPr lang="zh-CN" altLang="en-US" dirty="0"/>
+          </a:p>
+          <a:p>
+            <a:pPr marL="177800" indent="0">
+              <a:buNone/>
+            </a:pPr>
+            <a:r>
+              <a:rPr lang="zh-CN" altLang="en-US" dirty="0"/>
+              <a:t>数据抓取：</a:t>
             </a:r>
             <a:r>
               <a:rPr lang="en-US" altLang="zh-CN" dirty="0" err="1"/>
@@ -7112,58 +7997,90 @@
             </a:r>
             <a:r>
               <a:rPr lang="en-US" altLang="zh-CN" dirty="0"/>
-              <a:t>/steam_data_extractor.py`* </a:t>
-            </a:r>
+              <a:t>/steam_data_extractor.py - raw_csv</a:t>
+            </a:r>
+            <a:endParaRPr lang="en-US" altLang="zh-CN" dirty="0"/>
+          </a:p>
+          <a:p>
+            <a:pPr marL="177800" indent="0">
+              <a:buNone/>
+            </a:pPr>
             <a:r>
               <a:rPr lang="zh-CN" altLang="en-US" dirty="0"/>
               <a:t>数据清洗：</a:t>
             </a:r>
             <a:r>
-              <a:rPr lang="en-US" altLang="zh-CN" dirty="0"/>
-              <a:t>`</a:t>
-            </a:r>
-            <a:r>
               <a:rPr lang="en-US" altLang="zh-CN" dirty="0" err="1"/>
               <a:t>src</a:t>
             </a:r>
             <a:r>
               <a:rPr lang="en-US" altLang="zh-CN" dirty="0"/>
-              <a:t>/clean/data_cleaner.py`* </a:t>
-            </a:r>
+              <a:t>/clean/data_cleaner.py - cleaned_csv</a:t>
+            </a:r>
+            <a:endParaRPr lang="en-US" altLang="zh-CN" dirty="0"/>
+          </a:p>
+          <a:p>
+            <a:pPr marL="177800" indent="0">
+              <a:buNone/>
+            </a:pPr>
             <a:r>
               <a:rPr lang="zh-CN" altLang="en-US" dirty="0"/>
               <a:t>评论威胁分析：</a:t>
             </a:r>
             <a:r>
-              <a:rPr lang="en-US" altLang="zh-CN" dirty="0"/>
-              <a:t>`</a:t>
-            </a:r>
-            <a:r>
               <a:rPr lang="en-US" altLang="zh-CN" dirty="0" err="1"/>
               <a:t>src</a:t>
             </a:r>
             <a:r>
               <a:rPr lang="en-US" altLang="zh-CN" dirty="0"/>
-              <a:t>/comments/simple_steam_crawler_easy.py`</a:t>
-            </a:r>
-          </a:p>
-          <a:p>
+              <a:t>/comments/simple_steam_crawler_easy.py - comment_analysis_results.csv</a:t>
+            </a:r>
             <a:endParaRPr lang="en-US" altLang="zh-CN" dirty="0"/>
           </a:p>
           <a:p>
+            <a:pPr marL="177800" indent="0">
+              <a:buNone/>
+            </a:pPr>
             <a:r>
               <a:rPr lang="zh-CN" altLang="en-US" dirty="0"/>
-              <a:t>（流程图）</a:t>
-            </a:r>
+              <a:t>数据分析</a:t>
+            </a:r>
+            <a:r>
+              <a:rPr lang="en-US" altLang="zh-CN" dirty="0"/>
+              <a:t>:  src/analysis part/data_analsis.py </a:t>
+            </a:r>
+            <a:endParaRPr lang="en-US" altLang="zh-CN" dirty="0"/>
+          </a:p>
+          <a:p>
+            <a:endParaRPr lang="zh-CN" altLang="en-US" dirty="0"/>
           </a:p>
         </p:txBody>
       </p:sp>
+      <p:pic>
+        <p:nvPicPr>
+          <p:cNvPr id="4" name="图片 3"/>
+          <p:cNvPicPr>
+            <a:picLocks noChangeAspect="1"/>
+          </p:cNvPicPr>
+          <p:nvPr/>
+        </p:nvPicPr>
+        <p:blipFill>
+          <a:blip r:embed="rId1"/>
+          <a:stretch>
+            <a:fillRect/>
+          </a:stretch>
+        </p:blipFill>
+        <p:spPr>
+          <a:xfrm>
+            <a:off x="0" y="3103245"/>
+            <a:ext cx="9144000" cy="1345565"/>
+          </a:xfrm>
+          <a:prstGeom prst="rect">
+            <a:avLst/>
+          </a:prstGeom>
+        </p:spPr>
+      </p:pic>
     </p:spTree>
-    <p:extLst>
-      <p:ext uri="{BB962C8B-B14F-4D97-AF65-F5344CB8AC3E}">
-        <p14:creationId xmlns:p14="http://schemas.microsoft.com/office/powerpoint/2010/main" val="277497811"/>
-      </p:ext>
-    </p:extLst>
   </p:cSld>
   <p:clrMapOvr>
     <a:masterClrMapping/>
@@ -7190,13 +8107,7 @@
       </p:grpSpPr>
       <p:sp>
         <p:nvSpPr>
-          <p:cNvPr id="2" name="标题 1">
-            <a:extLst>
-              <a:ext uri="{FF2B5EF4-FFF2-40B4-BE49-F238E27FC236}">
-                <a16:creationId xmlns:a16="http://schemas.microsoft.com/office/drawing/2014/main" id="{986EA609-9EA8-916D-A1AB-A3E956DF5831}"/>
-              </a:ext>
-            </a:extLst>
-          </p:cNvPr>
+          <p:cNvPr id="2" name="标题 1"/>
           <p:cNvSpPr>
             <a:spLocks noGrp="1"/>
           </p:cNvSpPr>
@@ -7213,18 +8124,13 @@
               <a:rPr lang="zh-CN" altLang="en-US" dirty="0"/>
               <a:t>数据抓取模块</a:t>
             </a:r>
+            <a:endParaRPr lang="zh-CN" altLang="en-US" dirty="0"/>
           </a:p>
         </p:txBody>
       </p:sp>
       <p:sp>
         <p:nvSpPr>
-          <p:cNvPr id="3" name="文本占位符 2">
-            <a:extLst>
-              <a:ext uri="{FF2B5EF4-FFF2-40B4-BE49-F238E27FC236}">
-                <a16:creationId xmlns:a16="http://schemas.microsoft.com/office/drawing/2014/main" id="{2E8E4954-C89C-5C82-C74A-3A8D6FBD3EE7}"/>
-              </a:ext>
-            </a:extLst>
-          </p:cNvPr>
+          <p:cNvPr id="3" name="文本占位符 2"/>
           <p:cNvSpPr>
             <a:spLocks noGrp="1"/>
           </p:cNvSpPr>
@@ -7237,16 +8143,144 @@
           <a:bodyPr/>
           <a:lstStyle/>
           <a:p>
+            <a:endParaRPr lang="en-US" altLang="zh-CN"/>
+          </a:p>
+          <a:p>
+            <a:r>
+              <a:rPr lang="en-US" altLang="zh-CN"/>
+              <a:t>fetch_search_page</a:t>
+            </a:r>
+            <a:r>
+              <a:rPr lang="zh-CN" altLang="en-US">
+                <a:ea typeface="宋体" panose="02010600030101010101" pitchFamily="2" charset="-122"/>
+              </a:rPr>
+              <a:t>（）</a:t>
+            </a:r>
+            <a:endParaRPr lang="zh-CN" altLang="en-US">
+              <a:ea typeface="宋体" panose="02010600030101010101" pitchFamily="2" charset="-122"/>
+            </a:endParaRPr>
+          </a:p>
+          <a:p>
+            <a:r>
+              <a:rPr lang="en-US" altLang="zh-CN"/>
+              <a:t>parse_search_html</a:t>
+            </a:r>
+            <a:r>
+              <a:rPr lang="zh-CN" altLang="en-US">
+                <a:ea typeface="宋体" panose="02010600030101010101" pitchFamily="2" charset="-122"/>
+              </a:rPr>
+              <a:t>（）</a:t>
+            </a:r>
+            <a:endParaRPr lang="en-US" altLang="zh-CN"/>
+          </a:p>
+          <a:p>
+            <a:r>
+              <a:rPr lang="en-US" altLang="zh-CN"/>
+              <a:t>price_fallback_from_text</a:t>
+            </a:r>
+            <a:r>
+              <a:rPr lang="zh-CN" altLang="en-US">
+                <a:ea typeface="宋体" panose="02010600030101010101" pitchFamily="2" charset="-122"/>
+              </a:rPr>
+              <a:t>（）</a:t>
+            </a:r>
+            <a:endParaRPr lang="en-US" altLang="zh-CN"/>
+          </a:p>
+          <a:p>
+            <a:endParaRPr lang="zh-CN" altLang="en-US"/>
+          </a:p>
+          <a:p>
+            <a:endParaRPr lang="zh-CN" altLang="en-US"/>
+          </a:p>
+          <a:p>
+            <a:endParaRPr lang="zh-CN" altLang="en-US"/>
+          </a:p>
+          <a:p>
+            <a:r>
+              <a:rPr lang="zh-CN" altLang="en-US"/>
+              <a:t>数据</a:t>
+            </a:r>
+            <a:r>
+              <a:rPr lang="zh-CN" altLang="en-US"/>
+              <a:t>来源</a:t>
+            </a:r>
             <a:endParaRPr lang="zh-CN" altLang="en-US"/>
           </a:p>
         </p:txBody>
       </p:sp>
+      <p:pic>
+        <p:nvPicPr>
+          <p:cNvPr id="4" name="图片 3"/>
+          <p:cNvPicPr>
+            <a:picLocks noChangeAspect="1"/>
+          </p:cNvPicPr>
+          <p:nvPr/>
+        </p:nvPicPr>
+        <p:blipFill>
+          <a:blip r:embed="rId1"/>
+          <a:stretch>
+            <a:fillRect/>
+          </a:stretch>
+        </p:blipFill>
+        <p:spPr>
+          <a:xfrm>
+            <a:off x="4658995" y="0"/>
+            <a:ext cx="4485005" cy="1473835"/>
+          </a:xfrm>
+          <a:prstGeom prst="rect">
+            <a:avLst/>
+          </a:prstGeom>
+        </p:spPr>
+      </p:pic>
+      <p:pic>
+        <p:nvPicPr>
+          <p:cNvPr id="5" name="图片 4"/>
+          <p:cNvPicPr>
+            <a:picLocks noChangeAspect="1"/>
+          </p:cNvPicPr>
+          <p:nvPr/>
+        </p:nvPicPr>
+        <p:blipFill>
+          <a:blip r:embed="rId2"/>
+          <a:stretch>
+            <a:fillRect/>
+          </a:stretch>
+        </p:blipFill>
+        <p:spPr>
+          <a:xfrm>
+            <a:off x="4658995" y="1473835"/>
+            <a:ext cx="4485005" cy="1705610"/>
+          </a:xfrm>
+          <a:prstGeom prst="rect">
+            <a:avLst/>
+          </a:prstGeom>
+        </p:spPr>
+      </p:pic>
+      <p:pic>
+        <p:nvPicPr>
+          <p:cNvPr id="7" name="图片 6"/>
+          <p:cNvPicPr>
+            <a:picLocks noChangeAspect="1"/>
+          </p:cNvPicPr>
+          <p:nvPr/>
+        </p:nvPicPr>
+        <p:blipFill>
+          <a:blip r:embed="rId3"/>
+          <a:stretch>
+            <a:fillRect/>
+          </a:stretch>
+        </p:blipFill>
+        <p:spPr>
+          <a:xfrm>
+            <a:off x="4667885" y="2990215"/>
+            <a:ext cx="4476115" cy="2021840"/>
+          </a:xfrm>
+          <a:prstGeom prst="rect">
+            <a:avLst/>
+          </a:prstGeom>
+        </p:spPr>
+      </p:pic>
     </p:spTree>
-    <p:extLst>
-      <p:ext uri="{BB962C8B-B14F-4D97-AF65-F5344CB8AC3E}">
-        <p14:creationId xmlns:p14="http://schemas.microsoft.com/office/powerpoint/2010/main" val="3958203348"/>
-      </p:ext>
-    </p:extLst>
   </p:cSld>
   <p:clrMapOvr>
     <a:masterClrMapping/>
@@ -7273,13 +8307,7 @@
       </p:grpSpPr>
       <p:sp>
         <p:nvSpPr>
-          <p:cNvPr id="2" name="标题 1">
-            <a:extLst>
-              <a:ext uri="{FF2B5EF4-FFF2-40B4-BE49-F238E27FC236}">
-                <a16:creationId xmlns:a16="http://schemas.microsoft.com/office/drawing/2014/main" id="{99370F55-0283-7FD6-A5D0-FAB91702BF11}"/>
-              </a:ext>
-            </a:extLst>
-          </p:cNvPr>
+          <p:cNvPr id="2" name="标题 1"/>
           <p:cNvSpPr>
             <a:spLocks noGrp="1"/>
           </p:cNvSpPr>
@@ -7296,18 +8324,17 @@
               <a:rPr lang="zh-CN" altLang="en-US" dirty="0"/>
               <a:t>数据清洗模块</a:t>
             </a:r>
+            <a:r>
+              <a:rPr lang="en-US" altLang="zh-CN" dirty="0"/>
+              <a:t> </a:t>
+            </a:r>
+            <a:endParaRPr lang="en-US" altLang="zh-CN" dirty="0"/>
           </a:p>
         </p:txBody>
       </p:sp>
       <p:sp>
         <p:nvSpPr>
-          <p:cNvPr id="3" name="文本占位符 2">
-            <a:extLst>
-              <a:ext uri="{FF2B5EF4-FFF2-40B4-BE49-F238E27FC236}">
-                <a16:creationId xmlns:a16="http://schemas.microsoft.com/office/drawing/2014/main" id="{9EEF18FF-EFC5-C8FD-5A0A-08742AC00C39}"/>
-              </a:ext>
-            </a:extLst>
-          </p:cNvPr>
+          <p:cNvPr id="3" name="文本占位符 2"/>
           <p:cNvSpPr>
             <a:spLocks noGrp="1"/>
           </p:cNvSpPr>
@@ -7315,21 +8342,492 @@
             <p:ph type="body" idx="1"/>
           </p:nvPr>
         </p:nvSpPr>
-        <p:spPr/>
+        <p:spPr>
+          <a:xfrm>
+            <a:off x="647610" y="1215750"/>
+            <a:ext cx="7704000" cy="3233100"/>
+          </a:xfrm>
+        </p:spPr>
         <p:txBody>
           <a:bodyPr/>
           <a:lstStyle/>
           <a:p>
+            <a:pPr marL="177800" indent="0">
+              <a:buNone/>
+            </a:pPr>
             <a:endParaRPr lang="zh-CN" altLang="en-US"/>
+          </a:p>
+          <a:p>
+            <a:endParaRPr lang="zh-CN" altLang="en-US"/>
+          </a:p>
+          <a:p>
+            <a:pPr marL="177800" indent="0">
+              <a:buNone/>
+            </a:pPr>
+            <a:r>
+              <a:rPr lang="zh-CN" altLang="en-US"/>
+              <a:t>清洗</a:t>
+            </a:r>
+            <a:r>
+              <a:rPr lang="zh-CN" altLang="en-US"/>
+              <a:t>规范：</a:t>
+            </a:r>
+            <a:endParaRPr lang="zh-CN" altLang="en-US"/>
+          </a:p>
+          <a:p>
+            <a:r>
+              <a:rPr lang="zh-CN" altLang="en-US"/>
+              <a:t>标题：去</a:t>
+            </a:r>
+            <a:r>
+              <a:rPr lang="en-US" altLang="en-US"/>
+              <a:t>™</a:t>
+            </a:r>
+            <a:r>
+              <a:rPr lang="en-US" altLang="zh-CN"/>
+              <a:t>/</a:t>
+            </a:r>
+            <a:r>
+              <a:rPr lang="en-US" altLang="en-US"/>
+              <a:t>®</a:t>
+            </a:r>
+            <a:r>
+              <a:rPr lang="en-US" altLang="zh-CN"/>
+              <a:t>/</a:t>
+            </a:r>
+            <a:r>
+              <a:rPr lang="en-US" altLang="en-US"/>
+              <a:t>©</a:t>
+            </a:r>
+            <a:r>
+              <a:rPr lang="zh-CN">
+                <a:ea typeface="宋体" panose="02010600030101010101" pitchFamily="2" charset="-122"/>
+              </a:rPr>
+              <a:t>与多余</a:t>
+            </a:r>
+            <a:r>
+              <a:rPr lang="zh-CN">
+                <a:ea typeface="宋体" panose="02010600030101010101" pitchFamily="2" charset="-122"/>
+              </a:rPr>
+              <a:t>空白</a:t>
+            </a:r>
+            <a:endParaRPr lang="zh-CN">
+              <a:ea typeface="宋体" panose="02010600030101010101" pitchFamily="2" charset="-122"/>
+            </a:endParaRPr>
+          </a:p>
+          <a:p>
+            <a:r>
+              <a:rPr lang="zh-CN">
+                <a:ea typeface="宋体" panose="02010600030101010101" pitchFamily="2" charset="-122"/>
+              </a:rPr>
+              <a:t>价格：正则提取数字为</a:t>
+            </a:r>
+            <a:r>
+              <a:rPr lang="en-US" altLang="zh-CN">
+                <a:ea typeface="宋体" panose="02010600030101010101" pitchFamily="2" charset="-122"/>
+              </a:rPr>
+              <a:t>float</a:t>
+            </a:r>
+            <a:r>
+              <a:rPr lang="zh-CN">
+                <a:ea typeface="宋体" panose="02010600030101010101" pitchFamily="2" charset="-122"/>
+              </a:rPr>
+              <a:t>，无数字</a:t>
+            </a:r>
+            <a:r>
+              <a:rPr lang="en-US" altLang="zh-CN">
+                <a:ea typeface="宋体" panose="02010600030101010101" pitchFamily="2" charset="-122"/>
+              </a:rPr>
+              <a:t>-&gt;0</a:t>
+            </a:r>
+            <a:endParaRPr lang="en-US" altLang="zh-CN">
+              <a:ea typeface="宋体" panose="02010600030101010101" pitchFamily="2" charset="-122"/>
+            </a:endParaRPr>
+          </a:p>
+          <a:p>
+            <a:r>
+              <a:rPr lang="en-US" altLang="zh-CN">
+                <a:ea typeface="宋体" panose="02010600030101010101" pitchFamily="2" charset="-122"/>
+              </a:rPr>
+              <a:t>tag</a:t>
+            </a:r>
+            <a:r>
+              <a:rPr lang="zh-CN" altLang="en-US">
+                <a:ea typeface="宋体" panose="02010600030101010101" pitchFamily="2" charset="-122"/>
+              </a:rPr>
+              <a:t>标签：统一分割，</a:t>
+            </a:r>
+            <a:r>
+              <a:rPr lang="zh-CN" altLang="en-US">
+                <a:ea typeface="宋体" panose="02010600030101010101" pitchFamily="2" charset="-122"/>
+              </a:rPr>
+              <a:t>去重</a:t>
+            </a:r>
+            <a:endParaRPr lang="zh-CN" altLang="en-US">
+              <a:ea typeface="宋体" panose="02010600030101010101" pitchFamily="2" charset="-122"/>
+            </a:endParaRPr>
+          </a:p>
+          <a:p>
+            <a:r>
+              <a:rPr lang="zh-CN" altLang="en-US">
+                <a:ea typeface="宋体" panose="02010600030101010101" pitchFamily="2" charset="-122"/>
+              </a:rPr>
+              <a:t>合法性</a:t>
+            </a:r>
+            <a:endParaRPr lang="zh-CN" altLang="en-US">
+              <a:ea typeface="宋体" panose="02010600030101010101" pitchFamily="2" charset="-122"/>
+            </a:endParaRPr>
+          </a:p>
+        </p:txBody>
+      </p:sp>
+      <p:sp>
+        <p:nvSpPr>
+          <p:cNvPr id="7" name="文本占位符 2"/>
+          <p:cNvSpPr>
+            <a:spLocks noGrp="1"/>
+          </p:cNvSpPr>
+          <p:nvPr/>
+        </p:nvSpPr>
+        <p:spPr>
+          <a:xfrm>
+            <a:off x="4572000" y="1911985"/>
+            <a:ext cx="4439285" cy="2432050"/>
+          </a:xfrm>
+          <a:prstGeom prst="rect">
+            <a:avLst/>
+          </a:prstGeom>
+          <a:noFill/>
+          <a:ln>
+            <a:noFill/>
+          </a:ln>
+        </p:spPr>
+        <p:txBody>
+          <a:bodyPr wrap="square" lIns="91425" tIns="91425" rIns="91425" bIns="91425" anchor="t" anchorCtr="0">
+            <a:noAutofit/>
+          </a:bodyPr>
+          <a:lstStyle>
+            <a:defPPr marR="0" lvl="0" algn="l" rtl="0">
+              <a:lnSpc>
+                <a:spcPct val="100000"/>
+              </a:lnSpc>
+              <a:spcBef>
+                <a:spcPts val="0"/>
+              </a:spcBef>
+              <a:spcAft>
+                <a:spcPts val="0"/>
+              </a:spcAft>
+            </a:defPPr>
+            <a:lvl1pPr marL="457200" marR="0" lvl="0" indent="-279400" algn="l" rtl="0">
+              <a:lnSpc>
+                <a:spcPct val="115000"/>
+              </a:lnSpc>
+              <a:spcBef>
+                <a:spcPts val="0"/>
+              </a:spcBef>
+              <a:spcAft>
+                <a:spcPts val="0"/>
+              </a:spcAft>
+              <a:buClr>
+                <a:schemeClr val="dk1"/>
+              </a:buClr>
+              <a:buSzPts val="800"/>
+              <a:buFont typeface="Hanken Grotesk"/>
+              <a:buChar char="●"/>
+              <a:defRPr sz="1400" b="0" i="0" u="none" strike="noStrike" cap="none">
+                <a:solidFill>
+                  <a:schemeClr val="dk1"/>
+                </a:solidFill>
+                <a:latin typeface="Hanken Grotesk"/>
+                <a:ea typeface="Hanken Grotesk"/>
+                <a:cs typeface="Hanken Grotesk"/>
+                <a:sym typeface="Hanken Grotesk"/>
+              </a:defRPr>
+            </a:lvl1pPr>
+            <a:lvl2pPr marL="914400" marR="0" lvl="1" indent="-304800" algn="l" rtl="0">
+              <a:lnSpc>
+                <a:spcPct val="115000"/>
+              </a:lnSpc>
+              <a:spcBef>
+                <a:spcPts val="0"/>
+              </a:spcBef>
+              <a:spcAft>
+                <a:spcPts val="0"/>
+              </a:spcAft>
+              <a:buClr>
+                <a:schemeClr val="dk1"/>
+              </a:buClr>
+              <a:buSzPts val="1200"/>
+              <a:buFont typeface="Hanken Grotesk"/>
+              <a:buChar char="○"/>
+              <a:defRPr sz="1400" b="0" i="0" u="none" strike="noStrike" cap="none">
+                <a:solidFill>
+                  <a:schemeClr val="dk1"/>
+                </a:solidFill>
+                <a:latin typeface="Hanken Grotesk"/>
+                <a:ea typeface="Hanken Grotesk"/>
+                <a:cs typeface="Hanken Grotesk"/>
+                <a:sym typeface="Hanken Grotesk"/>
+              </a:defRPr>
+            </a:lvl2pPr>
+            <a:lvl3pPr marL="1371600" marR="0" lvl="2" indent="-304800" algn="l" rtl="0">
+              <a:lnSpc>
+                <a:spcPct val="115000"/>
+              </a:lnSpc>
+              <a:spcBef>
+                <a:spcPts val="0"/>
+              </a:spcBef>
+              <a:spcAft>
+                <a:spcPts val="0"/>
+              </a:spcAft>
+              <a:buClr>
+                <a:schemeClr val="dk1"/>
+              </a:buClr>
+              <a:buSzPts val="1200"/>
+              <a:buFont typeface="Hanken Grotesk"/>
+              <a:buChar char="■"/>
+              <a:defRPr sz="1400" b="0" i="0" u="none" strike="noStrike" cap="none">
+                <a:solidFill>
+                  <a:schemeClr val="dk1"/>
+                </a:solidFill>
+                <a:latin typeface="Hanken Grotesk"/>
+                <a:ea typeface="Hanken Grotesk"/>
+                <a:cs typeface="Hanken Grotesk"/>
+                <a:sym typeface="Hanken Grotesk"/>
+              </a:defRPr>
+            </a:lvl3pPr>
+            <a:lvl4pPr marL="1828800" marR="0" lvl="3" indent="-304800" algn="l" rtl="0">
+              <a:lnSpc>
+                <a:spcPct val="115000"/>
+              </a:lnSpc>
+              <a:spcBef>
+                <a:spcPts val="0"/>
+              </a:spcBef>
+              <a:spcAft>
+                <a:spcPts val="0"/>
+              </a:spcAft>
+              <a:buClr>
+                <a:schemeClr val="dk1"/>
+              </a:buClr>
+              <a:buSzPts val="1200"/>
+              <a:buFont typeface="Hanken Grotesk"/>
+              <a:buChar char="●"/>
+              <a:defRPr sz="1400" b="0" i="0" u="none" strike="noStrike" cap="none">
+                <a:solidFill>
+                  <a:schemeClr val="dk1"/>
+                </a:solidFill>
+                <a:latin typeface="Hanken Grotesk"/>
+                <a:ea typeface="Hanken Grotesk"/>
+                <a:cs typeface="Hanken Grotesk"/>
+                <a:sym typeface="Hanken Grotesk"/>
+              </a:defRPr>
+            </a:lvl4pPr>
+            <a:lvl5pPr marL="2286000" marR="0" lvl="4" indent="-304800" algn="l" rtl="0">
+              <a:lnSpc>
+                <a:spcPct val="115000"/>
+              </a:lnSpc>
+              <a:spcBef>
+                <a:spcPts val="0"/>
+              </a:spcBef>
+              <a:spcAft>
+                <a:spcPts val="0"/>
+              </a:spcAft>
+              <a:buClr>
+                <a:schemeClr val="dk1"/>
+              </a:buClr>
+              <a:buSzPts val="1200"/>
+              <a:buFont typeface="Hanken Grotesk"/>
+              <a:buChar char="○"/>
+              <a:defRPr sz="1400" b="0" i="0" u="none" strike="noStrike" cap="none">
+                <a:solidFill>
+                  <a:schemeClr val="dk1"/>
+                </a:solidFill>
+                <a:latin typeface="Hanken Grotesk"/>
+                <a:ea typeface="Hanken Grotesk"/>
+                <a:cs typeface="Hanken Grotesk"/>
+                <a:sym typeface="Hanken Grotesk"/>
+              </a:defRPr>
+            </a:lvl5pPr>
+            <a:lvl6pPr marL="2743200" marR="0" lvl="5" indent="-304800" algn="l" rtl="0">
+              <a:lnSpc>
+                <a:spcPct val="115000"/>
+              </a:lnSpc>
+              <a:spcBef>
+                <a:spcPts val="0"/>
+              </a:spcBef>
+              <a:spcAft>
+                <a:spcPts val="0"/>
+              </a:spcAft>
+              <a:buClr>
+                <a:schemeClr val="dk1"/>
+              </a:buClr>
+              <a:buSzPts val="1200"/>
+              <a:buFont typeface="Hanken Grotesk"/>
+              <a:buChar char="■"/>
+              <a:defRPr sz="1400" b="0" i="0" u="none" strike="noStrike" cap="none">
+                <a:solidFill>
+                  <a:schemeClr val="dk1"/>
+                </a:solidFill>
+                <a:latin typeface="Hanken Grotesk"/>
+                <a:ea typeface="Hanken Grotesk"/>
+                <a:cs typeface="Hanken Grotesk"/>
+                <a:sym typeface="Hanken Grotesk"/>
+              </a:defRPr>
+            </a:lvl6pPr>
+            <a:lvl7pPr marL="3200400" marR="0" lvl="6" indent="-304800" algn="l" rtl="0">
+              <a:lnSpc>
+                <a:spcPct val="115000"/>
+              </a:lnSpc>
+              <a:spcBef>
+                <a:spcPts val="0"/>
+              </a:spcBef>
+              <a:spcAft>
+                <a:spcPts val="0"/>
+              </a:spcAft>
+              <a:buClr>
+                <a:schemeClr val="dk1"/>
+              </a:buClr>
+              <a:buSzPts val="1200"/>
+              <a:buFont typeface="Hanken Grotesk"/>
+              <a:buChar char="●"/>
+              <a:defRPr sz="1400" b="0" i="0" u="none" strike="noStrike" cap="none">
+                <a:solidFill>
+                  <a:schemeClr val="dk1"/>
+                </a:solidFill>
+                <a:latin typeface="Hanken Grotesk"/>
+                <a:ea typeface="Hanken Grotesk"/>
+                <a:cs typeface="Hanken Grotesk"/>
+                <a:sym typeface="Hanken Grotesk"/>
+              </a:defRPr>
+            </a:lvl7pPr>
+            <a:lvl8pPr marL="3657600" marR="0" lvl="7" indent="-304800" algn="l" rtl="0">
+              <a:lnSpc>
+                <a:spcPct val="115000"/>
+              </a:lnSpc>
+              <a:spcBef>
+                <a:spcPts val="0"/>
+              </a:spcBef>
+              <a:spcAft>
+                <a:spcPts val="0"/>
+              </a:spcAft>
+              <a:buClr>
+                <a:schemeClr val="dk1"/>
+              </a:buClr>
+              <a:buSzPts val="1200"/>
+              <a:buFont typeface="Hanken Grotesk"/>
+              <a:buChar char="○"/>
+              <a:defRPr sz="1400" b="0" i="0" u="none" strike="noStrike" cap="none">
+                <a:solidFill>
+                  <a:schemeClr val="dk1"/>
+                </a:solidFill>
+                <a:latin typeface="Hanken Grotesk"/>
+                <a:ea typeface="Hanken Grotesk"/>
+                <a:cs typeface="Hanken Grotesk"/>
+                <a:sym typeface="Hanken Grotesk"/>
+              </a:defRPr>
+            </a:lvl8pPr>
+            <a:lvl9pPr marL="4114800" marR="0" lvl="8" indent="-304800" algn="l" rtl="0">
+              <a:lnSpc>
+                <a:spcPct val="115000"/>
+              </a:lnSpc>
+              <a:spcBef>
+                <a:spcPts val="0"/>
+              </a:spcBef>
+              <a:spcAft>
+                <a:spcPts val="0"/>
+              </a:spcAft>
+              <a:buClr>
+                <a:schemeClr val="dk1"/>
+              </a:buClr>
+              <a:buSzPts val="1200"/>
+              <a:buFont typeface="Hanken Grotesk"/>
+              <a:buChar char="■"/>
+              <a:defRPr sz="1400" b="0" i="0" u="none" strike="noStrike" cap="none">
+                <a:solidFill>
+                  <a:schemeClr val="dk1"/>
+                </a:solidFill>
+                <a:latin typeface="Hanken Grotesk"/>
+                <a:ea typeface="Hanken Grotesk"/>
+                <a:cs typeface="Hanken Grotesk"/>
+                <a:sym typeface="Hanken Grotesk"/>
+              </a:defRPr>
+            </a:lvl9pPr>
+          </a:lstStyle>
+          <a:p>
+            <a:r>
+              <a:rPr lang="en-US" altLang="zh-CN"/>
+              <a:t>str.</a:t>
+            </a:r>
+            <a:r>
+              <a:rPr lang="en-US" altLang="zh-CN"/>
+              <a:t>strip()</a:t>
+            </a:r>
+            <a:endParaRPr lang="en-US" altLang="zh-CN"/>
+          </a:p>
+          <a:p>
+            <a:endParaRPr lang="en-US" altLang="zh-CN"/>
+          </a:p>
+          <a:p>
+            <a:r>
+              <a:rPr lang="en-US" altLang="zh-CN"/>
+              <a:t>re.sub(r'\s+', ' ', ...)     sub(r'[</a:t>
+            </a:r>
+            <a:r>
+              <a:rPr lang="" altLang="en-US"/>
+              <a:t>™</a:t>
+            </a:r>
+            <a:r>
+              <a:rPr lang="en-US" altLang="en-US"/>
+              <a:t>®</a:t>
+            </a:r>
+            <a:r>
+              <a:rPr lang="" altLang="en-US"/>
+              <a:t>©</a:t>
+            </a:r>
+            <a:r>
+              <a:rPr lang="en-US" altLang="zh-CN"/>
+              <a:t>]', '', ...) </a:t>
+            </a:r>
+            <a:endParaRPr lang="en-US" altLang="zh-CN"/>
+          </a:p>
+          <a:p>
+            <a:endParaRPr lang="en-US" altLang="zh-CN"/>
+          </a:p>
+          <a:p>
+            <a:r>
+              <a:rPr lang="en-US" altLang="zh-CN"/>
+              <a:t>re.findall(r'\d+.?\d*', ...)</a:t>
+            </a:r>
+            <a:endParaRPr lang="en-US" altLang="zh-CN"/>
+          </a:p>
+          <a:p>
+            <a:endParaRPr lang="en-US" altLang="zh-CN"/>
+          </a:p>
+          <a:p>
+            <a:r>
+              <a:rPr lang="en-US" altLang="zh-CN"/>
+              <a:t>replace('</a:t>
+            </a:r>
+            <a:r>
+              <a:rPr lang="zh-CN" altLang="en-US"/>
+              <a:t>，</a:t>
+            </a:r>
+            <a:r>
+              <a:rPr lang="en-US" altLang="zh-CN"/>
+              <a:t>'/'</a:t>
+            </a:r>
+            <a:r>
+              <a:rPr lang="zh-CN" altLang="en-US"/>
+              <a:t>、</a:t>
+            </a:r>
+            <a:r>
+              <a:rPr lang="en-US" altLang="zh-CN"/>
+              <a:t>'/'|'/';', ',')</a:t>
+            </a:r>
+            <a:endParaRPr lang="en-US" altLang="zh-CN"/>
           </a:p>
         </p:txBody>
       </p:sp>
     </p:spTree>
-    <p:extLst>
-      <p:ext uri="{BB962C8B-B14F-4D97-AF65-F5344CB8AC3E}">
-        <p14:creationId xmlns:p14="http://schemas.microsoft.com/office/powerpoint/2010/main" val="1239208590"/>
-      </p:ext>
-    </p:extLst>
   </p:cSld>
   <p:clrMapOvr>
     <a:masterClrMapping/>
@@ -7356,13 +8854,7 @@
       </p:grpSpPr>
       <p:sp>
         <p:nvSpPr>
-          <p:cNvPr id="2" name="标题 1">
-            <a:extLst>
-              <a:ext uri="{FF2B5EF4-FFF2-40B4-BE49-F238E27FC236}">
-                <a16:creationId xmlns:a16="http://schemas.microsoft.com/office/drawing/2014/main" id="{57E73FE5-7E94-0900-436C-0463F36802C3}"/>
-              </a:ext>
-            </a:extLst>
-          </p:cNvPr>
+          <p:cNvPr id="2" name="标题 1"/>
           <p:cNvSpPr>
             <a:spLocks noGrp="1"/>
           </p:cNvSpPr>
@@ -7377,20 +8869,15 @@
           <a:p>
             <a:r>
               <a:rPr lang="zh-CN" altLang="en-US" dirty="0"/>
-              <a:t>评论威胁分析模块</a:t>
-            </a:r>
+              <a:t>数据清洗模块</a:t>
+            </a:r>
+            <a:endParaRPr lang="zh-CN" altLang="en-US" dirty="0"/>
           </a:p>
         </p:txBody>
       </p:sp>
       <p:sp>
         <p:nvSpPr>
-          <p:cNvPr id="3" name="文本占位符 2">
-            <a:extLst>
-              <a:ext uri="{FF2B5EF4-FFF2-40B4-BE49-F238E27FC236}">
-                <a16:creationId xmlns:a16="http://schemas.microsoft.com/office/drawing/2014/main" id="{00CA6E6A-312C-3CE5-62E3-33112DC9CF2A}"/>
-              </a:ext>
-            </a:extLst>
-          </p:cNvPr>
+          <p:cNvPr id="3" name="文本占位符 2"/>
           <p:cNvSpPr>
             <a:spLocks noGrp="1"/>
           </p:cNvSpPr>
@@ -7403,16 +8890,95 @@
           <a:bodyPr/>
           <a:lstStyle/>
           <a:p>
+            <a:pPr marL="177800" indent="0">
+              <a:buNone/>
+            </a:pPr>
+            <a:r>
+              <a:rPr lang="zh-CN" altLang="en-US"/>
+              <a:t>清洗前：</a:t>
+            </a:r>
+            <a:endParaRPr lang="zh-CN" altLang="en-US"/>
+          </a:p>
+        </p:txBody>
+      </p:sp>
+      <p:pic>
+        <p:nvPicPr>
+          <p:cNvPr id="6" name="图片 5"/>
+          <p:cNvPicPr>
+            <a:picLocks noChangeAspect="1"/>
+          </p:cNvPicPr>
+          <p:nvPr/>
+        </p:nvPicPr>
+        <p:blipFill>
+          <a:blip r:embed="rId1"/>
+          <a:stretch>
+            <a:fillRect/>
+          </a:stretch>
+        </p:blipFill>
+        <p:spPr>
+          <a:xfrm>
+            <a:off x="628650" y="1685290"/>
+            <a:ext cx="8515350" cy="998220"/>
+          </a:xfrm>
+          <a:prstGeom prst="rect">
+            <a:avLst/>
+          </a:prstGeom>
+        </p:spPr>
+      </p:pic>
+      <p:pic>
+        <p:nvPicPr>
+          <p:cNvPr id="7" name="图片 6"/>
+          <p:cNvPicPr>
+            <a:picLocks noChangeAspect="1"/>
+          </p:cNvPicPr>
+          <p:nvPr/>
+        </p:nvPicPr>
+        <p:blipFill>
+          <a:blip r:embed="rId2"/>
+          <a:stretch>
+            <a:fillRect/>
+          </a:stretch>
+        </p:blipFill>
+        <p:spPr>
+          <a:xfrm>
+            <a:off x="628650" y="3247390"/>
+            <a:ext cx="9144000" cy="1043305"/>
+          </a:xfrm>
+          <a:prstGeom prst="rect">
+            <a:avLst/>
+          </a:prstGeom>
+        </p:spPr>
+      </p:pic>
+      <p:sp>
+        <p:nvSpPr>
+          <p:cNvPr id="9" name="文本框 8"/>
+          <p:cNvSpPr txBox="1"/>
+          <p:nvPr/>
+        </p:nvSpPr>
+        <p:spPr>
+          <a:xfrm>
+            <a:off x="874395" y="2889250"/>
+            <a:ext cx="3048000" cy="306705"/>
+          </a:xfrm>
+          <a:prstGeom prst="rect">
+            <a:avLst/>
+          </a:prstGeom>
+          <a:noFill/>
+        </p:spPr>
+        <p:txBody>
+          <a:bodyPr wrap="square" rtlCol="0">
+            <a:spAutoFit/>
+          </a:bodyPr>
+          <a:p>
+            <a:r>
+              <a:rPr lang="zh-CN" altLang="en-US"/>
+              <a:t>清洗后：</a:t>
+            </a:r>
             <a:endParaRPr lang="zh-CN" altLang="en-US"/>
           </a:p>
         </p:txBody>
       </p:sp>
     </p:spTree>
-    <p:extLst>
-      <p:ext uri="{BB962C8B-B14F-4D97-AF65-F5344CB8AC3E}">
-        <p14:creationId xmlns:p14="http://schemas.microsoft.com/office/powerpoint/2010/main" val="2766901549"/>
-      </p:ext>
-    </p:extLst>
   </p:cSld>
   <p:clrMapOvr>
     <a:masterClrMapping/>
@@ -7429,23 +8995,10 @@
         <p:cNvGrpSpPr/>
         <p:nvPr/>
       </p:nvGrpSpPr>
-      <p:grpSpPr>
-        <a:xfrm>
-          <a:off x="0" y="0"/>
-          <a:ext cx="0" cy="0"/>
-          <a:chOff x="0" y="0"/>
-          <a:chExt cx="0" cy="0"/>
-        </a:xfrm>
-      </p:grpSpPr>
+      <p:grpSpPr/>
       <p:sp>
         <p:nvSpPr>
-          <p:cNvPr id="2" name="标题 1">
-            <a:extLst>
-              <a:ext uri="{FF2B5EF4-FFF2-40B4-BE49-F238E27FC236}">
-                <a16:creationId xmlns:a16="http://schemas.microsoft.com/office/drawing/2014/main" id="{B9AE6AD6-BB44-1B98-AF63-D765E5090C2A}"/>
-              </a:ext>
-            </a:extLst>
-          </p:cNvPr>
+          <p:cNvPr id="2" name="标题 1"/>
           <p:cNvSpPr>
             <a:spLocks noGrp="1"/>
           </p:cNvSpPr>
@@ -7456,24 +9009,14 @@
         <p:spPr/>
         <p:txBody>
           <a:bodyPr/>
-          <a:lstStyle/>
-          <a:p>
-            <a:r>
-              <a:rPr lang="zh-CN" altLang="en-US" dirty="0"/>
-              <a:t>批量分析与可视化</a:t>
-            </a:r>
+          <a:p>
+            <a:endParaRPr lang="zh-CN" altLang="en-US"/>
           </a:p>
         </p:txBody>
       </p:sp>
       <p:sp>
         <p:nvSpPr>
-          <p:cNvPr id="3" name="文本占位符 2">
-            <a:extLst>
-              <a:ext uri="{FF2B5EF4-FFF2-40B4-BE49-F238E27FC236}">
-                <a16:creationId xmlns:a16="http://schemas.microsoft.com/office/drawing/2014/main" id="{900EDC6F-88F9-3F11-672A-063A46140217}"/>
-              </a:ext>
-            </a:extLst>
-          </p:cNvPr>
+          <p:cNvPr id="3" name="文本占位符 2"/>
           <p:cNvSpPr>
             <a:spLocks noGrp="1"/>
           </p:cNvSpPr>
@@ -7484,18 +9027,12 @@
         <p:spPr/>
         <p:txBody>
           <a:bodyPr/>
-          <a:lstStyle/>
           <a:p>
             <a:endParaRPr lang="zh-CN" altLang="en-US"/>
           </a:p>
         </p:txBody>
       </p:sp>
     </p:spTree>
-    <p:extLst>
-      <p:ext uri="{BB962C8B-B14F-4D97-AF65-F5344CB8AC3E}">
-        <p14:creationId xmlns:p14="http://schemas.microsoft.com/office/powerpoint/2010/main" val="1063004109"/>
-      </p:ext>
-    </p:extLst>
   </p:cSld>
   <p:clrMapOvr>
     <a:masterClrMapping/>
@@ -7779,8 +9316,11 @@
       </a:bgFillStyleLst>
     </a:fmtScheme>
   </a:themeElements>
-  <a:objectDefaults/>
-  <a:extraClrSchemeLst/>
+  <a:extLst>
+    <a:ext uri="{05A4C25C-085E-4340-85A3-A5531E510DB2}">
+      <thm15:themeFamily xmlns:thm15="http://schemas.microsoft.com/office/thememl/2012/main" name="Office Theme" id="{62F939B6-93AF-4DB8-9C6B-D6C7DFDC589F}" vid="{4A3C46E8-61CC-4603-A589-7422A47A8E4A}"/>
+    </a:ext>
+  </a:extLst>
 </a:theme>
 </file>
 
@@ -8060,8 +9600,11 @@
       </a:bgFillStyleLst>
     </a:fmtScheme>
   </a:themeElements>
-  <a:objectDefaults/>
-  <a:extraClrSchemeLst/>
+  <a:extLst>
+    <a:ext uri="{05A4C25C-085E-4340-85A3-A5531E510DB2}">
+      <thm15:themeFamily xmlns:thm15="http://schemas.microsoft.com/office/thememl/2012/main" name="Office Theme" id="{62F939B6-93AF-4DB8-9C6B-D6C7DFDC589F}" vid="{4A3C46E8-61CC-4603-A589-7422A47A8E4A}"/>
+    </a:ext>
+  </a:extLst>
 </a:theme>
 </file>
 
@@ -8341,7 +9884,10 @@
       </a:bgFillStyleLst>
     </a:fmtScheme>
   </a:themeElements>
-  <a:objectDefaults/>
-  <a:extraClrSchemeLst/>
+  <a:extLst>
+    <a:ext uri="{05A4C25C-085E-4340-85A3-A5531E510DB2}">
+      <thm15:themeFamily xmlns:thm15="http://schemas.microsoft.com/office/thememl/2012/main" name="Office Theme" id="{62F939B6-93AF-4DB8-9C6B-D6C7DFDC589F}" vid="{4A3C46E8-61CC-4603-A589-7422A47A8E4A}"/>
+    </a:ext>
+  </a:extLst>
 </a:theme>
 </file>